--- a/RM_01.pptx
+++ b/RM_01.pptx
@@ -4,6 +4,9 @@
   <p:sldMasterIdLst>
     <p:sldMasterId id="2147483660" r:id="rId1"/>
   </p:sldMasterIdLst>
+  <p:notesMasterIdLst>
+    <p:notesMasterId r:id="rId17"/>
+  </p:notesMasterIdLst>
   <p:sldIdLst>
     <p:sldId id="276" r:id="rId2"/>
     <p:sldId id="264" r:id="rId3"/>
@@ -124,6 +127,439 @@
     </p:ext>
   </p:extLst>
 </p:presentation>
+</file>
+
+<file path=ppt/notesMasters/notesMaster1.xml><?xml version="1.0" encoding="utf-8"?>
+<p:notesMaster xmlns:a="http://schemas.openxmlformats.org/drawingml/2006/main" xmlns:r="http://schemas.openxmlformats.org/officeDocument/2006/relationships" xmlns:p="http://schemas.openxmlformats.org/presentationml/2006/main">
+  <p:cSld>
+    <p:bg>
+      <p:bgRef idx="1001">
+        <a:schemeClr val="bg1"/>
+      </p:bgRef>
+    </p:bg>
+    <p:spTree>
+      <p:nvGrpSpPr>
+        <p:cNvPr id="1" name=""/>
+        <p:cNvGrpSpPr/>
+        <p:nvPr/>
+      </p:nvGrpSpPr>
+      <p:grpSpPr>
+        <a:xfrm>
+          <a:off x="0" y="0"/>
+          <a:ext cx="0" cy="0"/>
+          <a:chOff x="0" y="0"/>
+          <a:chExt cx="0" cy="0"/>
+        </a:xfrm>
+      </p:grpSpPr>
+      <p:sp>
+        <p:nvSpPr>
+          <p:cNvPr id="2" name="页眉占位符 1"/>
+          <p:cNvSpPr>
+            <a:spLocks noGrp="1"/>
+          </p:cNvSpPr>
+          <p:nvPr>
+            <p:ph type="hdr" sz="quarter"/>
+          </p:nvPr>
+        </p:nvSpPr>
+        <p:spPr>
+          <a:xfrm>
+            <a:off x="0" y="0"/>
+            <a:ext cx="2971800" cy="458788"/>
+          </a:xfrm>
+          <a:prstGeom prst="rect">
+            <a:avLst/>
+          </a:prstGeom>
+        </p:spPr>
+        <p:txBody>
+          <a:bodyPr vert="horz" lIns="91440" tIns="45720" rIns="91440" bIns="45720" rtlCol="0"/>
+          <a:lstStyle>
+            <a:lvl1pPr algn="l">
+              <a:defRPr sz="1200"/>
+            </a:lvl1pPr>
+          </a:lstStyle>
+          <a:p>
+            <a:endParaRPr lang="zh-CN" altLang="en-US"/>
+          </a:p>
+        </p:txBody>
+      </p:sp>
+      <p:sp>
+        <p:nvSpPr>
+          <p:cNvPr id="3" name="日期占位符 2"/>
+          <p:cNvSpPr>
+            <a:spLocks noGrp="1"/>
+          </p:cNvSpPr>
+          <p:nvPr>
+            <p:ph type="dt" idx="1"/>
+          </p:nvPr>
+        </p:nvSpPr>
+        <p:spPr>
+          <a:xfrm>
+            <a:off x="3884613" y="0"/>
+            <a:ext cx="2971800" cy="458788"/>
+          </a:xfrm>
+          <a:prstGeom prst="rect">
+            <a:avLst/>
+          </a:prstGeom>
+        </p:spPr>
+        <p:txBody>
+          <a:bodyPr vert="horz" lIns="91440" tIns="45720" rIns="91440" bIns="45720" rtlCol="0"/>
+          <a:lstStyle>
+            <a:lvl1pPr algn="r">
+              <a:defRPr sz="1200"/>
+            </a:lvl1pPr>
+          </a:lstStyle>
+          <a:p>
+            <a:fld id="{1F07882A-B2E3-4D5E-8C5C-3CFD46A47FCB}" type="datetimeFigureOut">
+              <a:rPr lang="zh-CN" altLang="en-US" smtClean="0"/>
+              <a:t>2023/6/22</a:t>
+            </a:fld>
+            <a:endParaRPr lang="zh-CN" altLang="en-US"/>
+          </a:p>
+        </p:txBody>
+      </p:sp>
+      <p:sp>
+        <p:nvSpPr>
+          <p:cNvPr id="4" name="幻灯片图像占位符 3"/>
+          <p:cNvSpPr>
+            <a:spLocks noGrp="1" noRot="1" noChangeAspect="1"/>
+          </p:cNvSpPr>
+          <p:nvPr>
+            <p:ph type="sldImg" idx="2"/>
+          </p:nvPr>
+        </p:nvSpPr>
+        <p:spPr>
+          <a:xfrm>
+            <a:off x="1371600" y="1143000"/>
+            <a:ext cx="4114800" cy="3086100"/>
+          </a:xfrm>
+          <a:prstGeom prst="rect">
+            <a:avLst/>
+          </a:prstGeom>
+          <a:noFill/>
+          <a:ln w="12700">
+            <a:solidFill>
+              <a:prstClr val="black"/>
+            </a:solidFill>
+          </a:ln>
+        </p:spPr>
+        <p:txBody>
+          <a:bodyPr vert="horz" lIns="91440" tIns="45720" rIns="91440" bIns="45720" rtlCol="0" anchor="ctr"/>
+          <a:lstStyle/>
+          <a:p>
+            <a:endParaRPr lang="zh-CN" altLang="en-US"/>
+          </a:p>
+        </p:txBody>
+      </p:sp>
+      <p:sp>
+        <p:nvSpPr>
+          <p:cNvPr id="5" name="备注占位符 4"/>
+          <p:cNvSpPr>
+            <a:spLocks noGrp="1"/>
+          </p:cNvSpPr>
+          <p:nvPr>
+            <p:ph type="body" sz="quarter" idx="3"/>
+          </p:nvPr>
+        </p:nvSpPr>
+        <p:spPr>
+          <a:xfrm>
+            <a:off x="685800" y="4400550"/>
+            <a:ext cx="5486400" cy="3600450"/>
+          </a:xfrm>
+          <a:prstGeom prst="rect">
+            <a:avLst/>
+          </a:prstGeom>
+        </p:spPr>
+        <p:txBody>
+          <a:bodyPr vert="horz" lIns="91440" tIns="45720" rIns="91440" bIns="45720" rtlCol="0"/>
+          <a:lstStyle/>
+          <a:p>
+            <a:pPr lvl="0"/>
+            <a:r>
+              <a:rPr lang="zh-CN" altLang="en-US"/>
+              <a:t>单击此处编辑母版文本样式</a:t>
+            </a:r>
+          </a:p>
+          <a:p>
+            <a:pPr lvl="1"/>
+            <a:r>
+              <a:rPr lang="zh-CN" altLang="en-US"/>
+              <a:t>二级</a:t>
+            </a:r>
+          </a:p>
+          <a:p>
+            <a:pPr lvl="2"/>
+            <a:r>
+              <a:rPr lang="zh-CN" altLang="en-US"/>
+              <a:t>三级</a:t>
+            </a:r>
+          </a:p>
+          <a:p>
+            <a:pPr lvl="3"/>
+            <a:r>
+              <a:rPr lang="zh-CN" altLang="en-US"/>
+              <a:t>四级</a:t>
+            </a:r>
+          </a:p>
+          <a:p>
+            <a:pPr lvl="4"/>
+            <a:r>
+              <a:rPr lang="zh-CN" altLang="en-US"/>
+              <a:t>五级</a:t>
+            </a:r>
+          </a:p>
+        </p:txBody>
+      </p:sp>
+      <p:sp>
+        <p:nvSpPr>
+          <p:cNvPr id="6" name="页脚占位符 5"/>
+          <p:cNvSpPr>
+            <a:spLocks noGrp="1"/>
+          </p:cNvSpPr>
+          <p:nvPr>
+            <p:ph type="ftr" sz="quarter" idx="4"/>
+          </p:nvPr>
+        </p:nvSpPr>
+        <p:spPr>
+          <a:xfrm>
+            <a:off x="0" y="8685213"/>
+            <a:ext cx="2971800" cy="458787"/>
+          </a:xfrm>
+          <a:prstGeom prst="rect">
+            <a:avLst/>
+          </a:prstGeom>
+        </p:spPr>
+        <p:txBody>
+          <a:bodyPr vert="horz" lIns="91440" tIns="45720" rIns="91440" bIns="45720" rtlCol="0" anchor="b"/>
+          <a:lstStyle>
+            <a:lvl1pPr algn="l">
+              <a:defRPr sz="1200"/>
+            </a:lvl1pPr>
+          </a:lstStyle>
+          <a:p>
+            <a:endParaRPr lang="zh-CN" altLang="en-US"/>
+          </a:p>
+        </p:txBody>
+      </p:sp>
+      <p:sp>
+        <p:nvSpPr>
+          <p:cNvPr id="7" name="灯片编号占位符 6"/>
+          <p:cNvSpPr>
+            <a:spLocks noGrp="1"/>
+          </p:cNvSpPr>
+          <p:nvPr>
+            <p:ph type="sldNum" sz="quarter" idx="5"/>
+          </p:nvPr>
+        </p:nvSpPr>
+        <p:spPr>
+          <a:xfrm>
+            <a:off x="3884613" y="8685213"/>
+            <a:ext cx="2971800" cy="458787"/>
+          </a:xfrm>
+          <a:prstGeom prst="rect">
+            <a:avLst/>
+          </a:prstGeom>
+        </p:spPr>
+        <p:txBody>
+          <a:bodyPr vert="horz" lIns="91440" tIns="45720" rIns="91440" bIns="45720" rtlCol="0" anchor="b"/>
+          <a:lstStyle>
+            <a:lvl1pPr algn="r">
+              <a:defRPr sz="1200"/>
+            </a:lvl1pPr>
+          </a:lstStyle>
+          <a:p>
+            <a:fld id="{A9D6194C-48C0-4BD7-A848-3DB5DE2EC44F}" type="slidenum">
+              <a:rPr lang="zh-CN" altLang="en-US" smtClean="0"/>
+              <a:t>‹#›</a:t>
+            </a:fld>
+            <a:endParaRPr lang="zh-CN" altLang="en-US"/>
+          </a:p>
+        </p:txBody>
+      </p:sp>
+    </p:spTree>
+    <p:extLst>
+      <p:ext uri="{BB962C8B-B14F-4D97-AF65-F5344CB8AC3E}">
+        <p14:creationId xmlns:p14="http://schemas.microsoft.com/office/powerpoint/2010/main" val="3834251334"/>
+      </p:ext>
+    </p:extLst>
+  </p:cSld>
+  <p:clrMap bg1="lt1" tx1="dk1" bg2="lt2" tx2="dk2" accent1="accent1" accent2="accent2" accent3="accent3" accent4="accent4" accent5="accent5" accent6="accent6" hlink="hlink" folHlink="folHlink"/>
+  <p:notesStyle>
+    <a:lvl1pPr marL="0" algn="l" defTabSz="914400" rtl="0" eaLnBrk="1" latinLnBrk="0" hangingPunct="1">
+      <a:defRPr sz="1200" kern="1200">
+        <a:solidFill>
+          <a:schemeClr val="tx1"/>
+        </a:solidFill>
+        <a:latin typeface="+mn-lt"/>
+        <a:ea typeface="+mn-ea"/>
+        <a:cs typeface="+mn-cs"/>
+      </a:defRPr>
+    </a:lvl1pPr>
+    <a:lvl2pPr marL="457200" algn="l" defTabSz="914400" rtl="0" eaLnBrk="1" latinLnBrk="0" hangingPunct="1">
+      <a:defRPr sz="1200" kern="1200">
+        <a:solidFill>
+          <a:schemeClr val="tx1"/>
+        </a:solidFill>
+        <a:latin typeface="+mn-lt"/>
+        <a:ea typeface="+mn-ea"/>
+        <a:cs typeface="+mn-cs"/>
+      </a:defRPr>
+    </a:lvl2pPr>
+    <a:lvl3pPr marL="914400" algn="l" defTabSz="914400" rtl="0" eaLnBrk="1" latinLnBrk="0" hangingPunct="1">
+      <a:defRPr sz="1200" kern="1200">
+        <a:solidFill>
+          <a:schemeClr val="tx1"/>
+        </a:solidFill>
+        <a:latin typeface="+mn-lt"/>
+        <a:ea typeface="+mn-ea"/>
+        <a:cs typeface="+mn-cs"/>
+      </a:defRPr>
+    </a:lvl3pPr>
+    <a:lvl4pPr marL="1371600" algn="l" defTabSz="914400" rtl="0" eaLnBrk="1" latinLnBrk="0" hangingPunct="1">
+      <a:defRPr sz="1200" kern="1200">
+        <a:solidFill>
+          <a:schemeClr val="tx1"/>
+        </a:solidFill>
+        <a:latin typeface="+mn-lt"/>
+        <a:ea typeface="+mn-ea"/>
+        <a:cs typeface="+mn-cs"/>
+      </a:defRPr>
+    </a:lvl4pPr>
+    <a:lvl5pPr marL="1828800" algn="l" defTabSz="914400" rtl="0" eaLnBrk="1" latinLnBrk="0" hangingPunct="1">
+      <a:defRPr sz="1200" kern="1200">
+        <a:solidFill>
+          <a:schemeClr val="tx1"/>
+        </a:solidFill>
+        <a:latin typeface="+mn-lt"/>
+        <a:ea typeface="+mn-ea"/>
+        <a:cs typeface="+mn-cs"/>
+      </a:defRPr>
+    </a:lvl5pPr>
+    <a:lvl6pPr marL="2286000" algn="l" defTabSz="914400" rtl="0" eaLnBrk="1" latinLnBrk="0" hangingPunct="1">
+      <a:defRPr sz="1200" kern="1200">
+        <a:solidFill>
+          <a:schemeClr val="tx1"/>
+        </a:solidFill>
+        <a:latin typeface="+mn-lt"/>
+        <a:ea typeface="+mn-ea"/>
+        <a:cs typeface="+mn-cs"/>
+      </a:defRPr>
+    </a:lvl6pPr>
+    <a:lvl7pPr marL="2743200" algn="l" defTabSz="914400" rtl="0" eaLnBrk="1" latinLnBrk="0" hangingPunct="1">
+      <a:defRPr sz="1200" kern="1200">
+        <a:solidFill>
+          <a:schemeClr val="tx1"/>
+        </a:solidFill>
+        <a:latin typeface="+mn-lt"/>
+        <a:ea typeface="+mn-ea"/>
+        <a:cs typeface="+mn-cs"/>
+      </a:defRPr>
+    </a:lvl7pPr>
+    <a:lvl8pPr marL="3200400" algn="l" defTabSz="914400" rtl="0" eaLnBrk="1" latinLnBrk="0" hangingPunct="1">
+      <a:defRPr sz="1200" kern="1200">
+        <a:solidFill>
+          <a:schemeClr val="tx1"/>
+        </a:solidFill>
+        <a:latin typeface="+mn-lt"/>
+        <a:ea typeface="+mn-ea"/>
+        <a:cs typeface="+mn-cs"/>
+      </a:defRPr>
+    </a:lvl8pPr>
+    <a:lvl9pPr marL="3657600" algn="l" defTabSz="914400" rtl="0" eaLnBrk="1" latinLnBrk="0" hangingPunct="1">
+      <a:defRPr sz="1200" kern="1200">
+        <a:solidFill>
+          <a:schemeClr val="tx1"/>
+        </a:solidFill>
+        <a:latin typeface="+mn-lt"/>
+        <a:ea typeface="+mn-ea"/>
+        <a:cs typeface="+mn-cs"/>
+      </a:defRPr>
+    </a:lvl9pPr>
+  </p:notesStyle>
+</p:notesMaster>
+</file>
+
+<file path=ppt/notesSlides/notesSlide1.xml><?xml version="1.0" encoding="utf-8"?>
+<p:notes xmlns:a="http://schemas.openxmlformats.org/drawingml/2006/main" xmlns:r="http://schemas.openxmlformats.org/officeDocument/2006/relationships" xmlns:p="http://schemas.openxmlformats.org/presentationml/2006/main">
+  <p:cSld>
+    <p:spTree>
+      <p:nvGrpSpPr>
+        <p:cNvPr id="1" name=""/>
+        <p:cNvGrpSpPr/>
+        <p:nvPr/>
+      </p:nvGrpSpPr>
+      <p:grpSpPr>
+        <a:xfrm>
+          <a:off x="0" y="0"/>
+          <a:ext cx="0" cy="0"/>
+          <a:chOff x="0" y="0"/>
+          <a:chExt cx="0" cy="0"/>
+        </a:xfrm>
+      </p:grpSpPr>
+      <p:sp>
+        <p:nvSpPr>
+          <p:cNvPr id="2" name="幻灯片图像占位符 1"/>
+          <p:cNvSpPr>
+            <a:spLocks noGrp="1" noRot="1" noChangeAspect="1"/>
+          </p:cNvSpPr>
+          <p:nvPr>
+            <p:ph type="sldImg"/>
+          </p:nvPr>
+        </p:nvSpPr>
+        <p:spPr/>
+      </p:sp>
+      <p:sp>
+        <p:nvSpPr>
+          <p:cNvPr id="3" name="备注占位符 2"/>
+          <p:cNvSpPr>
+            <a:spLocks noGrp="1"/>
+          </p:cNvSpPr>
+          <p:nvPr>
+            <p:ph type="body" idx="1"/>
+          </p:nvPr>
+        </p:nvSpPr>
+        <p:spPr/>
+        <p:txBody>
+          <a:bodyPr/>
+          <a:lstStyle/>
+          <a:p>
+            <a:endParaRPr lang="zh-CN" altLang="en-US" dirty="0"/>
+          </a:p>
+        </p:txBody>
+      </p:sp>
+      <p:sp>
+        <p:nvSpPr>
+          <p:cNvPr id="4" name="灯片编号占位符 3"/>
+          <p:cNvSpPr>
+            <a:spLocks noGrp="1"/>
+          </p:cNvSpPr>
+          <p:nvPr>
+            <p:ph type="sldNum" sz="quarter" idx="5"/>
+          </p:nvPr>
+        </p:nvSpPr>
+        <p:spPr/>
+        <p:txBody>
+          <a:bodyPr/>
+          <a:lstStyle/>
+          <a:p>
+            <a:fld id="{A9D6194C-48C0-4BD7-A848-3DB5DE2EC44F}" type="slidenum">
+              <a:rPr lang="zh-CN" altLang="en-US" smtClean="0"/>
+              <a:t>2</a:t>
+            </a:fld>
+            <a:endParaRPr lang="zh-CN" altLang="en-US"/>
+          </a:p>
+        </p:txBody>
+      </p:sp>
+    </p:spTree>
+    <p:extLst>
+      <p:ext uri="{BB962C8B-B14F-4D97-AF65-F5344CB8AC3E}">
+        <p14:creationId xmlns:p14="http://schemas.microsoft.com/office/powerpoint/2010/main" val="736525800"/>
+      </p:ext>
+    </p:extLst>
+  </p:cSld>
+  <p:clrMapOvr>
+    <a:masterClrMapping/>
+  </p:clrMapOvr>
+</p:notes>
 </file>
 
 <file path=ppt/slideLayouts/slideLayout1.xml><?xml version="1.0" encoding="utf-8"?>
@@ -14642,7 +15078,7 @@
             </a:r>
             <a:r>
               <a:rPr lang="en-US" altLang="zh-CN" dirty="0"/>
-              <a:t>/ 7</a:t>
+              <a:t>/ 6</a:t>
             </a:r>
             <a:endParaRPr lang="zh-CN" altLang="en-US" dirty="0"/>
           </a:p>
@@ -14882,7 +15318,7 @@
                 <a:avLst/>
               </a:prstGeom>
               <a:blipFill>
-                <a:blip r:embed="rId2"/>
+                <a:blip r:embed="rId3"/>
                 <a:stretch>
                   <a:fillRect t="-4717" r="-2472" b="-14151"/>
                 </a:stretch>
@@ -14918,7 +15354,7 @@
           <p:nvPr/>
         </p:nvPicPr>
         <p:blipFill rotWithShape="1">
-          <a:blip r:embed="rId3">
+          <a:blip r:embed="rId4">
             <a:extLst>
               <a:ext uri="{28A0092B-C50C-407E-A947-70E740481C1C}">
                 <a14:useLocalDpi xmlns:a14="http://schemas.microsoft.com/office/drawing/2010/main" val="0"/>
@@ -14953,7 +15389,7 @@
           <p:nvPr/>
         </p:nvPicPr>
         <p:blipFill>
-          <a:blip r:embed="rId4">
+          <a:blip r:embed="rId5">
             <a:extLst>
               <a:ext uri="{28A0092B-C50C-407E-A947-70E740481C1C}">
                 <a14:useLocalDpi xmlns:a14="http://schemas.microsoft.com/office/drawing/2010/main" val="0"/>
@@ -15618,7 +16054,7 @@
                 <a:avLst/>
               </a:prstGeom>
               <a:blipFill>
-                <a:blip r:embed="rId5"/>
+                <a:blip r:embed="rId6"/>
                 <a:stretch>
                   <a:fillRect/>
                 </a:stretch>
@@ -15989,7 +16425,7 @@
                 <a:avLst/>
               </a:prstGeom>
               <a:blipFill>
-                <a:blip r:embed="rId6"/>
+                <a:blip r:embed="rId7"/>
                 <a:stretch>
                   <a:fillRect l="-1040" b="-4603"/>
                 </a:stretch>
@@ -16012,10 +16448,10 @@
       </mc:AlternateContent>
       <p:grpSp>
         <p:nvGrpSpPr>
-          <p:cNvPr id="57" name="组合 56">
+          <p:cNvPr id="29" name="组合 28">
             <a:extLst>
               <a:ext uri="{FF2B5EF4-FFF2-40B4-BE49-F238E27FC236}">
-                <a16:creationId xmlns:a16="http://schemas.microsoft.com/office/drawing/2014/main" id="{0FD570B1-1FCD-5460-652E-04E29CEF3142}"/>
+                <a16:creationId xmlns:a16="http://schemas.microsoft.com/office/drawing/2014/main" id="{8BA1763C-24ED-E9FC-02C8-74E7424329D2}"/>
               </a:ext>
             </a:extLst>
           </p:cNvPr>
@@ -16024,18 +16460,18 @@
         </p:nvGrpSpPr>
         <p:grpSpPr>
           <a:xfrm>
-            <a:off x="659805" y="3930328"/>
-            <a:ext cx="7751527" cy="2720027"/>
-            <a:chOff x="582472" y="3906158"/>
-            <a:chExt cx="7751527" cy="2720027"/>
+            <a:off x="659805" y="656542"/>
+            <a:ext cx="7829817" cy="5993813"/>
+            <a:chOff x="659805" y="656542"/>
+            <a:chExt cx="7829817" cy="5993813"/>
           </a:xfrm>
         </p:grpSpPr>
         <p:grpSp>
           <p:nvGrpSpPr>
-            <p:cNvPr id="42" name="组合 41">
+            <p:cNvPr id="57" name="组合 56">
               <a:extLst>
                 <a:ext uri="{FF2B5EF4-FFF2-40B4-BE49-F238E27FC236}">
-                  <a16:creationId xmlns:a16="http://schemas.microsoft.com/office/drawing/2014/main" id="{2121FB58-0DD3-40B6-2DE6-5913AABFECDD}"/>
+                  <a16:creationId xmlns:a16="http://schemas.microsoft.com/office/drawing/2014/main" id="{0FD570B1-1FCD-5460-652E-04E29CEF3142}"/>
                 </a:ext>
               </a:extLst>
             </p:cNvPr>
@@ -16044,107 +16480,680 @@
           </p:nvGrpSpPr>
           <p:grpSpPr>
             <a:xfrm>
-              <a:off x="582472" y="3906158"/>
-              <a:ext cx="7751527" cy="2277698"/>
-              <a:chOff x="272436" y="4352962"/>
-              <a:chExt cx="8057035" cy="2367468"/>
+              <a:off x="659805" y="3930328"/>
+              <a:ext cx="7751527" cy="2720027"/>
+              <a:chOff x="582472" y="3906158"/>
+              <a:chExt cx="7751527" cy="2720027"/>
             </a:xfrm>
           </p:grpSpPr>
-          <p:pic>
-            <p:nvPicPr>
-              <p:cNvPr id="43" name="图片 42">
+          <p:grpSp>
+            <p:nvGrpSpPr>
+              <p:cNvPr id="42" name="组合 41">
                 <a:extLst>
                   <a:ext uri="{FF2B5EF4-FFF2-40B4-BE49-F238E27FC236}">
-                    <a16:creationId xmlns:a16="http://schemas.microsoft.com/office/drawing/2014/main" id="{7CEC53A2-1C44-BF6A-2905-60E6721E84AD}"/>
+                    <a16:creationId xmlns:a16="http://schemas.microsoft.com/office/drawing/2014/main" id="{2121FB58-0DD3-40B6-2DE6-5913AABFECDD}"/>
                   </a:ext>
                 </a:extLst>
               </p:cNvPr>
-              <p:cNvPicPr>
-                <a:picLocks noChangeAspect="1"/>
-              </p:cNvPicPr>
+              <p:cNvGrpSpPr/>
               <p:nvPr/>
-            </p:nvPicPr>
-            <p:blipFill>
-              <a:blip r:embed="rId7"/>
-              <a:stretch>
-                <a:fillRect/>
-              </a:stretch>
-            </p:blipFill>
-            <p:spPr>
+            </p:nvGrpSpPr>
+            <p:grpSpPr>
               <a:xfrm>
-                <a:off x="362563" y="4372097"/>
-                <a:ext cx="3346795" cy="2330290"/>
+                <a:off x="582472" y="3906158"/>
+                <a:ext cx="7751527" cy="2277698"/>
+                <a:chOff x="272436" y="4352962"/>
+                <a:chExt cx="8057035" cy="2367468"/>
               </a:xfrm>
-              <a:prstGeom prst="rect">
-                <a:avLst/>
-              </a:prstGeom>
-            </p:spPr>
-          </p:pic>
-          <p:pic>
-            <p:nvPicPr>
-              <p:cNvPr id="44" name="图片 43">
+            </p:grpSpPr>
+            <p:pic>
+              <p:nvPicPr>
+                <p:cNvPr id="43" name="图片 42">
+                  <a:extLst>
+                    <a:ext uri="{FF2B5EF4-FFF2-40B4-BE49-F238E27FC236}">
+                      <a16:creationId xmlns:a16="http://schemas.microsoft.com/office/drawing/2014/main" id="{7CEC53A2-1C44-BF6A-2905-60E6721E84AD}"/>
+                    </a:ext>
+                  </a:extLst>
+                </p:cNvPr>
+                <p:cNvPicPr>
+                  <a:picLocks noChangeAspect="1"/>
+                </p:cNvPicPr>
+                <p:nvPr/>
+              </p:nvPicPr>
+              <p:blipFill>
+                <a:blip r:embed="rId8"/>
+                <a:stretch>
+                  <a:fillRect/>
+                </a:stretch>
+              </p:blipFill>
+              <p:spPr>
+                <a:xfrm>
+                  <a:off x="362563" y="4372097"/>
+                  <a:ext cx="3346795" cy="2330290"/>
+                </a:xfrm>
+                <a:prstGeom prst="rect">
+                  <a:avLst/>
+                </a:prstGeom>
+              </p:spPr>
+            </p:pic>
+            <p:pic>
+              <p:nvPicPr>
+                <p:cNvPr id="44" name="图片 43">
+                  <a:extLst>
+                    <a:ext uri="{FF2B5EF4-FFF2-40B4-BE49-F238E27FC236}">
+                      <a16:creationId xmlns:a16="http://schemas.microsoft.com/office/drawing/2014/main" id="{8199DC6E-8F90-DEE6-9C2F-C7946CC80806}"/>
+                    </a:ext>
+                  </a:extLst>
+                </p:cNvPr>
+                <p:cNvPicPr>
+                  <a:picLocks noChangeAspect="1"/>
+                </p:cNvPicPr>
+                <p:nvPr/>
+              </p:nvPicPr>
+              <p:blipFill rotWithShape="1">
+                <a:blip r:embed="rId9"/>
+                <a:srcRect l="12130"/>
+                <a:stretch/>
+              </p:blipFill>
+              <p:spPr>
+                <a:xfrm>
+                  <a:off x="3673377" y="4352962"/>
+                  <a:ext cx="2950900" cy="2367468"/>
+                </a:xfrm>
+                <a:prstGeom prst="rect">
+                  <a:avLst/>
+                </a:prstGeom>
+              </p:spPr>
+            </p:pic>
+            <p:pic>
+              <p:nvPicPr>
+                <p:cNvPr id="45" name="图片 44">
+                  <a:extLst>
+                    <a:ext uri="{FF2B5EF4-FFF2-40B4-BE49-F238E27FC236}">
+                      <a16:creationId xmlns:a16="http://schemas.microsoft.com/office/drawing/2014/main" id="{550A01E2-36E6-41F0-6E5F-CEB78567CB2F}"/>
+                    </a:ext>
+                  </a:extLst>
+                </p:cNvPr>
+                <p:cNvPicPr>
+                  <a:picLocks noChangeAspect="1"/>
+                </p:cNvPicPr>
+                <p:nvPr/>
+              </p:nvPicPr>
+              <p:blipFill>
+                <a:blip r:embed="rId10"/>
+                <a:stretch>
+                  <a:fillRect/>
+                </a:stretch>
+              </p:blipFill>
+              <p:spPr>
+                <a:xfrm>
+                  <a:off x="6603929" y="4357454"/>
+                  <a:ext cx="1725542" cy="2330809"/>
+                </a:xfrm>
+                <a:prstGeom prst="rect">
+                  <a:avLst/>
+                </a:prstGeom>
+              </p:spPr>
+            </p:pic>
+            <p:sp>
+              <p:nvSpPr>
+                <p:cNvPr id="46" name="文本框 45">
+                  <a:extLst>
+                    <a:ext uri="{FF2B5EF4-FFF2-40B4-BE49-F238E27FC236}">
+                      <a16:creationId xmlns:a16="http://schemas.microsoft.com/office/drawing/2014/main" id="{E3315536-5C38-2D94-515D-3947ED0FC5BF}"/>
+                    </a:ext>
+                  </a:extLst>
+                </p:cNvPr>
+                <p:cNvSpPr txBox="1"/>
+                <p:nvPr/>
+              </p:nvSpPr>
+              <p:spPr>
+                <a:xfrm>
+                  <a:off x="1611328" y="4585204"/>
+                  <a:ext cx="591671" cy="383888"/>
+                </a:xfrm>
+                <a:prstGeom prst="rect">
+                  <a:avLst/>
+                </a:prstGeom>
+                <a:noFill/>
+              </p:spPr>
+              <p:txBody>
+                <a:bodyPr wrap="square">
+                  <a:spAutoFit/>
+                </a:bodyPr>
+                <a:lstStyle/>
+                <a:p>
+                  <a:r>
+                    <a:rPr lang="en-US" altLang="zh-CN" b="1" dirty="0">
+                      <a:solidFill>
+                        <a:srgbClr val="C00000"/>
+                      </a:solidFill>
+                    </a:rPr>
+                    <a:t>[1]</a:t>
+                  </a:r>
+                  <a:endParaRPr lang="zh-CN" altLang="en-US" dirty="0"/>
+                </a:p>
+              </p:txBody>
+            </p:sp>
+            <p:sp>
+              <p:nvSpPr>
+                <p:cNvPr id="47" name="文本框 46">
+                  <a:extLst>
+                    <a:ext uri="{FF2B5EF4-FFF2-40B4-BE49-F238E27FC236}">
+                      <a16:creationId xmlns:a16="http://schemas.microsoft.com/office/drawing/2014/main" id="{529DD8C1-5E95-4A5E-96CC-B8A708A74A6D}"/>
+                    </a:ext>
+                  </a:extLst>
+                </p:cNvPr>
+                <p:cNvSpPr txBox="1"/>
+                <p:nvPr/>
+              </p:nvSpPr>
+              <p:spPr>
+                <a:xfrm>
+                  <a:off x="3122599" y="4585204"/>
+                  <a:ext cx="591671" cy="383888"/>
+                </a:xfrm>
+                <a:prstGeom prst="rect">
+                  <a:avLst/>
+                </a:prstGeom>
+                <a:noFill/>
+              </p:spPr>
+              <p:txBody>
+                <a:bodyPr wrap="square">
+                  <a:spAutoFit/>
+                </a:bodyPr>
+                <a:lstStyle/>
+                <a:p>
+                  <a:r>
+                    <a:rPr lang="en-US" altLang="zh-CN" b="1" dirty="0">
+                      <a:solidFill>
+                        <a:srgbClr val="C00000"/>
+                      </a:solidFill>
+                    </a:rPr>
+                    <a:t>[2]</a:t>
+                  </a:r>
+                  <a:endParaRPr lang="zh-CN" altLang="en-US" dirty="0">
+                    <a:solidFill>
+                      <a:srgbClr val="C00000"/>
+                    </a:solidFill>
+                  </a:endParaRPr>
+                </a:p>
+              </p:txBody>
+            </p:sp>
+            <p:sp>
+              <p:nvSpPr>
+                <p:cNvPr id="48" name="文本框 70">
+                  <a:extLst>
+                    <a:ext uri="{FF2B5EF4-FFF2-40B4-BE49-F238E27FC236}">
+                      <a16:creationId xmlns:a16="http://schemas.microsoft.com/office/drawing/2014/main" id="{A78709D7-CC7F-B73A-86B7-FE505297FDF8}"/>
+                    </a:ext>
+                  </a:extLst>
+                </p:cNvPr>
+                <p:cNvSpPr txBox="1"/>
+                <p:nvPr/>
+              </p:nvSpPr>
+              <p:spPr>
+                <a:xfrm>
+                  <a:off x="4662287" y="4585204"/>
+                  <a:ext cx="591671" cy="383888"/>
+                </a:xfrm>
+                <a:prstGeom prst="rect">
+                  <a:avLst/>
+                </a:prstGeom>
+                <a:noFill/>
+              </p:spPr>
+              <p:txBody>
+                <a:bodyPr wrap="square">
+                  <a:spAutoFit/>
+                </a:bodyPr>
+                <a:lstStyle>
+                  <a:defPPr>
+                    <a:defRPr lang="en-US"/>
+                  </a:defPPr>
+                  <a:lvl1pPr marL="0" algn="l" defTabSz="457200" rtl="0" eaLnBrk="1" latinLnBrk="0" hangingPunct="1">
+                    <a:defRPr sz="1800" kern="1200">
+                      <a:solidFill>
+                        <a:schemeClr val="tx1"/>
+                      </a:solidFill>
+                      <a:latin typeface="+mn-lt"/>
+                      <a:ea typeface="+mn-ea"/>
+                      <a:cs typeface="+mn-cs"/>
+                    </a:defRPr>
+                  </a:lvl1pPr>
+                  <a:lvl2pPr marL="457200" algn="l" defTabSz="457200" rtl="0" eaLnBrk="1" latinLnBrk="0" hangingPunct="1">
+                    <a:defRPr sz="1800" kern="1200">
+                      <a:solidFill>
+                        <a:schemeClr val="tx1"/>
+                      </a:solidFill>
+                      <a:latin typeface="+mn-lt"/>
+                      <a:ea typeface="+mn-ea"/>
+                      <a:cs typeface="+mn-cs"/>
+                    </a:defRPr>
+                  </a:lvl2pPr>
+                  <a:lvl3pPr marL="914400" algn="l" defTabSz="457200" rtl="0" eaLnBrk="1" latinLnBrk="0" hangingPunct="1">
+                    <a:defRPr sz="1800" kern="1200">
+                      <a:solidFill>
+                        <a:schemeClr val="tx1"/>
+                      </a:solidFill>
+                      <a:latin typeface="+mn-lt"/>
+                      <a:ea typeface="+mn-ea"/>
+                      <a:cs typeface="+mn-cs"/>
+                    </a:defRPr>
+                  </a:lvl3pPr>
+                  <a:lvl4pPr marL="1371600" algn="l" defTabSz="457200" rtl="0" eaLnBrk="1" latinLnBrk="0" hangingPunct="1">
+                    <a:defRPr sz="1800" kern="1200">
+                      <a:solidFill>
+                        <a:schemeClr val="tx1"/>
+                      </a:solidFill>
+                      <a:latin typeface="+mn-lt"/>
+                      <a:ea typeface="+mn-ea"/>
+                      <a:cs typeface="+mn-cs"/>
+                    </a:defRPr>
+                  </a:lvl4pPr>
+                  <a:lvl5pPr marL="1828800" algn="l" defTabSz="457200" rtl="0" eaLnBrk="1" latinLnBrk="0" hangingPunct="1">
+                    <a:defRPr sz="1800" kern="1200">
+                      <a:solidFill>
+                        <a:schemeClr val="tx1"/>
+                      </a:solidFill>
+                      <a:latin typeface="+mn-lt"/>
+                      <a:ea typeface="+mn-ea"/>
+                      <a:cs typeface="+mn-cs"/>
+                    </a:defRPr>
+                  </a:lvl5pPr>
+                  <a:lvl6pPr marL="2286000" algn="l" defTabSz="457200" rtl="0" eaLnBrk="1" latinLnBrk="0" hangingPunct="1">
+                    <a:defRPr sz="1800" kern="1200">
+                      <a:solidFill>
+                        <a:schemeClr val="tx1"/>
+                      </a:solidFill>
+                      <a:latin typeface="+mn-lt"/>
+                      <a:ea typeface="+mn-ea"/>
+                      <a:cs typeface="+mn-cs"/>
+                    </a:defRPr>
+                  </a:lvl6pPr>
+                  <a:lvl7pPr marL="2743200" algn="l" defTabSz="457200" rtl="0" eaLnBrk="1" latinLnBrk="0" hangingPunct="1">
+                    <a:defRPr sz="1800" kern="1200">
+                      <a:solidFill>
+                        <a:schemeClr val="tx1"/>
+                      </a:solidFill>
+                      <a:latin typeface="+mn-lt"/>
+                      <a:ea typeface="+mn-ea"/>
+                      <a:cs typeface="+mn-cs"/>
+                    </a:defRPr>
+                  </a:lvl7pPr>
+                  <a:lvl8pPr marL="3200400" algn="l" defTabSz="457200" rtl="0" eaLnBrk="1" latinLnBrk="0" hangingPunct="1">
+                    <a:defRPr sz="1800" kern="1200">
+                      <a:solidFill>
+                        <a:schemeClr val="tx1"/>
+                      </a:solidFill>
+                      <a:latin typeface="+mn-lt"/>
+                      <a:ea typeface="+mn-ea"/>
+                      <a:cs typeface="+mn-cs"/>
+                    </a:defRPr>
+                  </a:lvl8pPr>
+                  <a:lvl9pPr marL="3657600" algn="l" defTabSz="457200" rtl="0" eaLnBrk="1" latinLnBrk="0" hangingPunct="1">
+                    <a:defRPr sz="1800" kern="1200">
+                      <a:solidFill>
+                        <a:schemeClr val="tx1"/>
+                      </a:solidFill>
+                      <a:latin typeface="+mn-lt"/>
+                      <a:ea typeface="+mn-ea"/>
+                      <a:cs typeface="+mn-cs"/>
+                    </a:defRPr>
+                  </a:lvl9pPr>
+                </a:lstStyle>
+                <a:p>
+                  <a:r>
+                    <a:rPr lang="en-US" altLang="zh-CN" b="1" dirty="0">
+                      <a:solidFill>
+                        <a:srgbClr val="C00000"/>
+                      </a:solidFill>
+                    </a:rPr>
+                    <a:t>[3]</a:t>
+                  </a:r>
+                  <a:endParaRPr lang="zh-CN" altLang="en-US" dirty="0">
+                    <a:solidFill>
+                      <a:srgbClr val="C00000"/>
+                    </a:solidFill>
+                  </a:endParaRPr>
+                </a:p>
+              </p:txBody>
+            </p:sp>
+            <p:sp>
+              <p:nvSpPr>
+                <p:cNvPr id="49" name="文本框 70">
+                  <a:extLst>
+                    <a:ext uri="{FF2B5EF4-FFF2-40B4-BE49-F238E27FC236}">
+                      <a16:creationId xmlns:a16="http://schemas.microsoft.com/office/drawing/2014/main" id="{8F8699C0-B862-B685-C68D-CEB76DA4DEA1}"/>
+                    </a:ext>
+                  </a:extLst>
+                </p:cNvPr>
+                <p:cNvSpPr txBox="1"/>
+                <p:nvPr/>
+              </p:nvSpPr>
+              <p:spPr>
+                <a:xfrm>
+                  <a:off x="6085413" y="4585204"/>
+                  <a:ext cx="591671" cy="383888"/>
+                </a:xfrm>
+                <a:prstGeom prst="rect">
+                  <a:avLst/>
+                </a:prstGeom>
+                <a:noFill/>
+              </p:spPr>
+              <p:txBody>
+                <a:bodyPr wrap="square">
+                  <a:spAutoFit/>
+                </a:bodyPr>
+                <a:lstStyle>
+                  <a:defPPr>
+                    <a:defRPr lang="en-US"/>
+                  </a:defPPr>
+                  <a:lvl1pPr marL="0" algn="l" defTabSz="457200" rtl="0" eaLnBrk="1" latinLnBrk="0" hangingPunct="1">
+                    <a:defRPr sz="1800" kern="1200">
+                      <a:solidFill>
+                        <a:schemeClr val="tx1"/>
+                      </a:solidFill>
+                      <a:latin typeface="+mn-lt"/>
+                      <a:ea typeface="+mn-ea"/>
+                      <a:cs typeface="+mn-cs"/>
+                    </a:defRPr>
+                  </a:lvl1pPr>
+                  <a:lvl2pPr marL="457200" algn="l" defTabSz="457200" rtl="0" eaLnBrk="1" latinLnBrk="0" hangingPunct="1">
+                    <a:defRPr sz="1800" kern="1200">
+                      <a:solidFill>
+                        <a:schemeClr val="tx1"/>
+                      </a:solidFill>
+                      <a:latin typeface="+mn-lt"/>
+                      <a:ea typeface="+mn-ea"/>
+                      <a:cs typeface="+mn-cs"/>
+                    </a:defRPr>
+                  </a:lvl2pPr>
+                  <a:lvl3pPr marL="914400" algn="l" defTabSz="457200" rtl="0" eaLnBrk="1" latinLnBrk="0" hangingPunct="1">
+                    <a:defRPr sz="1800" kern="1200">
+                      <a:solidFill>
+                        <a:schemeClr val="tx1"/>
+                      </a:solidFill>
+                      <a:latin typeface="+mn-lt"/>
+                      <a:ea typeface="+mn-ea"/>
+                      <a:cs typeface="+mn-cs"/>
+                    </a:defRPr>
+                  </a:lvl3pPr>
+                  <a:lvl4pPr marL="1371600" algn="l" defTabSz="457200" rtl="0" eaLnBrk="1" latinLnBrk="0" hangingPunct="1">
+                    <a:defRPr sz="1800" kern="1200">
+                      <a:solidFill>
+                        <a:schemeClr val="tx1"/>
+                      </a:solidFill>
+                      <a:latin typeface="+mn-lt"/>
+                      <a:ea typeface="+mn-ea"/>
+                      <a:cs typeface="+mn-cs"/>
+                    </a:defRPr>
+                  </a:lvl4pPr>
+                  <a:lvl5pPr marL="1828800" algn="l" defTabSz="457200" rtl="0" eaLnBrk="1" latinLnBrk="0" hangingPunct="1">
+                    <a:defRPr sz="1800" kern="1200">
+                      <a:solidFill>
+                        <a:schemeClr val="tx1"/>
+                      </a:solidFill>
+                      <a:latin typeface="+mn-lt"/>
+                      <a:ea typeface="+mn-ea"/>
+                      <a:cs typeface="+mn-cs"/>
+                    </a:defRPr>
+                  </a:lvl5pPr>
+                  <a:lvl6pPr marL="2286000" algn="l" defTabSz="457200" rtl="0" eaLnBrk="1" latinLnBrk="0" hangingPunct="1">
+                    <a:defRPr sz="1800" kern="1200">
+                      <a:solidFill>
+                        <a:schemeClr val="tx1"/>
+                      </a:solidFill>
+                      <a:latin typeface="+mn-lt"/>
+                      <a:ea typeface="+mn-ea"/>
+                      <a:cs typeface="+mn-cs"/>
+                    </a:defRPr>
+                  </a:lvl6pPr>
+                  <a:lvl7pPr marL="2743200" algn="l" defTabSz="457200" rtl="0" eaLnBrk="1" latinLnBrk="0" hangingPunct="1">
+                    <a:defRPr sz="1800" kern="1200">
+                      <a:solidFill>
+                        <a:schemeClr val="tx1"/>
+                      </a:solidFill>
+                      <a:latin typeface="+mn-lt"/>
+                      <a:ea typeface="+mn-ea"/>
+                      <a:cs typeface="+mn-cs"/>
+                    </a:defRPr>
+                  </a:lvl7pPr>
+                  <a:lvl8pPr marL="3200400" algn="l" defTabSz="457200" rtl="0" eaLnBrk="1" latinLnBrk="0" hangingPunct="1">
+                    <a:defRPr sz="1800" kern="1200">
+                      <a:solidFill>
+                        <a:schemeClr val="tx1"/>
+                      </a:solidFill>
+                      <a:latin typeface="+mn-lt"/>
+                      <a:ea typeface="+mn-ea"/>
+                      <a:cs typeface="+mn-cs"/>
+                    </a:defRPr>
+                  </a:lvl8pPr>
+                  <a:lvl9pPr marL="3657600" algn="l" defTabSz="457200" rtl="0" eaLnBrk="1" latinLnBrk="0" hangingPunct="1">
+                    <a:defRPr sz="1800" kern="1200">
+                      <a:solidFill>
+                        <a:schemeClr val="tx1"/>
+                      </a:solidFill>
+                      <a:latin typeface="+mn-lt"/>
+                      <a:ea typeface="+mn-ea"/>
+                      <a:cs typeface="+mn-cs"/>
+                    </a:defRPr>
+                  </a:lvl9pPr>
+                </a:lstStyle>
+                <a:p>
+                  <a:r>
+                    <a:rPr lang="en-US" altLang="zh-CN" b="1" dirty="0">
+                      <a:solidFill>
+                        <a:srgbClr val="C00000"/>
+                      </a:solidFill>
+                    </a:rPr>
+                    <a:t>[4]</a:t>
+                  </a:r>
+                  <a:endParaRPr lang="zh-CN" altLang="en-US" dirty="0">
+                    <a:solidFill>
+                      <a:srgbClr val="C00000"/>
+                    </a:solidFill>
+                  </a:endParaRPr>
+                </a:p>
+              </p:txBody>
+            </p:sp>
+            <p:sp>
+              <p:nvSpPr>
+                <p:cNvPr id="50" name="文本框 70">
+                  <a:extLst>
+                    <a:ext uri="{FF2B5EF4-FFF2-40B4-BE49-F238E27FC236}">
+                      <a16:creationId xmlns:a16="http://schemas.microsoft.com/office/drawing/2014/main" id="{8B458224-53F8-A82D-ECB2-76BF085192F7}"/>
+                    </a:ext>
+                  </a:extLst>
+                </p:cNvPr>
+                <p:cNvSpPr txBox="1"/>
+                <p:nvPr/>
+              </p:nvSpPr>
+              <p:spPr>
+                <a:xfrm>
+                  <a:off x="7678412" y="4585204"/>
+                  <a:ext cx="591671" cy="383888"/>
+                </a:xfrm>
+                <a:prstGeom prst="rect">
+                  <a:avLst/>
+                </a:prstGeom>
+                <a:noFill/>
+              </p:spPr>
+              <p:txBody>
+                <a:bodyPr wrap="square">
+                  <a:spAutoFit/>
+                </a:bodyPr>
+                <a:lstStyle>
+                  <a:defPPr>
+                    <a:defRPr lang="en-US"/>
+                  </a:defPPr>
+                  <a:lvl1pPr marL="0" algn="l" defTabSz="457200" rtl="0" eaLnBrk="1" latinLnBrk="0" hangingPunct="1">
+                    <a:defRPr sz="1800" kern="1200">
+                      <a:solidFill>
+                        <a:schemeClr val="tx1"/>
+                      </a:solidFill>
+                      <a:latin typeface="+mn-lt"/>
+                      <a:ea typeface="+mn-ea"/>
+                      <a:cs typeface="+mn-cs"/>
+                    </a:defRPr>
+                  </a:lvl1pPr>
+                  <a:lvl2pPr marL="457200" algn="l" defTabSz="457200" rtl="0" eaLnBrk="1" latinLnBrk="0" hangingPunct="1">
+                    <a:defRPr sz="1800" kern="1200">
+                      <a:solidFill>
+                        <a:schemeClr val="tx1"/>
+                      </a:solidFill>
+                      <a:latin typeface="+mn-lt"/>
+                      <a:ea typeface="+mn-ea"/>
+                      <a:cs typeface="+mn-cs"/>
+                    </a:defRPr>
+                  </a:lvl2pPr>
+                  <a:lvl3pPr marL="914400" algn="l" defTabSz="457200" rtl="0" eaLnBrk="1" latinLnBrk="0" hangingPunct="1">
+                    <a:defRPr sz="1800" kern="1200">
+                      <a:solidFill>
+                        <a:schemeClr val="tx1"/>
+                      </a:solidFill>
+                      <a:latin typeface="+mn-lt"/>
+                      <a:ea typeface="+mn-ea"/>
+                      <a:cs typeface="+mn-cs"/>
+                    </a:defRPr>
+                  </a:lvl3pPr>
+                  <a:lvl4pPr marL="1371600" algn="l" defTabSz="457200" rtl="0" eaLnBrk="1" latinLnBrk="0" hangingPunct="1">
+                    <a:defRPr sz="1800" kern="1200">
+                      <a:solidFill>
+                        <a:schemeClr val="tx1"/>
+                      </a:solidFill>
+                      <a:latin typeface="+mn-lt"/>
+                      <a:ea typeface="+mn-ea"/>
+                      <a:cs typeface="+mn-cs"/>
+                    </a:defRPr>
+                  </a:lvl4pPr>
+                  <a:lvl5pPr marL="1828800" algn="l" defTabSz="457200" rtl="0" eaLnBrk="1" latinLnBrk="0" hangingPunct="1">
+                    <a:defRPr sz="1800" kern="1200">
+                      <a:solidFill>
+                        <a:schemeClr val="tx1"/>
+                      </a:solidFill>
+                      <a:latin typeface="+mn-lt"/>
+                      <a:ea typeface="+mn-ea"/>
+                      <a:cs typeface="+mn-cs"/>
+                    </a:defRPr>
+                  </a:lvl5pPr>
+                  <a:lvl6pPr marL="2286000" algn="l" defTabSz="457200" rtl="0" eaLnBrk="1" latinLnBrk="0" hangingPunct="1">
+                    <a:defRPr sz="1800" kern="1200">
+                      <a:solidFill>
+                        <a:schemeClr val="tx1"/>
+                      </a:solidFill>
+                      <a:latin typeface="+mn-lt"/>
+                      <a:ea typeface="+mn-ea"/>
+                      <a:cs typeface="+mn-cs"/>
+                    </a:defRPr>
+                  </a:lvl6pPr>
+                  <a:lvl7pPr marL="2743200" algn="l" defTabSz="457200" rtl="0" eaLnBrk="1" latinLnBrk="0" hangingPunct="1">
+                    <a:defRPr sz="1800" kern="1200">
+                      <a:solidFill>
+                        <a:schemeClr val="tx1"/>
+                      </a:solidFill>
+                      <a:latin typeface="+mn-lt"/>
+                      <a:ea typeface="+mn-ea"/>
+                      <a:cs typeface="+mn-cs"/>
+                    </a:defRPr>
+                  </a:lvl7pPr>
+                  <a:lvl8pPr marL="3200400" algn="l" defTabSz="457200" rtl="0" eaLnBrk="1" latinLnBrk="0" hangingPunct="1">
+                    <a:defRPr sz="1800" kern="1200">
+                      <a:solidFill>
+                        <a:schemeClr val="tx1"/>
+                      </a:solidFill>
+                      <a:latin typeface="+mn-lt"/>
+                      <a:ea typeface="+mn-ea"/>
+                      <a:cs typeface="+mn-cs"/>
+                    </a:defRPr>
+                  </a:lvl8pPr>
+                  <a:lvl9pPr marL="3657600" algn="l" defTabSz="457200" rtl="0" eaLnBrk="1" latinLnBrk="0" hangingPunct="1">
+                    <a:defRPr sz="1800" kern="1200">
+                      <a:solidFill>
+                        <a:schemeClr val="tx1"/>
+                      </a:solidFill>
+                      <a:latin typeface="+mn-lt"/>
+                      <a:ea typeface="+mn-ea"/>
+                      <a:cs typeface="+mn-cs"/>
+                    </a:defRPr>
+                  </a:lvl9pPr>
+                </a:lstStyle>
+                <a:p>
+                  <a:r>
+                    <a:rPr lang="en-US" altLang="zh-CN" b="1" dirty="0">
+                      <a:solidFill>
+                        <a:srgbClr val="C00000"/>
+                      </a:solidFill>
+                    </a:rPr>
+                    <a:t>[5]</a:t>
+                  </a:r>
+                  <a:endParaRPr lang="zh-CN" altLang="en-US" dirty="0">
+                    <a:solidFill>
+                      <a:srgbClr val="C00000"/>
+                    </a:solidFill>
+                  </a:endParaRPr>
+                </a:p>
+              </p:txBody>
+            </p:sp>
+            <p:sp>
+              <p:nvSpPr>
+                <p:cNvPr id="51" name="矩形 50">
+                  <a:extLst>
+                    <a:ext uri="{FF2B5EF4-FFF2-40B4-BE49-F238E27FC236}">
+                      <a16:creationId xmlns:a16="http://schemas.microsoft.com/office/drawing/2014/main" id="{2E59748D-C178-20F3-74A7-2A359C837D89}"/>
+                    </a:ext>
+                  </a:extLst>
+                </p:cNvPr>
+                <p:cNvSpPr/>
+                <p:nvPr/>
+              </p:nvSpPr>
+              <p:spPr>
+                <a:xfrm>
+                  <a:off x="272436" y="4352962"/>
+                  <a:ext cx="337564" cy="369332"/>
+                </a:xfrm>
+                <a:prstGeom prst="rect">
+                  <a:avLst/>
+                </a:prstGeom>
+                <a:solidFill>
+                  <a:schemeClr val="bg1"/>
+                </a:solidFill>
+                <a:ln>
+                  <a:solidFill>
+                    <a:schemeClr val="bg1"/>
+                  </a:solidFill>
+                </a:ln>
+              </p:spPr>
+              <p:style>
+                <a:lnRef idx="2">
+                  <a:schemeClr val="accent1">
+                    <a:shade val="50000"/>
+                  </a:schemeClr>
+                </a:lnRef>
+                <a:fillRef idx="1">
+                  <a:schemeClr val="accent1"/>
+                </a:fillRef>
+                <a:effectRef idx="0">
+                  <a:schemeClr val="accent1"/>
+                </a:effectRef>
+                <a:fontRef idx="minor">
+                  <a:schemeClr val="lt1"/>
+                </a:fontRef>
+              </p:style>
+              <p:txBody>
+                <a:bodyPr rtlCol="0" anchor="ctr"/>
+                <a:lstStyle/>
+                <a:p>
+                  <a:pPr algn="ctr"/>
+                  <a:endParaRPr lang="zh-CN" altLang="en-US"/>
+                </a:p>
+              </p:txBody>
+            </p:sp>
+          </p:grpSp>
+          <p:sp>
+            <p:nvSpPr>
+              <p:cNvPr id="35" name="文本框 34">
                 <a:extLst>
                   <a:ext uri="{FF2B5EF4-FFF2-40B4-BE49-F238E27FC236}">
-                    <a16:creationId xmlns:a16="http://schemas.microsoft.com/office/drawing/2014/main" id="{8199DC6E-8F90-DEE6-9C2F-C7946CC80806}"/>
-                  </a:ext>
-                </a:extLst>
-              </p:cNvPr>
-              <p:cNvPicPr>
-                <a:picLocks noChangeAspect="1"/>
-              </p:cNvPicPr>
-              <p:nvPr/>
-            </p:nvPicPr>
-            <p:blipFill rotWithShape="1">
-              <a:blip r:embed="rId8"/>
-              <a:srcRect l="12130"/>
-              <a:stretch/>
-            </p:blipFill>
-            <p:spPr>
-              <a:xfrm>
-                <a:off x="3673377" y="4352962"/>
-                <a:ext cx="2950900" cy="2367468"/>
-              </a:xfrm>
-              <a:prstGeom prst="rect">
-                <a:avLst/>
-              </a:prstGeom>
-            </p:spPr>
-          </p:pic>
-          <p:pic>
-            <p:nvPicPr>
-              <p:cNvPr id="45" name="图片 44">
-                <a:extLst>
-                  <a:ext uri="{FF2B5EF4-FFF2-40B4-BE49-F238E27FC236}">
-                    <a16:creationId xmlns:a16="http://schemas.microsoft.com/office/drawing/2014/main" id="{550A01E2-36E6-41F0-6E5F-CEB78567CB2F}"/>
-                  </a:ext>
-                </a:extLst>
-              </p:cNvPr>
-              <p:cNvPicPr>
-                <a:picLocks noChangeAspect="1"/>
-              </p:cNvPicPr>
-              <p:nvPr/>
-            </p:nvPicPr>
-            <p:blipFill>
-              <a:blip r:embed="rId9"/>
-              <a:stretch>
-                <a:fillRect/>
-              </a:stretch>
-            </p:blipFill>
-            <p:spPr>
-              <a:xfrm>
-                <a:off x="6603929" y="4357454"/>
-                <a:ext cx="1725542" cy="2330809"/>
-              </a:xfrm>
-              <a:prstGeom prst="rect">
-                <a:avLst/>
-              </a:prstGeom>
-            </p:spPr>
-          </p:pic>
-          <p:sp>
-            <p:nvSpPr>
-              <p:cNvPr id="46" name="文本框 45">
-                <a:extLst>
-                  <a:ext uri="{FF2B5EF4-FFF2-40B4-BE49-F238E27FC236}">
-                    <a16:creationId xmlns:a16="http://schemas.microsoft.com/office/drawing/2014/main" id="{E3315536-5C38-2D94-515D-3947ED0FC5BF}"/>
+                    <a16:creationId xmlns:a16="http://schemas.microsoft.com/office/drawing/2014/main" id="{7E3073EB-926F-7476-1F9D-F7908333F08A}"/>
                   </a:ext>
                 </a:extLst>
               </p:cNvPr>
@@ -16153,8 +17162,8 @@
             </p:nvSpPr>
             <p:spPr>
               <a:xfrm>
-                <a:off x="1611328" y="4585204"/>
-                <a:ext cx="591671" cy="383888"/>
+                <a:off x="787336" y="6041410"/>
+                <a:ext cx="7532009" cy="584775"/>
               </a:xfrm>
               <a:prstGeom prst="rect">
                 <a:avLst/>
@@ -16167,661 +17176,42 @@
               </a:bodyPr>
               <a:lstStyle/>
               <a:p>
+                <a:pPr algn="ctr"/>
                 <a:r>
-                  <a:rPr lang="en-US" altLang="zh-CN" b="1" dirty="0">
-                    <a:solidFill>
-                      <a:srgbClr val="C00000"/>
-                    </a:solidFill>
+                  <a:rPr lang="zh-CN" altLang="en-US" sz="1600" b="1" dirty="0">
+                    <a:latin typeface="Times New Roman" panose="02020603050405020304" pitchFamily="18" charset="0"/>
+                    <a:cs typeface="Times New Roman" panose="02020603050405020304" pitchFamily="18" charset="0"/>
                   </a:rPr>
-                  <a:t>[1]</a:t>
+                  <a:t>Comparison between the experimental data and the predictions </a:t>
                 </a:r>
-                <a:endParaRPr lang="zh-CN" altLang="en-US" dirty="0"/>
-              </a:p>
-            </p:txBody>
-          </p:sp>
-          <p:sp>
-            <p:nvSpPr>
-              <p:cNvPr id="47" name="文本框 46">
-                <a:extLst>
-                  <a:ext uri="{FF2B5EF4-FFF2-40B4-BE49-F238E27FC236}">
-                    <a16:creationId xmlns:a16="http://schemas.microsoft.com/office/drawing/2014/main" id="{529DD8C1-5E95-4A5E-96CC-B8A708A74A6D}"/>
-                  </a:ext>
-                </a:extLst>
-              </p:cNvPr>
-              <p:cNvSpPr txBox="1"/>
-              <p:nvPr/>
-            </p:nvSpPr>
-            <p:spPr>
-              <a:xfrm>
-                <a:off x="3122599" y="4585204"/>
-                <a:ext cx="591671" cy="383888"/>
-              </a:xfrm>
-              <a:prstGeom prst="rect">
-                <a:avLst/>
-              </a:prstGeom>
-              <a:noFill/>
-            </p:spPr>
-            <p:txBody>
-              <a:bodyPr wrap="square">
-                <a:spAutoFit/>
-              </a:bodyPr>
-              <a:lstStyle/>
-              <a:p>
                 <a:r>
-                  <a:rPr lang="en-US" altLang="zh-CN" b="1" dirty="0">
-                    <a:solidFill>
-                      <a:srgbClr val="C00000"/>
-                    </a:solidFill>
+                  <a:rPr lang="en-US" altLang="zh-CN" sz="1600" b="1" dirty="0">
+                    <a:latin typeface="Times New Roman" panose="02020603050405020304" pitchFamily="18" charset="0"/>
+                    <a:cs typeface="Times New Roman" panose="02020603050405020304" pitchFamily="18" charset="0"/>
                   </a:rPr>
-                  <a:t>[2]</a:t>
+                  <a:t>of two-parameter emulsion model </a:t>
                 </a:r>
-                <a:endParaRPr lang="zh-CN" altLang="en-US" dirty="0">
-                  <a:solidFill>
-                    <a:srgbClr val="C00000"/>
-                  </a:solidFill>
+                <a:r>
+                  <a:rPr lang="en-US" altLang="zh-CN" sz="1600" dirty="0">
+                    <a:latin typeface="Times New Roman" panose="02020603050405020304" pitchFamily="18" charset="0"/>
+                    <a:cs typeface="Times New Roman" panose="02020603050405020304" pitchFamily="18" charset="0"/>
+                  </a:rPr>
+                  <a:t>(Pal, 2001)</a:t>
+                </a:r>
+                <a:endParaRPr lang="zh-CN" altLang="en-US" sz="1600" dirty="0">
+                  <a:latin typeface="Times New Roman" panose="02020603050405020304" pitchFamily="18" charset="0"/>
+                  <a:cs typeface="Times New Roman" panose="02020603050405020304" pitchFamily="18" charset="0"/>
                 </a:endParaRPr>
               </a:p>
             </p:txBody>
           </p:sp>
-          <p:sp>
-            <p:nvSpPr>
-              <p:cNvPr id="48" name="文本框 70">
-                <a:extLst>
-                  <a:ext uri="{FF2B5EF4-FFF2-40B4-BE49-F238E27FC236}">
-                    <a16:creationId xmlns:a16="http://schemas.microsoft.com/office/drawing/2014/main" id="{A78709D7-CC7F-B73A-86B7-FE505297FDF8}"/>
-                  </a:ext>
-                </a:extLst>
-              </p:cNvPr>
-              <p:cNvSpPr txBox="1"/>
-              <p:nvPr/>
-            </p:nvSpPr>
-            <p:spPr>
-              <a:xfrm>
-                <a:off x="4662287" y="4585204"/>
-                <a:ext cx="591671" cy="383888"/>
-              </a:xfrm>
-              <a:prstGeom prst="rect">
-                <a:avLst/>
-              </a:prstGeom>
-              <a:noFill/>
-            </p:spPr>
-            <p:txBody>
-              <a:bodyPr wrap="square">
-                <a:spAutoFit/>
-              </a:bodyPr>
-              <a:lstStyle>
-                <a:defPPr>
-                  <a:defRPr lang="en-US"/>
-                </a:defPPr>
-                <a:lvl1pPr marL="0" algn="l" defTabSz="457200" rtl="0" eaLnBrk="1" latinLnBrk="0" hangingPunct="1">
-                  <a:defRPr sz="1800" kern="1200">
-                    <a:solidFill>
-                      <a:schemeClr val="tx1"/>
-                    </a:solidFill>
-                    <a:latin typeface="+mn-lt"/>
-                    <a:ea typeface="+mn-ea"/>
-                    <a:cs typeface="+mn-cs"/>
-                  </a:defRPr>
-                </a:lvl1pPr>
-                <a:lvl2pPr marL="457200" algn="l" defTabSz="457200" rtl="0" eaLnBrk="1" latinLnBrk="0" hangingPunct="1">
-                  <a:defRPr sz="1800" kern="1200">
-                    <a:solidFill>
-                      <a:schemeClr val="tx1"/>
-                    </a:solidFill>
-                    <a:latin typeface="+mn-lt"/>
-                    <a:ea typeface="+mn-ea"/>
-                    <a:cs typeface="+mn-cs"/>
-                  </a:defRPr>
-                </a:lvl2pPr>
-                <a:lvl3pPr marL="914400" algn="l" defTabSz="457200" rtl="0" eaLnBrk="1" latinLnBrk="0" hangingPunct="1">
-                  <a:defRPr sz="1800" kern="1200">
-                    <a:solidFill>
-                      <a:schemeClr val="tx1"/>
-                    </a:solidFill>
-                    <a:latin typeface="+mn-lt"/>
-                    <a:ea typeface="+mn-ea"/>
-                    <a:cs typeface="+mn-cs"/>
-                  </a:defRPr>
-                </a:lvl3pPr>
-                <a:lvl4pPr marL="1371600" algn="l" defTabSz="457200" rtl="0" eaLnBrk="1" latinLnBrk="0" hangingPunct="1">
-                  <a:defRPr sz="1800" kern="1200">
-                    <a:solidFill>
-                      <a:schemeClr val="tx1"/>
-                    </a:solidFill>
-                    <a:latin typeface="+mn-lt"/>
-                    <a:ea typeface="+mn-ea"/>
-                    <a:cs typeface="+mn-cs"/>
-                  </a:defRPr>
-                </a:lvl4pPr>
-                <a:lvl5pPr marL="1828800" algn="l" defTabSz="457200" rtl="0" eaLnBrk="1" latinLnBrk="0" hangingPunct="1">
-                  <a:defRPr sz="1800" kern="1200">
-                    <a:solidFill>
-                      <a:schemeClr val="tx1"/>
-                    </a:solidFill>
-                    <a:latin typeface="+mn-lt"/>
-                    <a:ea typeface="+mn-ea"/>
-                    <a:cs typeface="+mn-cs"/>
-                  </a:defRPr>
-                </a:lvl5pPr>
-                <a:lvl6pPr marL="2286000" algn="l" defTabSz="457200" rtl="0" eaLnBrk="1" latinLnBrk="0" hangingPunct="1">
-                  <a:defRPr sz="1800" kern="1200">
-                    <a:solidFill>
-                      <a:schemeClr val="tx1"/>
-                    </a:solidFill>
-                    <a:latin typeface="+mn-lt"/>
-                    <a:ea typeface="+mn-ea"/>
-                    <a:cs typeface="+mn-cs"/>
-                  </a:defRPr>
-                </a:lvl6pPr>
-                <a:lvl7pPr marL="2743200" algn="l" defTabSz="457200" rtl="0" eaLnBrk="1" latinLnBrk="0" hangingPunct="1">
-                  <a:defRPr sz="1800" kern="1200">
-                    <a:solidFill>
-                      <a:schemeClr val="tx1"/>
-                    </a:solidFill>
-                    <a:latin typeface="+mn-lt"/>
-                    <a:ea typeface="+mn-ea"/>
-                    <a:cs typeface="+mn-cs"/>
-                  </a:defRPr>
-                </a:lvl7pPr>
-                <a:lvl8pPr marL="3200400" algn="l" defTabSz="457200" rtl="0" eaLnBrk="1" latinLnBrk="0" hangingPunct="1">
-                  <a:defRPr sz="1800" kern="1200">
-                    <a:solidFill>
-                      <a:schemeClr val="tx1"/>
-                    </a:solidFill>
-                    <a:latin typeface="+mn-lt"/>
-                    <a:ea typeface="+mn-ea"/>
-                    <a:cs typeface="+mn-cs"/>
-                  </a:defRPr>
-                </a:lvl8pPr>
-                <a:lvl9pPr marL="3657600" algn="l" defTabSz="457200" rtl="0" eaLnBrk="1" latinLnBrk="0" hangingPunct="1">
-                  <a:defRPr sz="1800" kern="1200">
-                    <a:solidFill>
-                      <a:schemeClr val="tx1"/>
-                    </a:solidFill>
-                    <a:latin typeface="+mn-lt"/>
-                    <a:ea typeface="+mn-ea"/>
-                    <a:cs typeface="+mn-cs"/>
-                  </a:defRPr>
-                </a:lvl9pPr>
-              </a:lstStyle>
-              <a:p>
-                <a:r>
-                  <a:rPr lang="en-US" altLang="zh-CN" b="1" dirty="0">
-                    <a:solidFill>
-                      <a:srgbClr val="C00000"/>
-                    </a:solidFill>
-                  </a:rPr>
-                  <a:t>[3]</a:t>
-                </a:r>
-                <a:endParaRPr lang="zh-CN" altLang="en-US" dirty="0">
-                  <a:solidFill>
-                    <a:srgbClr val="C00000"/>
-                  </a:solidFill>
-                </a:endParaRPr>
-              </a:p>
-            </p:txBody>
-          </p:sp>
-          <p:sp>
-            <p:nvSpPr>
-              <p:cNvPr id="49" name="文本框 70">
-                <a:extLst>
-                  <a:ext uri="{FF2B5EF4-FFF2-40B4-BE49-F238E27FC236}">
-                    <a16:creationId xmlns:a16="http://schemas.microsoft.com/office/drawing/2014/main" id="{8F8699C0-B862-B685-C68D-CEB76DA4DEA1}"/>
-                  </a:ext>
-                </a:extLst>
-              </p:cNvPr>
-              <p:cNvSpPr txBox="1"/>
-              <p:nvPr/>
-            </p:nvSpPr>
-            <p:spPr>
-              <a:xfrm>
-                <a:off x="6085413" y="4585204"/>
-                <a:ext cx="591671" cy="383888"/>
-              </a:xfrm>
-              <a:prstGeom prst="rect">
-                <a:avLst/>
-              </a:prstGeom>
-              <a:noFill/>
-            </p:spPr>
-            <p:txBody>
-              <a:bodyPr wrap="square">
-                <a:spAutoFit/>
-              </a:bodyPr>
-              <a:lstStyle>
-                <a:defPPr>
-                  <a:defRPr lang="en-US"/>
-                </a:defPPr>
-                <a:lvl1pPr marL="0" algn="l" defTabSz="457200" rtl="0" eaLnBrk="1" latinLnBrk="0" hangingPunct="1">
-                  <a:defRPr sz="1800" kern="1200">
-                    <a:solidFill>
-                      <a:schemeClr val="tx1"/>
-                    </a:solidFill>
-                    <a:latin typeface="+mn-lt"/>
-                    <a:ea typeface="+mn-ea"/>
-                    <a:cs typeface="+mn-cs"/>
-                  </a:defRPr>
-                </a:lvl1pPr>
-                <a:lvl2pPr marL="457200" algn="l" defTabSz="457200" rtl="0" eaLnBrk="1" latinLnBrk="0" hangingPunct="1">
-                  <a:defRPr sz="1800" kern="1200">
-                    <a:solidFill>
-                      <a:schemeClr val="tx1"/>
-                    </a:solidFill>
-                    <a:latin typeface="+mn-lt"/>
-                    <a:ea typeface="+mn-ea"/>
-                    <a:cs typeface="+mn-cs"/>
-                  </a:defRPr>
-                </a:lvl2pPr>
-                <a:lvl3pPr marL="914400" algn="l" defTabSz="457200" rtl="0" eaLnBrk="1" latinLnBrk="0" hangingPunct="1">
-                  <a:defRPr sz="1800" kern="1200">
-                    <a:solidFill>
-                      <a:schemeClr val="tx1"/>
-                    </a:solidFill>
-                    <a:latin typeface="+mn-lt"/>
-                    <a:ea typeface="+mn-ea"/>
-                    <a:cs typeface="+mn-cs"/>
-                  </a:defRPr>
-                </a:lvl3pPr>
-                <a:lvl4pPr marL="1371600" algn="l" defTabSz="457200" rtl="0" eaLnBrk="1" latinLnBrk="0" hangingPunct="1">
-                  <a:defRPr sz="1800" kern="1200">
-                    <a:solidFill>
-                      <a:schemeClr val="tx1"/>
-                    </a:solidFill>
-                    <a:latin typeface="+mn-lt"/>
-                    <a:ea typeface="+mn-ea"/>
-                    <a:cs typeface="+mn-cs"/>
-                  </a:defRPr>
-                </a:lvl4pPr>
-                <a:lvl5pPr marL="1828800" algn="l" defTabSz="457200" rtl="0" eaLnBrk="1" latinLnBrk="0" hangingPunct="1">
-                  <a:defRPr sz="1800" kern="1200">
-                    <a:solidFill>
-                      <a:schemeClr val="tx1"/>
-                    </a:solidFill>
-                    <a:latin typeface="+mn-lt"/>
-                    <a:ea typeface="+mn-ea"/>
-                    <a:cs typeface="+mn-cs"/>
-                  </a:defRPr>
-                </a:lvl5pPr>
-                <a:lvl6pPr marL="2286000" algn="l" defTabSz="457200" rtl="0" eaLnBrk="1" latinLnBrk="0" hangingPunct="1">
-                  <a:defRPr sz="1800" kern="1200">
-                    <a:solidFill>
-                      <a:schemeClr val="tx1"/>
-                    </a:solidFill>
-                    <a:latin typeface="+mn-lt"/>
-                    <a:ea typeface="+mn-ea"/>
-                    <a:cs typeface="+mn-cs"/>
-                  </a:defRPr>
-                </a:lvl6pPr>
-                <a:lvl7pPr marL="2743200" algn="l" defTabSz="457200" rtl="0" eaLnBrk="1" latinLnBrk="0" hangingPunct="1">
-                  <a:defRPr sz="1800" kern="1200">
-                    <a:solidFill>
-                      <a:schemeClr val="tx1"/>
-                    </a:solidFill>
-                    <a:latin typeface="+mn-lt"/>
-                    <a:ea typeface="+mn-ea"/>
-                    <a:cs typeface="+mn-cs"/>
-                  </a:defRPr>
-                </a:lvl7pPr>
-                <a:lvl8pPr marL="3200400" algn="l" defTabSz="457200" rtl="0" eaLnBrk="1" latinLnBrk="0" hangingPunct="1">
-                  <a:defRPr sz="1800" kern="1200">
-                    <a:solidFill>
-                      <a:schemeClr val="tx1"/>
-                    </a:solidFill>
-                    <a:latin typeface="+mn-lt"/>
-                    <a:ea typeface="+mn-ea"/>
-                    <a:cs typeface="+mn-cs"/>
-                  </a:defRPr>
-                </a:lvl8pPr>
-                <a:lvl9pPr marL="3657600" algn="l" defTabSz="457200" rtl="0" eaLnBrk="1" latinLnBrk="0" hangingPunct="1">
-                  <a:defRPr sz="1800" kern="1200">
-                    <a:solidFill>
-                      <a:schemeClr val="tx1"/>
-                    </a:solidFill>
-                    <a:latin typeface="+mn-lt"/>
-                    <a:ea typeface="+mn-ea"/>
-                    <a:cs typeface="+mn-cs"/>
-                  </a:defRPr>
-                </a:lvl9pPr>
-              </a:lstStyle>
-              <a:p>
-                <a:r>
-                  <a:rPr lang="en-US" altLang="zh-CN" b="1" dirty="0">
-                    <a:solidFill>
-                      <a:srgbClr val="C00000"/>
-                    </a:solidFill>
-                  </a:rPr>
-                  <a:t>[4]</a:t>
-                </a:r>
-                <a:endParaRPr lang="zh-CN" altLang="en-US" dirty="0">
-                  <a:solidFill>
-                    <a:srgbClr val="C00000"/>
-                  </a:solidFill>
-                </a:endParaRPr>
-              </a:p>
-            </p:txBody>
-          </p:sp>
-          <p:sp>
-            <p:nvSpPr>
-              <p:cNvPr id="50" name="文本框 70">
-                <a:extLst>
-                  <a:ext uri="{FF2B5EF4-FFF2-40B4-BE49-F238E27FC236}">
-                    <a16:creationId xmlns:a16="http://schemas.microsoft.com/office/drawing/2014/main" id="{8B458224-53F8-A82D-ECB2-76BF085192F7}"/>
-                  </a:ext>
-                </a:extLst>
-              </p:cNvPr>
-              <p:cNvSpPr txBox="1"/>
-              <p:nvPr/>
-            </p:nvSpPr>
-            <p:spPr>
-              <a:xfrm>
-                <a:off x="7678412" y="4585204"/>
-                <a:ext cx="591671" cy="383888"/>
-              </a:xfrm>
-              <a:prstGeom prst="rect">
-                <a:avLst/>
-              </a:prstGeom>
-              <a:noFill/>
-            </p:spPr>
-            <p:txBody>
-              <a:bodyPr wrap="square">
-                <a:spAutoFit/>
-              </a:bodyPr>
-              <a:lstStyle>
-                <a:defPPr>
-                  <a:defRPr lang="en-US"/>
-                </a:defPPr>
-                <a:lvl1pPr marL="0" algn="l" defTabSz="457200" rtl="0" eaLnBrk="1" latinLnBrk="0" hangingPunct="1">
-                  <a:defRPr sz="1800" kern="1200">
-                    <a:solidFill>
-                      <a:schemeClr val="tx1"/>
-                    </a:solidFill>
-                    <a:latin typeface="+mn-lt"/>
-                    <a:ea typeface="+mn-ea"/>
-                    <a:cs typeface="+mn-cs"/>
-                  </a:defRPr>
-                </a:lvl1pPr>
-                <a:lvl2pPr marL="457200" algn="l" defTabSz="457200" rtl="0" eaLnBrk="1" latinLnBrk="0" hangingPunct="1">
-                  <a:defRPr sz="1800" kern="1200">
-                    <a:solidFill>
-                      <a:schemeClr val="tx1"/>
-                    </a:solidFill>
-                    <a:latin typeface="+mn-lt"/>
-                    <a:ea typeface="+mn-ea"/>
-                    <a:cs typeface="+mn-cs"/>
-                  </a:defRPr>
-                </a:lvl2pPr>
-                <a:lvl3pPr marL="914400" algn="l" defTabSz="457200" rtl="0" eaLnBrk="1" latinLnBrk="0" hangingPunct="1">
-                  <a:defRPr sz="1800" kern="1200">
-                    <a:solidFill>
-                      <a:schemeClr val="tx1"/>
-                    </a:solidFill>
-                    <a:latin typeface="+mn-lt"/>
-                    <a:ea typeface="+mn-ea"/>
-                    <a:cs typeface="+mn-cs"/>
-                  </a:defRPr>
-                </a:lvl3pPr>
-                <a:lvl4pPr marL="1371600" algn="l" defTabSz="457200" rtl="0" eaLnBrk="1" latinLnBrk="0" hangingPunct="1">
-                  <a:defRPr sz="1800" kern="1200">
-                    <a:solidFill>
-                      <a:schemeClr val="tx1"/>
-                    </a:solidFill>
-                    <a:latin typeface="+mn-lt"/>
-                    <a:ea typeface="+mn-ea"/>
-                    <a:cs typeface="+mn-cs"/>
-                  </a:defRPr>
-                </a:lvl4pPr>
-                <a:lvl5pPr marL="1828800" algn="l" defTabSz="457200" rtl="0" eaLnBrk="1" latinLnBrk="0" hangingPunct="1">
-                  <a:defRPr sz="1800" kern="1200">
-                    <a:solidFill>
-                      <a:schemeClr val="tx1"/>
-                    </a:solidFill>
-                    <a:latin typeface="+mn-lt"/>
-                    <a:ea typeface="+mn-ea"/>
-                    <a:cs typeface="+mn-cs"/>
-                  </a:defRPr>
-                </a:lvl5pPr>
-                <a:lvl6pPr marL="2286000" algn="l" defTabSz="457200" rtl="0" eaLnBrk="1" latinLnBrk="0" hangingPunct="1">
-                  <a:defRPr sz="1800" kern="1200">
-                    <a:solidFill>
-                      <a:schemeClr val="tx1"/>
-                    </a:solidFill>
-                    <a:latin typeface="+mn-lt"/>
-                    <a:ea typeface="+mn-ea"/>
-                    <a:cs typeface="+mn-cs"/>
-                  </a:defRPr>
-                </a:lvl6pPr>
-                <a:lvl7pPr marL="2743200" algn="l" defTabSz="457200" rtl="0" eaLnBrk="1" latinLnBrk="0" hangingPunct="1">
-                  <a:defRPr sz="1800" kern="1200">
-                    <a:solidFill>
-                      <a:schemeClr val="tx1"/>
-                    </a:solidFill>
-                    <a:latin typeface="+mn-lt"/>
-                    <a:ea typeface="+mn-ea"/>
-                    <a:cs typeface="+mn-cs"/>
-                  </a:defRPr>
-                </a:lvl7pPr>
-                <a:lvl8pPr marL="3200400" algn="l" defTabSz="457200" rtl="0" eaLnBrk="1" latinLnBrk="0" hangingPunct="1">
-                  <a:defRPr sz="1800" kern="1200">
-                    <a:solidFill>
-                      <a:schemeClr val="tx1"/>
-                    </a:solidFill>
-                    <a:latin typeface="+mn-lt"/>
-                    <a:ea typeface="+mn-ea"/>
-                    <a:cs typeface="+mn-cs"/>
-                  </a:defRPr>
-                </a:lvl8pPr>
-                <a:lvl9pPr marL="3657600" algn="l" defTabSz="457200" rtl="0" eaLnBrk="1" latinLnBrk="0" hangingPunct="1">
-                  <a:defRPr sz="1800" kern="1200">
-                    <a:solidFill>
-                      <a:schemeClr val="tx1"/>
-                    </a:solidFill>
-                    <a:latin typeface="+mn-lt"/>
-                    <a:ea typeface="+mn-ea"/>
-                    <a:cs typeface="+mn-cs"/>
-                  </a:defRPr>
-                </a:lvl9pPr>
-              </a:lstStyle>
-              <a:p>
-                <a:r>
-                  <a:rPr lang="en-US" altLang="zh-CN" b="1" dirty="0">
-                    <a:solidFill>
-                      <a:srgbClr val="C00000"/>
-                    </a:solidFill>
-                  </a:rPr>
-                  <a:t>[5]</a:t>
-                </a:r>
-                <a:endParaRPr lang="zh-CN" altLang="en-US" dirty="0">
-                  <a:solidFill>
-                    <a:srgbClr val="C00000"/>
-                  </a:solidFill>
-                </a:endParaRPr>
-              </a:p>
-            </p:txBody>
-          </p:sp>
-          <p:sp>
-            <p:nvSpPr>
-              <p:cNvPr id="51" name="矩形 50">
-                <a:extLst>
-                  <a:ext uri="{FF2B5EF4-FFF2-40B4-BE49-F238E27FC236}">
-                    <a16:creationId xmlns:a16="http://schemas.microsoft.com/office/drawing/2014/main" id="{2E59748D-C178-20F3-74A7-2A359C837D89}"/>
-                  </a:ext>
-                </a:extLst>
-              </p:cNvPr>
-              <p:cNvSpPr/>
-              <p:nvPr/>
-            </p:nvSpPr>
-            <p:spPr>
-              <a:xfrm>
-                <a:off x="272436" y="4352962"/>
-                <a:ext cx="337564" cy="369332"/>
-              </a:xfrm>
-              <a:prstGeom prst="rect">
-                <a:avLst/>
-              </a:prstGeom>
-              <a:solidFill>
-                <a:schemeClr val="bg1"/>
-              </a:solidFill>
-              <a:ln>
-                <a:solidFill>
-                  <a:schemeClr val="bg1"/>
-                </a:solidFill>
-              </a:ln>
-            </p:spPr>
-            <p:style>
-              <a:lnRef idx="2">
-                <a:schemeClr val="accent1">
-                  <a:shade val="50000"/>
-                </a:schemeClr>
-              </a:lnRef>
-              <a:fillRef idx="1">
-                <a:schemeClr val="accent1"/>
-              </a:fillRef>
-              <a:effectRef idx="0">
-                <a:schemeClr val="accent1"/>
-              </a:effectRef>
-              <a:fontRef idx="minor">
-                <a:schemeClr val="lt1"/>
-              </a:fontRef>
-            </p:style>
-            <p:txBody>
-              <a:bodyPr rtlCol="0" anchor="ctr"/>
-              <a:lstStyle/>
-              <a:p>
-                <a:pPr algn="ctr"/>
-                <a:endParaRPr lang="zh-CN" altLang="en-US"/>
-              </a:p>
-            </p:txBody>
-          </p:sp>
         </p:grpSp>
-        <p:sp>
-          <p:nvSpPr>
-            <p:cNvPr id="35" name="文本框 34">
+        <p:grpSp>
+          <p:nvGrpSpPr>
+            <p:cNvPr id="58" name="组合 57">
               <a:extLst>
                 <a:ext uri="{FF2B5EF4-FFF2-40B4-BE49-F238E27FC236}">
-                  <a16:creationId xmlns:a16="http://schemas.microsoft.com/office/drawing/2014/main" id="{7E3073EB-926F-7476-1F9D-F7908333F08A}"/>
-                </a:ext>
-              </a:extLst>
-            </p:cNvPr>
-            <p:cNvSpPr txBox="1"/>
-            <p:nvPr/>
-          </p:nvSpPr>
-          <p:spPr>
-            <a:xfrm>
-              <a:off x="787336" y="6041410"/>
-              <a:ext cx="7532009" cy="584775"/>
-            </a:xfrm>
-            <a:prstGeom prst="rect">
-              <a:avLst/>
-            </a:prstGeom>
-            <a:noFill/>
-          </p:spPr>
-          <p:txBody>
-            <a:bodyPr wrap="square">
-              <a:spAutoFit/>
-            </a:bodyPr>
-            <a:lstStyle/>
-            <a:p>
-              <a:pPr algn="ctr"/>
-              <a:r>
-                <a:rPr lang="zh-CN" altLang="en-US" sz="1600" b="1" dirty="0">
-                  <a:latin typeface="Times New Roman" panose="02020603050405020304" pitchFamily="18" charset="0"/>
-                  <a:cs typeface="Times New Roman" panose="02020603050405020304" pitchFamily="18" charset="0"/>
-                </a:rPr>
-                <a:t>Comparison between the experimental data and the predictions </a:t>
-              </a:r>
-              <a:r>
-                <a:rPr lang="en-US" altLang="zh-CN" sz="1600" b="1" dirty="0">
-                  <a:latin typeface="Times New Roman" panose="02020603050405020304" pitchFamily="18" charset="0"/>
-                  <a:cs typeface="Times New Roman" panose="02020603050405020304" pitchFamily="18" charset="0"/>
-                </a:rPr>
-                <a:t>of two-parameter emulsion model </a:t>
-              </a:r>
-              <a:r>
-                <a:rPr lang="en-US" altLang="zh-CN" sz="1600" dirty="0">
-                  <a:latin typeface="Times New Roman" panose="02020603050405020304" pitchFamily="18" charset="0"/>
-                  <a:cs typeface="Times New Roman" panose="02020603050405020304" pitchFamily="18" charset="0"/>
-                </a:rPr>
-                <a:t>(Pal, 2001)</a:t>
-              </a:r>
-              <a:endParaRPr lang="zh-CN" altLang="en-US" sz="1600" dirty="0">
-                <a:latin typeface="Times New Roman" panose="02020603050405020304" pitchFamily="18" charset="0"/>
-                <a:cs typeface="Times New Roman" panose="02020603050405020304" pitchFamily="18" charset="0"/>
-              </a:endParaRPr>
-            </a:p>
-          </p:txBody>
-        </p:sp>
-      </p:grpSp>
-      <p:grpSp>
-        <p:nvGrpSpPr>
-          <p:cNvPr id="58" name="组合 57">
-            <a:extLst>
-              <a:ext uri="{FF2B5EF4-FFF2-40B4-BE49-F238E27FC236}">
-                <a16:creationId xmlns:a16="http://schemas.microsoft.com/office/drawing/2014/main" id="{96F2377C-CD42-F052-2535-651976C04AE1}"/>
-              </a:ext>
-            </a:extLst>
-          </p:cNvPr>
-          <p:cNvGrpSpPr/>
-          <p:nvPr/>
-        </p:nvGrpSpPr>
-        <p:grpSpPr>
-          <a:xfrm>
-            <a:off x="2279117" y="656542"/>
-            <a:ext cx="6210505" cy="3275980"/>
-            <a:chOff x="2159555" y="601847"/>
-            <a:chExt cx="6210505" cy="3275980"/>
-          </a:xfrm>
-        </p:grpSpPr>
-        <p:cxnSp>
-          <p:nvCxnSpPr>
-            <p:cNvPr id="12" name="直接箭头连接符 11">
-              <a:extLst>
-                <a:ext uri="{FF2B5EF4-FFF2-40B4-BE49-F238E27FC236}">
-                  <a16:creationId xmlns:a16="http://schemas.microsoft.com/office/drawing/2014/main" id="{3213EAEB-52CD-BD9D-D8A6-FA2AA2336C4F}"/>
-                </a:ext>
-              </a:extLst>
-            </p:cNvPr>
-            <p:cNvCxnSpPr>
-              <a:cxnSpLocks/>
-            </p:cNvCxnSpPr>
-            <p:nvPr/>
-          </p:nvCxnSpPr>
-          <p:spPr>
-            <a:xfrm flipV="1">
-              <a:off x="2602906" y="2072481"/>
-              <a:ext cx="0" cy="347345"/>
-            </a:xfrm>
-            <a:prstGeom prst="straightConnector1">
-              <a:avLst/>
-            </a:prstGeom>
-            <a:ln w="76200" cap="rnd">
-              <a:solidFill>
-                <a:schemeClr val="accent2">
-                  <a:lumMod val="75000"/>
-                </a:schemeClr>
-              </a:solidFill>
-              <a:tailEnd type="triangle"/>
-            </a:ln>
-          </p:spPr>
-          <p:style>
-            <a:lnRef idx="1">
-              <a:schemeClr val="accent1"/>
-            </a:lnRef>
-            <a:fillRef idx="0">
-              <a:schemeClr val="accent1"/>
-            </a:fillRef>
-            <a:effectRef idx="0">
-              <a:schemeClr val="accent1"/>
-            </a:effectRef>
-            <a:fontRef idx="minor">
-              <a:schemeClr val="tx1"/>
-            </a:fontRef>
-          </p:style>
-        </p:cxnSp>
-        <p:grpSp>
-          <p:nvGrpSpPr>
-            <p:cNvPr id="55" name="组合 54">
-              <a:extLst>
-                <a:ext uri="{FF2B5EF4-FFF2-40B4-BE49-F238E27FC236}">
-                  <a16:creationId xmlns:a16="http://schemas.microsoft.com/office/drawing/2014/main" id="{EEF34EA6-AD29-65D8-905A-701596B9EF90}"/>
+                  <a16:creationId xmlns:a16="http://schemas.microsoft.com/office/drawing/2014/main" id="{96F2377C-CD42-F052-2535-651976C04AE1}"/>
                 </a:ext>
               </a:extLst>
             </p:cNvPr>
@@ -16830,813 +17220,18 @@
           </p:nvGrpSpPr>
           <p:grpSpPr>
             <a:xfrm>
-              <a:off x="2159555" y="601847"/>
+              <a:off x="2279117" y="656542"/>
               <a:ext cx="6210505" cy="3275980"/>
               <a:chOff x="2159555" y="601847"/>
               <a:chExt cx="6210505" cy="3275980"/>
             </a:xfrm>
           </p:grpSpPr>
-          <p:grpSp>
-            <p:nvGrpSpPr>
-              <p:cNvPr id="10" name="组合 9">
+          <p:cxnSp>
+            <p:nvCxnSpPr>
+              <p:cNvPr id="12" name="直接箭头连接符 11">
                 <a:extLst>
                   <a:ext uri="{FF2B5EF4-FFF2-40B4-BE49-F238E27FC236}">
-                    <a16:creationId xmlns:a16="http://schemas.microsoft.com/office/drawing/2014/main" id="{75963FAC-B7A0-F7D9-F85D-5E3F4B5FD6E2}"/>
-                  </a:ext>
-                </a:extLst>
-              </p:cNvPr>
-              <p:cNvGrpSpPr/>
-              <p:nvPr/>
-            </p:nvGrpSpPr>
-            <p:grpSpPr>
-              <a:xfrm>
-                <a:off x="4881850" y="601847"/>
-                <a:ext cx="3488210" cy="3275980"/>
-                <a:chOff x="5212080" y="453338"/>
-                <a:chExt cx="3488210" cy="3275980"/>
-              </a:xfrm>
-            </p:grpSpPr>
-            <p:grpSp>
-              <p:nvGrpSpPr>
-                <p:cNvPr id="13" name="组合 12">
-                  <a:extLst>
-                    <a:ext uri="{FF2B5EF4-FFF2-40B4-BE49-F238E27FC236}">
-                      <a16:creationId xmlns:a16="http://schemas.microsoft.com/office/drawing/2014/main" id="{6CED3B93-1243-BC77-9C06-6F05AE305EEC}"/>
-                    </a:ext>
-                  </a:extLst>
-                </p:cNvPr>
-                <p:cNvGrpSpPr/>
-                <p:nvPr/>
-              </p:nvGrpSpPr>
-              <p:grpSpPr>
-                <a:xfrm>
-                  <a:off x="5212080" y="453338"/>
-                  <a:ext cx="3488210" cy="3275980"/>
-                  <a:chOff x="5148827" y="504205"/>
-                  <a:chExt cx="3305488" cy="3328162"/>
-                </a:xfrm>
-              </p:grpSpPr>
-              <p:sp>
-                <p:nvSpPr>
-                  <p:cNvPr id="25" name="矩形 24">
-                    <a:extLst>
-                      <a:ext uri="{FF2B5EF4-FFF2-40B4-BE49-F238E27FC236}">
-                        <a16:creationId xmlns:a16="http://schemas.microsoft.com/office/drawing/2014/main" id="{4308A5CD-93BE-4225-7C3E-11213691CF86}"/>
-                      </a:ext>
-                    </a:extLst>
-                  </p:cNvPr>
-                  <p:cNvSpPr/>
-                  <p:nvPr/>
-                </p:nvSpPr>
-                <p:spPr>
-                  <a:xfrm>
-                    <a:off x="5148827" y="504205"/>
-                    <a:ext cx="3305488" cy="3328162"/>
-                  </a:xfrm>
-                  <a:prstGeom prst="rect">
-                    <a:avLst/>
-                  </a:prstGeom>
-                  <a:solidFill>
-                    <a:schemeClr val="bg1"/>
-                  </a:solidFill>
-                  <a:ln w="19050">
-                    <a:solidFill>
-                      <a:schemeClr val="accent2">
-                        <a:lumMod val="75000"/>
-                      </a:schemeClr>
-                    </a:solidFill>
-                    <a:prstDash val="lgDash"/>
-                  </a:ln>
-                </p:spPr>
-                <p:style>
-                  <a:lnRef idx="2">
-                    <a:schemeClr val="accent1">
-                      <a:shade val="50000"/>
-                    </a:schemeClr>
-                  </a:lnRef>
-                  <a:fillRef idx="1">
-                    <a:schemeClr val="accent1"/>
-                  </a:fillRef>
-                  <a:effectRef idx="0">
-                    <a:schemeClr val="accent1"/>
-                  </a:effectRef>
-                  <a:fontRef idx="minor">
-                    <a:schemeClr val="lt1"/>
-                  </a:fontRef>
-                </p:style>
-                <p:txBody>
-                  <a:bodyPr rtlCol="0" anchor="ctr"/>
-                  <a:lstStyle/>
-                  <a:p>
-                    <a:pPr algn="ctr"/>
-                    <a:endParaRPr lang="zh-CN" altLang="en-US" dirty="0"/>
-                  </a:p>
-                </p:txBody>
-              </p:sp>
-              <p:sp>
-                <p:nvSpPr>
-                  <p:cNvPr id="14" name="文本框 13">
-                    <a:extLst>
-                      <a:ext uri="{FF2B5EF4-FFF2-40B4-BE49-F238E27FC236}">
-                        <a16:creationId xmlns:a16="http://schemas.microsoft.com/office/drawing/2014/main" id="{EB162F8B-43E2-0807-673C-00833139F408}"/>
-                      </a:ext>
-                    </a:extLst>
-                  </p:cNvPr>
-                  <p:cNvSpPr txBox="1"/>
-                  <p:nvPr/>
-                </p:nvSpPr>
-                <p:spPr>
-                  <a:xfrm>
-                    <a:off x="5391715" y="504205"/>
-                    <a:ext cx="2486640" cy="369332"/>
-                  </a:xfrm>
-                  <a:prstGeom prst="rect">
-                    <a:avLst/>
-                  </a:prstGeom>
-                  <a:noFill/>
-                </p:spPr>
-                <p:txBody>
-                  <a:bodyPr wrap="square">
-                    <a:spAutoFit/>
-                  </a:bodyPr>
-                  <a:lstStyle/>
-                  <a:p>
-                    <a:pPr algn="l"/>
-                    <a:r>
-                      <a:rPr lang="en-US" altLang="zh-CN" dirty="0">
-                        <a:latin typeface="Times New Roman" panose="02020603050405020304" pitchFamily="18" charset="0"/>
-                        <a:cs typeface="Times New Roman" panose="02020603050405020304" pitchFamily="18" charset="0"/>
-                      </a:rPr>
-                      <a:t>*Particle Suspension</a:t>
-                    </a:r>
-                  </a:p>
-                </p:txBody>
-              </p:sp>
-              <p:sp>
-                <p:nvSpPr>
-                  <p:cNvPr id="15" name="文本框 14">
-                    <a:extLst>
-                      <a:ext uri="{FF2B5EF4-FFF2-40B4-BE49-F238E27FC236}">
-                        <a16:creationId xmlns:a16="http://schemas.microsoft.com/office/drawing/2014/main" id="{97EA8CFD-A647-D259-E44F-165A3D425FF8}"/>
-                      </a:ext>
-                    </a:extLst>
-                  </p:cNvPr>
-                  <p:cNvSpPr txBox="1"/>
-                  <p:nvPr/>
-                </p:nvSpPr>
-                <p:spPr>
-                  <a:xfrm>
-                    <a:off x="5576710" y="1744202"/>
-                    <a:ext cx="2254095" cy="369332"/>
-                  </a:xfrm>
-                  <a:prstGeom prst="rect">
-                    <a:avLst/>
-                  </a:prstGeom>
-                  <a:noFill/>
-                </p:spPr>
-                <p:txBody>
-                  <a:bodyPr wrap="square" rtlCol="0">
-                    <a:spAutoFit/>
-                  </a:bodyPr>
-                  <a:lstStyle>
-                    <a:defPPr>
-                      <a:defRPr lang="en-US"/>
-                    </a:defPPr>
-                    <a:lvl1pPr>
-                      <a:defRPr>
-                        <a:latin typeface="Times New Roman" panose="02020603050405020304" pitchFamily="18" charset="0"/>
-                        <a:cs typeface="Times New Roman" panose="02020603050405020304" pitchFamily="18" charset="0"/>
-                      </a:defRPr>
-                    </a:lvl1pPr>
-                  </a:lstStyle>
-                  <a:p>
-                    <a:r>
-                      <a:rPr lang="en-US" altLang="zh-CN" dirty="0"/>
-                      <a:t>-</a:t>
-                    </a:r>
-                    <a:r>
-                      <a:rPr lang="zh-CN" altLang="en-US" dirty="0"/>
-                      <a:t>Mooney </a:t>
-                    </a:r>
-                    <a:r>
-                      <a:rPr lang="en-US" altLang="zh-CN" dirty="0"/>
-                      <a:t>E</a:t>
-                    </a:r>
-                    <a:r>
-                      <a:rPr lang="zh-CN" altLang="en-US" dirty="0"/>
-                      <a:t>quation </a:t>
-                    </a:r>
-                    <a:r>
-                      <a:rPr lang="en-US" altLang="zh-CN" b="1" dirty="0">
-                        <a:solidFill>
-                          <a:srgbClr val="C00000"/>
-                        </a:solidFill>
-                      </a:rPr>
-                      <a:t>[1]</a:t>
-                    </a:r>
-                    <a:endParaRPr lang="zh-CN" altLang="en-US" b="1" dirty="0">
-                      <a:solidFill>
-                        <a:srgbClr val="C00000"/>
-                      </a:solidFill>
-                    </a:endParaRPr>
-                  </a:p>
-                </p:txBody>
-              </p:sp>
-              <mc:AlternateContent xmlns:mc="http://schemas.openxmlformats.org/markup-compatibility/2006" xmlns:a14="http://schemas.microsoft.com/office/drawing/2010/main">
-                <mc:Choice Requires="a14">
-                  <p:sp>
-                    <p:nvSpPr>
-                      <p:cNvPr id="16" name="文本框 15">
-                        <a:extLst>
-                          <a:ext uri="{FF2B5EF4-FFF2-40B4-BE49-F238E27FC236}">
-                            <a16:creationId xmlns:a16="http://schemas.microsoft.com/office/drawing/2014/main" id="{DB78F792-67DD-82A9-5D33-F86F1DB8FD4C}"/>
-                          </a:ext>
-                        </a:extLst>
-                      </p:cNvPr>
-                      <p:cNvSpPr txBox="1"/>
-                      <p:nvPr/>
-                    </p:nvSpPr>
-                    <p:spPr>
-                      <a:xfrm>
-                        <a:off x="5613143" y="921439"/>
-                        <a:ext cx="1464833" cy="276999"/>
-                      </a:xfrm>
-                      <a:prstGeom prst="rect">
-                        <a:avLst/>
-                      </a:prstGeom>
-                      <a:noFill/>
-                    </p:spPr>
-                    <p:txBody>
-                      <a:bodyPr wrap="square" lIns="0" tIns="0" rIns="0" bIns="0" rtlCol="0">
-                        <a:spAutoFit/>
-                      </a:bodyPr>
-                      <a:lstStyle/>
-                      <a:p>
-                        <a:pPr/>
-                        <a14:m>
-                          <m:oMathPara xmlns:m="http://schemas.openxmlformats.org/officeDocument/2006/math">
-                            <m:oMathParaPr>
-                              <m:jc m:val="centerGroup"/>
-                            </m:oMathParaPr>
-                            <m:oMath xmlns:m="http://schemas.openxmlformats.org/officeDocument/2006/math">
-                              <m:sSub>
-                                <m:sSubPr>
-                                  <m:ctrlPr>
-                                    <a:rPr lang="en-US" altLang="zh-CN" i="1">
-                                      <a:latin typeface="Cambria Math" panose="02040503050406030204" pitchFamily="18" charset="0"/>
-                                    </a:rPr>
-                                  </m:ctrlPr>
-                                </m:sSubPr>
-                                <m:e>
-                                  <m:r>
-                                    <a:rPr lang="zh-CN" altLang="en-US" i="1">
-                                      <a:latin typeface="Cambria Math" panose="02040503050406030204" pitchFamily="18" charset="0"/>
-                                    </a:rPr>
-                                    <m:t>𝜇</m:t>
-                                  </m:r>
-                                </m:e>
-                                <m:sub>
-                                  <m:r>
-                                    <a:rPr lang="en-US" altLang="zh-CN" i="1">
-                                      <a:latin typeface="Cambria Math" panose="02040503050406030204" pitchFamily="18" charset="0"/>
-                                    </a:rPr>
-                                    <m:t>𝑟</m:t>
-                                  </m:r>
-                                </m:sub>
-                              </m:sSub>
-                              <m:r>
-                                <a:rPr lang="en-US" altLang="zh-CN" b="0" i="1" smtClean="0">
-                                  <a:latin typeface="Cambria Math" panose="02040503050406030204" pitchFamily="18" charset="0"/>
-                                </a:rPr>
-                                <m:t>=</m:t>
-                              </m:r>
-                              <m:r>
-                                <a:rPr lang="en-US" altLang="zh-CN" b="0" i="1" smtClean="0">
-                                  <a:latin typeface="Cambria Math" panose="02040503050406030204" pitchFamily="18" charset="0"/>
-                                </a:rPr>
-                                <m:t>𝑓</m:t>
-                              </m:r>
-                              <m:d>
-                                <m:dPr>
-                                  <m:ctrlPr>
-                                    <a:rPr lang="en-US" altLang="zh-CN" b="0" i="1" smtClean="0">
-                                      <a:latin typeface="Cambria Math" panose="02040503050406030204" pitchFamily="18" charset="0"/>
-                                    </a:rPr>
-                                  </m:ctrlPr>
-                                </m:dPr>
-                                <m:e>
-                                  <m:r>
-                                    <a:rPr lang="zh-CN" altLang="en-US" b="0" i="1" smtClean="0">
-                                      <a:latin typeface="Cambria Math" panose="02040503050406030204" pitchFamily="18" charset="0"/>
-                                    </a:rPr>
-                                    <m:t>𝜙</m:t>
-                                  </m:r>
-                                  <m:r>
-                                    <a:rPr lang="en-US" altLang="zh-CN" b="0" i="1" smtClean="0">
-                                      <a:latin typeface="Cambria Math" panose="02040503050406030204" pitchFamily="18" charset="0"/>
-                                    </a:rPr>
-                                    <m:t>,</m:t>
-                                  </m:r>
-                                  <m:sSub>
-                                    <m:sSubPr>
-                                      <m:ctrlPr>
-                                        <a:rPr lang="en-US" altLang="zh-CN" b="0" i="1" smtClean="0">
-                                          <a:latin typeface="Cambria Math" panose="02040503050406030204" pitchFamily="18" charset="0"/>
-                                        </a:rPr>
-                                      </m:ctrlPr>
-                                    </m:sSubPr>
-                                    <m:e>
-                                      <m:r>
-                                        <a:rPr lang="zh-CN" altLang="en-US" b="0" i="1" smtClean="0">
-                                          <a:latin typeface="Cambria Math" panose="02040503050406030204" pitchFamily="18" charset="0"/>
-                                        </a:rPr>
-                                        <m:t>𝜙</m:t>
-                                      </m:r>
-                                    </m:e>
-                                    <m:sub>
-                                      <m:r>
-                                        <a:rPr lang="en-US" altLang="zh-CN" b="0" i="1" smtClean="0">
-                                          <a:latin typeface="Cambria Math" panose="02040503050406030204" pitchFamily="18" charset="0"/>
-                                        </a:rPr>
-                                        <m:t>𝑚</m:t>
-                                      </m:r>
-                                    </m:sub>
-                                  </m:sSub>
-                                </m:e>
-                              </m:d>
-                            </m:oMath>
-                          </m:oMathPara>
-                        </a14:m>
-                        <a:endParaRPr lang="zh-CN" altLang="en-US" dirty="0"/>
-                      </a:p>
-                    </p:txBody>
-                  </p:sp>
-                </mc:Choice>
-                <mc:Fallback xmlns="">
-                  <p:sp>
-                    <p:nvSpPr>
-                      <p:cNvPr id="27" name="文本框 26">
-                        <a:extLst>
-                          <a:ext uri="{FF2B5EF4-FFF2-40B4-BE49-F238E27FC236}">
-                            <a16:creationId xmlns:a16="http://schemas.microsoft.com/office/drawing/2014/main" id="{80B2D845-A69F-2953-4EA7-5B3CFD41BF1D}"/>
-                          </a:ext>
-                        </a:extLst>
-                      </p:cNvPr>
-                      <p:cNvSpPr txBox="1">
-                        <a:spLocks noRot="1" noChangeAspect="1" noMove="1" noResize="1" noEditPoints="1" noAdjustHandles="1" noChangeArrowheads="1" noChangeShapeType="1" noTextEdit="1"/>
-                      </p:cNvSpPr>
-                      <p:nvPr/>
-                    </p:nvSpPr>
-                    <p:spPr>
-                      <a:xfrm>
-                        <a:off x="5613143" y="921439"/>
-                        <a:ext cx="1464833" cy="276999"/>
-                      </a:xfrm>
-                      <a:prstGeom prst="rect">
-                        <a:avLst/>
-                      </a:prstGeom>
-                      <a:blipFill>
-                        <a:blip r:embed="rId10"/>
-                        <a:stretch>
-                          <a:fillRect l="-787" t="-2174" b="-32609"/>
-                        </a:stretch>
-                      </a:blipFill>
-                    </p:spPr>
-                    <p:txBody>
-                      <a:bodyPr/>
-                      <a:lstStyle/>
-                      <a:p>
-                        <a:r>
-                          <a:rPr lang="zh-CN" altLang="en-US">
-                            <a:noFill/>
-                          </a:rPr>
-                          <a:t> </a:t>
-                        </a:r>
-                      </a:p>
-                    </p:txBody>
-                  </p:sp>
-                </mc:Fallback>
-              </mc:AlternateContent>
-              <p:cxnSp>
-                <p:nvCxnSpPr>
-                  <p:cNvPr id="18" name="直接连接符 17">
-                    <a:extLst>
-                      <a:ext uri="{FF2B5EF4-FFF2-40B4-BE49-F238E27FC236}">
-                        <a16:creationId xmlns:a16="http://schemas.microsoft.com/office/drawing/2014/main" id="{2CCC14AE-2881-BE85-505B-7782831AEEEF}"/>
-                      </a:ext>
-                    </a:extLst>
-                  </p:cNvPr>
-                  <p:cNvCxnSpPr>
-                    <a:cxnSpLocks/>
-                  </p:cNvCxnSpPr>
-                  <p:nvPr/>
-                </p:nvCxnSpPr>
-                <p:spPr>
-                  <a:xfrm>
-                    <a:off x="6130406" y="1242869"/>
-                    <a:ext cx="947570" cy="0"/>
-                  </a:xfrm>
-                  <a:prstGeom prst="line">
-                    <a:avLst/>
-                  </a:prstGeom>
-                  <a:ln w="28575">
-                    <a:solidFill>
-                      <a:schemeClr val="accent2">
-                        <a:lumMod val="75000"/>
-                      </a:schemeClr>
-                    </a:solidFill>
-                    <a:prstDash val="sysDot"/>
-                  </a:ln>
-                </p:spPr>
-                <p:style>
-                  <a:lnRef idx="1">
-                    <a:schemeClr val="accent1"/>
-                  </a:lnRef>
-                  <a:fillRef idx="0">
-                    <a:schemeClr val="accent1"/>
-                  </a:fillRef>
-                  <a:effectRef idx="0">
-                    <a:schemeClr val="accent1"/>
-                  </a:effectRef>
-                  <a:fontRef idx="minor">
-                    <a:schemeClr val="tx1"/>
-                  </a:fontRef>
-                </p:style>
-              </p:cxnSp>
-              <p:cxnSp>
-                <p:nvCxnSpPr>
-                  <p:cNvPr id="19" name="直接箭头连接符 18">
-                    <a:extLst>
-                      <a:ext uri="{FF2B5EF4-FFF2-40B4-BE49-F238E27FC236}">
-                        <a16:creationId xmlns:a16="http://schemas.microsoft.com/office/drawing/2014/main" id="{D621FF27-6BB9-DB2E-0761-770229F88F58}"/>
-                      </a:ext>
-                    </a:extLst>
-                  </p:cNvPr>
-                  <p:cNvCxnSpPr/>
-                  <p:nvPr/>
-                </p:nvCxnSpPr>
-                <p:spPr>
-                  <a:xfrm>
-                    <a:off x="6677084" y="1242869"/>
-                    <a:ext cx="0" cy="167243"/>
-                  </a:xfrm>
-                  <a:prstGeom prst="straightConnector1">
-                    <a:avLst/>
-                  </a:prstGeom>
-                  <a:ln w="28575">
-                    <a:solidFill>
-                      <a:schemeClr val="accent2">
-                        <a:lumMod val="75000"/>
-                      </a:schemeClr>
-                    </a:solidFill>
-                    <a:tailEnd type="triangle"/>
-                  </a:ln>
-                </p:spPr>
-                <p:style>
-                  <a:lnRef idx="1">
-                    <a:schemeClr val="accent1"/>
-                  </a:lnRef>
-                  <a:fillRef idx="0">
-                    <a:schemeClr val="accent1"/>
-                  </a:fillRef>
-                  <a:effectRef idx="0">
-                    <a:schemeClr val="accent1"/>
-                  </a:effectRef>
-                  <a:fontRef idx="minor">
-                    <a:schemeClr val="tx1"/>
-                  </a:fontRef>
-                </p:style>
-              </p:cxnSp>
-              <p:sp>
-                <p:nvSpPr>
-                  <p:cNvPr id="20" name="文本框 19">
-                    <a:extLst>
-                      <a:ext uri="{FF2B5EF4-FFF2-40B4-BE49-F238E27FC236}">
-                        <a16:creationId xmlns:a16="http://schemas.microsoft.com/office/drawing/2014/main" id="{6A34D7B8-93C0-52B3-BEE8-C22947301056}"/>
-                      </a:ext>
-                    </a:extLst>
-                  </p:cNvPr>
-                  <p:cNvSpPr txBox="1"/>
-                  <p:nvPr/>
-                </p:nvSpPr>
-                <p:spPr>
-                  <a:xfrm>
-                    <a:off x="5576710" y="2062882"/>
-                    <a:ext cx="2720736" cy="656626"/>
-                  </a:xfrm>
-                  <a:prstGeom prst="rect">
-                    <a:avLst/>
-                  </a:prstGeom>
-                  <a:noFill/>
-                </p:spPr>
-                <p:txBody>
-                  <a:bodyPr wrap="square">
-                    <a:spAutoFit/>
-                  </a:bodyPr>
-                  <a:lstStyle/>
-                  <a:p>
-                    <a:r>
-                      <a:rPr lang="en-US" altLang="zh-CN" dirty="0">
-                        <a:latin typeface="Times New Roman" panose="02020603050405020304" pitchFamily="18" charset="0"/>
-                        <a:cs typeface="Times New Roman" panose="02020603050405020304" pitchFamily="18" charset="0"/>
-                      </a:rPr>
-                      <a:t>-</a:t>
-                    </a:r>
-                    <a:r>
-                      <a:rPr lang="zh-CN" altLang="en-US" dirty="0">
-                        <a:latin typeface="Times New Roman" panose="02020603050405020304" pitchFamily="18" charset="0"/>
-                        <a:cs typeface="Times New Roman" panose="02020603050405020304" pitchFamily="18" charset="0"/>
-                      </a:rPr>
-                      <a:t>Krieger and Dougherty    </a:t>
-                    </a:r>
-                    <a:r>
-                      <a:rPr lang="en-US" altLang="zh-CN" dirty="0">
-                        <a:latin typeface="Times New Roman" panose="02020603050405020304" pitchFamily="18" charset="0"/>
-                        <a:cs typeface="Times New Roman" panose="02020603050405020304" pitchFamily="18" charset="0"/>
-                      </a:rPr>
-                      <a:t>E</a:t>
-                    </a:r>
-                    <a:r>
-                      <a:rPr lang="zh-CN" altLang="en-US" dirty="0">
-                        <a:latin typeface="Times New Roman" panose="02020603050405020304" pitchFamily="18" charset="0"/>
-                        <a:cs typeface="Times New Roman" panose="02020603050405020304" pitchFamily="18" charset="0"/>
-                      </a:rPr>
-                      <a:t>quation </a:t>
-                    </a:r>
-                    <a:r>
-                      <a:rPr lang="en-US" altLang="zh-CN" b="1" dirty="0">
-                        <a:solidFill>
-                          <a:srgbClr val="C00000"/>
-                        </a:solidFill>
-                        <a:latin typeface="Times New Roman" panose="02020603050405020304" pitchFamily="18" charset="0"/>
-                        <a:cs typeface="Times New Roman" panose="02020603050405020304" pitchFamily="18" charset="0"/>
-                      </a:rPr>
-                      <a:t>[2]</a:t>
-                    </a:r>
-                    <a:endParaRPr lang="zh-CN" altLang="en-US" b="1" dirty="0">
-                      <a:solidFill>
-                        <a:srgbClr val="C00000"/>
-                      </a:solidFill>
-                      <a:latin typeface="Times New Roman" panose="02020603050405020304" pitchFamily="18" charset="0"/>
-                      <a:cs typeface="Times New Roman" panose="02020603050405020304" pitchFamily="18" charset="0"/>
-                    </a:endParaRPr>
-                  </a:p>
-                </p:txBody>
-              </p:sp>
-              <p:sp>
-                <p:nvSpPr>
-                  <p:cNvPr id="21" name="文本框 20">
-                    <a:extLst>
-                      <a:ext uri="{FF2B5EF4-FFF2-40B4-BE49-F238E27FC236}">
-                        <a16:creationId xmlns:a16="http://schemas.microsoft.com/office/drawing/2014/main" id="{5699877E-6B48-C01A-63E4-38AC4A47E85D}"/>
-                      </a:ext>
-                    </a:extLst>
-                  </p:cNvPr>
-                  <p:cNvSpPr txBox="1"/>
-                  <p:nvPr/>
-                </p:nvSpPr>
-                <p:spPr>
-                  <a:xfrm>
-                    <a:off x="5545964" y="2666884"/>
-                    <a:ext cx="2092095" cy="369332"/>
-                  </a:xfrm>
-                  <a:prstGeom prst="rect">
-                    <a:avLst/>
-                  </a:prstGeom>
-                  <a:noFill/>
-                </p:spPr>
-                <p:txBody>
-                  <a:bodyPr wrap="square">
-                    <a:spAutoFit/>
-                  </a:bodyPr>
-                  <a:lstStyle/>
-                  <a:p>
-                    <a:r>
-                      <a:rPr lang="en-US" altLang="zh-CN" dirty="0">
-                        <a:latin typeface="Times New Roman" panose="02020603050405020304" pitchFamily="18" charset="0"/>
-                        <a:cs typeface="Times New Roman" panose="02020603050405020304" pitchFamily="18" charset="0"/>
-                      </a:rPr>
-                      <a:t>-</a:t>
-                    </a:r>
-                    <a:r>
-                      <a:rPr lang="zh-CN" altLang="en-US" dirty="0">
-                        <a:latin typeface="Times New Roman" panose="02020603050405020304" pitchFamily="18" charset="0"/>
-                        <a:cs typeface="Times New Roman" panose="02020603050405020304" pitchFamily="18" charset="0"/>
-                      </a:rPr>
-                      <a:t>Eilers </a:t>
-                    </a:r>
-                    <a:r>
-                      <a:rPr lang="en-US" altLang="zh-CN" dirty="0">
-                        <a:latin typeface="Times New Roman" panose="02020603050405020304" pitchFamily="18" charset="0"/>
-                        <a:cs typeface="Times New Roman" panose="02020603050405020304" pitchFamily="18" charset="0"/>
-                      </a:rPr>
-                      <a:t>E</a:t>
-                    </a:r>
-                    <a:r>
-                      <a:rPr lang="zh-CN" altLang="en-US" dirty="0">
-                        <a:latin typeface="Times New Roman" panose="02020603050405020304" pitchFamily="18" charset="0"/>
-                        <a:cs typeface="Times New Roman" panose="02020603050405020304" pitchFamily="18" charset="0"/>
-                      </a:rPr>
-                      <a:t>quation </a:t>
-                    </a:r>
-                    <a:r>
-                      <a:rPr lang="en-US" altLang="zh-CN" b="1" dirty="0">
-                        <a:solidFill>
-                          <a:srgbClr val="C00000"/>
-                        </a:solidFill>
-                        <a:latin typeface="Times New Roman" panose="02020603050405020304" pitchFamily="18" charset="0"/>
-                        <a:cs typeface="Times New Roman" panose="02020603050405020304" pitchFamily="18" charset="0"/>
-                      </a:rPr>
-                      <a:t>[3]</a:t>
-                    </a:r>
-                    <a:endParaRPr lang="zh-CN" altLang="en-US" b="1" dirty="0">
-                      <a:solidFill>
-                        <a:srgbClr val="C00000"/>
-                      </a:solidFill>
-                      <a:latin typeface="Times New Roman" panose="02020603050405020304" pitchFamily="18" charset="0"/>
-                      <a:cs typeface="Times New Roman" panose="02020603050405020304" pitchFamily="18" charset="0"/>
-                    </a:endParaRPr>
-                  </a:p>
-                </p:txBody>
-              </p:sp>
-              <p:sp>
-                <p:nvSpPr>
-                  <p:cNvPr id="22" name="文本框 21">
-                    <a:extLst>
-                      <a:ext uri="{FF2B5EF4-FFF2-40B4-BE49-F238E27FC236}">
-                        <a16:creationId xmlns:a16="http://schemas.microsoft.com/office/drawing/2014/main" id="{50E492E6-8ADE-8ECA-E476-FE80E68F19B4}"/>
-                      </a:ext>
-                    </a:extLst>
-                  </p:cNvPr>
-                  <p:cNvSpPr txBox="1"/>
-                  <p:nvPr/>
-                </p:nvSpPr>
-                <p:spPr>
-                  <a:xfrm>
-                    <a:off x="5545964" y="2970781"/>
-                    <a:ext cx="2432754" cy="369332"/>
-                  </a:xfrm>
-                  <a:prstGeom prst="rect">
-                    <a:avLst/>
-                  </a:prstGeom>
-                  <a:noFill/>
-                </p:spPr>
-                <p:txBody>
-                  <a:bodyPr wrap="square">
-                    <a:spAutoFit/>
-                  </a:bodyPr>
-                  <a:lstStyle/>
-                  <a:p>
-                    <a:r>
-                      <a:rPr lang="en-US" altLang="zh-CN" dirty="0">
-                        <a:latin typeface="Times New Roman" panose="02020603050405020304" pitchFamily="18" charset="0"/>
-                        <a:cs typeface="Times New Roman" panose="02020603050405020304" pitchFamily="18" charset="0"/>
-                      </a:rPr>
-                      <a:t>-</a:t>
-                    </a:r>
-                    <a:r>
-                      <a:rPr lang="zh-CN" altLang="en-US" dirty="0">
-                        <a:latin typeface="Times New Roman" panose="02020603050405020304" pitchFamily="18" charset="0"/>
-                        <a:cs typeface="Times New Roman" panose="02020603050405020304" pitchFamily="18" charset="0"/>
-                      </a:rPr>
-                      <a:t>Roscoe </a:t>
-                    </a:r>
-                    <a:r>
-                      <a:rPr lang="en-US" altLang="zh-CN" dirty="0">
-                        <a:latin typeface="Times New Roman" panose="02020603050405020304" pitchFamily="18" charset="0"/>
-                        <a:cs typeface="Times New Roman" panose="02020603050405020304" pitchFamily="18" charset="0"/>
-                      </a:rPr>
-                      <a:t>E</a:t>
-                    </a:r>
-                    <a:r>
-                      <a:rPr lang="zh-CN" altLang="en-US" dirty="0">
-                        <a:latin typeface="Times New Roman" panose="02020603050405020304" pitchFamily="18" charset="0"/>
-                        <a:cs typeface="Times New Roman" panose="02020603050405020304" pitchFamily="18" charset="0"/>
-                      </a:rPr>
-                      <a:t>quation </a:t>
-                    </a:r>
-                    <a:r>
-                      <a:rPr lang="en-US" altLang="zh-CN" b="1" dirty="0">
-                        <a:solidFill>
-                          <a:srgbClr val="C00000"/>
-                        </a:solidFill>
-                        <a:latin typeface="Times New Roman" panose="02020603050405020304" pitchFamily="18" charset="0"/>
-                        <a:cs typeface="Times New Roman" panose="02020603050405020304" pitchFamily="18" charset="0"/>
-                      </a:rPr>
-                      <a:t>[4]</a:t>
-                    </a:r>
-                    <a:endParaRPr lang="zh-CN" altLang="en-US" b="1" dirty="0">
-                      <a:solidFill>
-                        <a:srgbClr val="C00000"/>
-                      </a:solidFill>
-                      <a:latin typeface="Times New Roman" panose="02020603050405020304" pitchFamily="18" charset="0"/>
-                      <a:cs typeface="Times New Roman" panose="02020603050405020304" pitchFamily="18" charset="0"/>
-                    </a:endParaRPr>
-                  </a:p>
-                </p:txBody>
-              </p:sp>
-              <p:sp>
-                <p:nvSpPr>
-                  <p:cNvPr id="24" name="文本框 23">
-                    <a:extLst>
-                      <a:ext uri="{FF2B5EF4-FFF2-40B4-BE49-F238E27FC236}">
-                        <a16:creationId xmlns:a16="http://schemas.microsoft.com/office/drawing/2014/main" id="{084DBF0F-F265-B6FB-A435-B24E7DF84EAE}"/>
-                      </a:ext>
-                    </a:extLst>
-                  </p:cNvPr>
-                  <p:cNvSpPr txBox="1"/>
-                  <p:nvPr/>
-                </p:nvSpPr>
-                <p:spPr>
-                  <a:xfrm>
-                    <a:off x="5545963" y="3290731"/>
-                    <a:ext cx="2543211" cy="369332"/>
-                  </a:xfrm>
-                  <a:prstGeom prst="rect">
-                    <a:avLst/>
-                  </a:prstGeom>
-                  <a:noFill/>
-                </p:spPr>
-                <p:txBody>
-                  <a:bodyPr wrap="square">
-                    <a:spAutoFit/>
-                  </a:bodyPr>
-                  <a:lstStyle/>
-                  <a:p>
-                    <a:r>
-                      <a:rPr lang="fr-FR" altLang="zh-CN" dirty="0">
-                        <a:latin typeface="Times New Roman" panose="02020603050405020304" pitchFamily="18" charset="0"/>
-                        <a:cs typeface="Times New Roman" panose="02020603050405020304" pitchFamily="18" charset="0"/>
-                      </a:rPr>
-                      <a:t>-Chong et al. Equation </a:t>
-                    </a:r>
-                    <a:r>
-                      <a:rPr lang="fr-FR" altLang="zh-CN" b="1" dirty="0">
-                        <a:solidFill>
-                          <a:srgbClr val="C00000"/>
-                        </a:solidFill>
-                        <a:latin typeface="Times New Roman" panose="02020603050405020304" pitchFamily="18" charset="0"/>
-                        <a:cs typeface="Times New Roman" panose="02020603050405020304" pitchFamily="18" charset="0"/>
-                      </a:rPr>
-                      <a:t>[5]</a:t>
-                    </a:r>
-                    <a:endParaRPr lang="zh-CN" altLang="en-US" b="1" dirty="0">
-                      <a:solidFill>
-                        <a:srgbClr val="C00000"/>
-                      </a:solidFill>
-                      <a:latin typeface="Times New Roman" panose="02020603050405020304" pitchFamily="18" charset="0"/>
-                      <a:cs typeface="Times New Roman" panose="02020603050405020304" pitchFamily="18" charset="0"/>
-                    </a:endParaRPr>
-                  </a:p>
-                </p:txBody>
-              </p:sp>
-            </p:grpSp>
-            <p:sp>
-              <p:nvSpPr>
-                <p:cNvPr id="4" name="文本框 3">
-                  <a:extLst>
-                    <a:ext uri="{FF2B5EF4-FFF2-40B4-BE49-F238E27FC236}">
-                      <a16:creationId xmlns:a16="http://schemas.microsoft.com/office/drawing/2014/main" id="{D3B67BDC-EE94-FB65-4E77-8ACB2C3D81E2}"/>
-                    </a:ext>
-                  </a:extLst>
-                </p:cNvPr>
-                <p:cNvSpPr txBox="1"/>
-                <p:nvPr/>
-              </p:nvSpPr>
-              <p:spPr>
-                <a:xfrm>
-                  <a:off x="5604189" y="1312767"/>
-                  <a:ext cx="2447137" cy="307777"/>
-                </a:xfrm>
-                <a:prstGeom prst="rect">
-                  <a:avLst/>
-                </a:prstGeom>
-                <a:noFill/>
-              </p:spPr>
-              <p:txBody>
-                <a:bodyPr wrap="square" rtlCol="0">
-                  <a:spAutoFit/>
-                </a:bodyPr>
-                <a:lstStyle/>
-                <a:p>
-                  <a:pPr algn="ctr"/>
-                  <a:r>
-                    <a:rPr lang="en-US" altLang="zh-CN" sz="1400" b="1" dirty="0">
-                      <a:latin typeface="Times New Roman" panose="02020603050405020304" pitchFamily="18" charset="0"/>
-                      <a:cs typeface="Times New Roman" panose="02020603050405020304" pitchFamily="18" charset="0"/>
-                    </a:rPr>
-                    <a:t>Two-Parameter Equations</a:t>
-                  </a:r>
-                </a:p>
-              </p:txBody>
-            </p:sp>
-          </p:grpSp>
-          <p:cxnSp>
-            <p:nvCxnSpPr>
-              <p:cNvPr id="38" name="直接连接符 37">
-                <a:extLst>
-                  <a:ext uri="{FF2B5EF4-FFF2-40B4-BE49-F238E27FC236}">
-                    <a16:creationId xmlns:a16="http://schemas.microsoft.com/office/drawing/2014/main" id="{EB359862-F209-A478-BB84-AF040C3633D3}"/>
+                    <a16:creationId xmlns:a16="http://schemas.microsoft.com/office/drawing/2014/main" id="{3213EAEB-52CD-BD9D-D8A6-FA2AA2336C4F}"/>
                   </a:ext>
                 </a:extLst>
               </p:cNvPr>
@@ -17646,20 +17241,20 @@
               <p:nvPr/>
             </p:nvCxnSpPr>
             <p:spPr>
-              <a:xfrm>
-                <a:off x="2159555" y="2045608"/>
-                <a:ext cx="999950" cy="0"/>
+              <a:xfrm flipV="1">
+                <a:off x="2602906" y="2072481"/>
+                <a:ext cx="0" cy="347345"/>
               </a:xfrm>
-              <a:prstGeom prst="line">
+              <a:prstGeom prst="straightConnector1">
                 <a:avLst/>
               </a:prstGeom>
-              <a:ln w="28575">
+              <a:ln w="76200" cap="rnd">
                 <a:solidFill>
                   <a:schemeClr val="accent2">
                     <a:lumMod val="75000"/>
                   </a:schemeClr>
                 </a:solidFill>
-                <a:prstDash val="sysDot"/>
+                <a:tailEnd type="triangle"/>
               </a:ln>
             </p:spPr>
             <p:style>
@@ -17677,60 +17272,922 @@
               </a:fontRef>
             </p:style>
           </p:cxnSp>
-          <p:cxnSp>
-            <p:nvCxnSpPr>
-              <p:cNvPr id="40" name="直接连接符 39">
+          <p:grpSp>
+            <p:nvGrpSpPr>
+              <p:cNvPr id="55" name="组合 54">
                 <a:extLst>
                   <a:ext uri="{FF2B5EF4-FFF2-40B4-BE49-F238E27FC236}">
-                    <a16:creationId xmlns:a16="http://schemas.microsoft.com/office/drawing/2014/main" id="{54A20349-09AE-CC7E-90A9-4F1C5CE048F9}"/>
+                    <a16:creationId xmlns:a16="http://schemas.microsoft.com/office/drawing/2014/main" id="{EEF34EA6-AD29-65D8-905A-701596B9EF90}"/>
                   </a:ext>
                 </a:extLst>
               </p:cNvPr>
-              <p:cNvCxnSpPr>
-                <a:cxnSpLocks/>
-              </p:cNvCxnSpPr>
+              <p:cNvGrpSpPr/>
               <p:nvPr/>
-            </p:nvCxnSpPr>
-            <p:spPr>
+            </p:nvGrpSpPr>
+            <p:grpSpPr>
               <a:xfrm>
-                <a:off x="2602906" y="2419826"/>
-                <a:ext cx="2143302" cy="0"/>
+                <a:off x="2159555" y="601847"/>
+                <a:ext cx="6210505" cy="3275980"/>
+                <a:chOff x="2159555" y="601847"/>
+                <a:chExt cx="6210505" cy="3275980"/>
               </a:xfrm>
-              <a:prstGeom prst="line">
-                <a:avLst/>
-              </a:prstGeom>
-              <a:ln w="76200" cap="rnd">
-                <a:solidFill>
-                  <a:schemeClr val="accent2">
-                    <a:lumMod val="75000"/>
-                  </a:schemeClr>
-                </a:solidFill>
-                <a:tailEnd type="none"/>
-              </a:ln>
-            </p:spPr>
-            <p:style>
-              <a:lnRef idx="1">
-                <a:schemeClr val="accent1"/>
-              </a:lnRef>
-              <a:fillRef idx="0">
-                <a:schemeClr val="accent1"/>
-              </a:fillRef>
-              <a:effectRef idx="0">
-                <a:schemeClr val="accent1"/>
-              </a:effectRef>
-              <a:fontRef idx="minor">
-                <a:schemeClr val="tx1"/>
-              </a:fontRef>
-            </p:style>
-          </p:cxnSp>
+            </p:grpSpPr>
+            <p:grpSp>
+              <p:nvGrpSpPr>
+                <p:cNvPr id="10" name="组合 9">
+                  <a:extLst>
+                    <a:ext uri="{FF2B5EF4-FFF2-40B4-BE49-F238E27FC236}">
+                      <a16:creationId xmlns:a16="http://schemas.microsoft.com/office/drawing/2014/main" id="{75963FAC-B7A0-F7D9-F85D-5E3F4B5FD6E2}"/>
+                    </a:ext>
+                  </a:extLst>
+                </p:cNvPr>
+                <p:cNvGrpSpPr/>
+                <p:nvPr/>
+              </p:nvGrpSpPr>
+              <p:grpSpPr>
+                <a:xfrm>
+                  <a:off x="4881850" y="601847"/>
+                  <a:ext cx="3488210" cy="3275980"/>
+                  <a:chOff x="5212080" y="453338"/>
+                  <a:chExt cx="3488210" cy="3275980"/>
+                </a:xfrm>
+              </p:grpSpPr>
+              <p:grpSp>
+                <p:nvGrpSpPr>
+                  <p:cNvPr id="13" name="组合 12">
+                    <a:extLst>
+                      <a:ext uri="{FF2B5EF4-FFF2-40B4-BE49-F238E27FC236}">
+                        <a16:creationId xmlns:a16="http://schemas.microsoft.com/office/drawing/2014/main" id="{6CED3B93-1243-BC77-9C06-6F05AE305EEC}"/>
+                      </a:ext>
+                    </a:extLst>
+                  </p:cNvPr>
+                  <p:cNvGrpSpPr/>
+                  <p:nvPr/>
+                </p:nvGrpSpPr>
+                <p:grpSpPr>
+                  <a:xfrm>
+                    <a:off x="5212080" y="453338"/>
+                    <a:ext cx="3488210" cy="3275980"/>
+                    <a:chOff x="5148827" y="504205"/>
+                    <a:chExt cx="3305488" cy="3328162"/>
+                  </a:xfrm>
+                </p:grpSpPr>
+                <p:sp>
+                  <p:nvSpPr>
+                    <p:cNvPr id="25" name="矩形 24">
+                      <a:extLst>
+                        <a:ext uri="{FF2B5EF4-FFF2-40B4-BE49-F238E27FC236}">
+                          <a16:creationId xmlns:a16="http://schemas.microsoft.com/office/drawing/2014/main" id="{4308A5CD-93BE-4225-7C3E-11213691CF86}"/>
+                        </a:ext>
+                      </a:extLst>
+                    </p:cNvPr>
+                    <p:cNvSpPr/>
+                    <p:nvPr/>
+                  </p:nvSpPr>
+                  <p:spPr>
+                    <a:xfrm>
+                      <a:off x="5148827" y="504205"/>
+                      <a:ext cx="3305488" cy="3328162"/>
+                    </a:xfrm>
+                    <a:prstGeom prst="rect">
+                      <a:avLst/>
+                    </a:prstGeom>
+                    <a:solidFill>
+                      <a:schemeClr val="bg1"/>
+                    </a:solidFill>
+                    <a:ln w="19050">
+                      <a:solidFill>
+                        <a:schemeClr val="accent2">
+                          <a:lumMod val="75000"/>
+                        </a:schemeClr>
+                      </a:solidFill>
+                      <a:prstDash val="lgDash"/>
+                    </a:ln>
+                  </p:spPr>
+                  <p:style>
+                    <a:lnRef idx="2">
+                      <a:schemeClr val="accent1">
+                        <a:shade val="50000"/>
+                      </a:schemeClr>
+                    </a:lnRef>
+                    <a:fillRef idx="1">
+                      <a:schemeClr val="accent1"/>
+                    </a:fillRef>
+                    <a:effectRef idx="0">
+                      <a:schemeClr val="accent1"/>
+                    </a:effectRef>
+                    <a:fontRef idx="minor">
+                      <a:schemeClr val="lt1"/>
+                    </a:fontRef>
+                  </p:style>
+                  <p:txBody>
+                    <a:bodyPr rtlCol="0" anchor="ctr"/>
+                    <a:lstStyle/>
+                    <a:p>
+                      <a:pPr algn="ctr"/>
+                      <a:endParaRPr lang="zh-CN" altLang="en-US" dirty="0"/>
+                    </a:p>
+                  </p:txBody>
+                </p:sp>
+                <p:sp>
+                  <p:nvSpPr>
+                    <p:cNvPr id="14" name="文本框 13">
+                      <a:extLst>
+                        <a:ext uri="{FF2B5EF4-FFF2-40B4-BE49-F238E27FC236}">
+                          <a16:creationId xmlns:a16="http://schemas.microsoft.com/office/drawing/2014/main" id="{EB162F8B-43E2-0807-673C-00833139F408}"/>
+                        </a:ext>
+                      </a:extLst>
+                    </p:cNvPr>
+                    <p:cNvSpPr txBox="1"/>
+                    <p:nvPr/>
+                  </p:nvSpPr>
+                  <p:spPr>
+                    <a:xfrm>
+                      <a:off x="5391715" y="504205"/>
+                      <a:ext cx="2486640" cy="369332"/>
+                    </a:xfrm>
+                    <a:prstGeom prst="rect">
+                      <a:avLst/>
+                    </a:prstGeom>
+                    <a:noFill/>
+                  </p:spPr>
+                  <p:txBody>
+                    <a:bodyPr wrap="square">
+                      <a:spAutoFit/>
+                    </a:bodyPr>
+                    <a:lstStyle/>
+                    <a:p>
+                      <a:pPr algn="l"/>
+                      <a:r>
+                        <a:rPr lang="en-US" altLang="zh-CN" dirty="0">
+                          <a:latin typeface="Times New Roman" panose="02020603050405020304" pitchFamily="18" charset="0"/>
+                          <a:cs typeface="Times New Roman" panose="02020603050405020304" pitchFamily="18" charset="0"/>
+                        </a:rPr>
+                        <a:t>*Particle Suspension</a:t>
+                      </a:r>
+                    </a:p>
+                  </p:txBody>
+                </p:sp>
+                <p:sp>
+                  <p:nvSpPr>
+                    <p:cNvPr id="15" name="文本框 14">
+                      <a:extLst>
+                        <a:ext uri="{FF2B5EF4-FFF2-40B4-BE49-F238E27FC236}">
+                          <a16:creationId xmlns:a16="http://schemas.microsoft.com/office/drawing/2014/main" id="{97EA8CFD-A647-D259-E44F-165A3D425FF8}"/>
+                        </a:ext>
+                      </a:extLst>
+                    </p:cNvPr>
+                    <p:cNvSpPr txBox="1"/>
+                    <p:nvPr/>
+                  </p:nvSpPr>
+                  <p:spPr>
+                    <a:xfrm>
+                      <a:off x="5576710" y="1744202"/>
+                      <a:ext cx="2254095" cy="369332"/>
+                    </a:xfrm>
+                    <a:prstGeom prst="rect">
+                      <a:avLst/>
+                    </a:prstGeom>
+                    <a:noFill/>
+                  </p:spPr>
+                  <p:txBody>
+                    <a:bodyPr wrap="square" rtlCol="0">
+                      <a:spAutoFit/>
+                    </a:bodyPr>
+                    <a:lstStyle>
+                      <a:defPPr>
+                        <a:defRPr lang="en-US"/>
+                      </a:defPPr>
+                      <a:lvl1pPr>
+                        <a:defRPr>
+                          <a:latin typeface="Times New Roman" panose="02020603050405020304" pitchFamily="18" charset="0"/>
+                          <a:cs typeface="Times New Roman" panose="02020603050405020304" pitchFamily="18" charset="0"/>
+                        </a:defRPr>
+                      </a:lvl1pPr>
+                    </a:lstStyle>
+                    <a:p>
+                      <a:r>
+                        <a:rPr lang="en-US" altLang="zh-CN" dirty="0"/>
+                        <a:t>-</a:t>
+                      </a:r>
+                      <a:r>
+                        <a:rPr lang="zh-CN" altLang="en-US" dirty="0"/>
+                        <a:t>Mooney </a:t>
+                      </a:r>
+                      <a:r>
+                        <a:rPr lang="en-US" altLang="zh-CN" dirty="0"/>
+                        <a:t>E</a:t>
+                      </a:r>
+                      <a:r>
+                        <a:rPr lang="zh-CN" altLang="en-US" dirty="0"/>
+                        <a:t>quation </a:t>
+                      </a:r>
+                      <a:r>
+                        <a:rPr lang="en-US" altLang="zh-CN" b="1" dirty="0">
+                          <a:solidFill>
+                            <a:srgbClr val="C00000"/>
+                          </a:solidFill>
+                        </a:rPr>
+                        <a:t>[1]</a:t>
+                      </a:r>
+                      <a:endParaRPr lang="zh-CN" altLang="en-US" b="1" dirty="0">
+                        <a:solidFill>
+                          <a:srgbClr val="C00000"/>
+                        </a:solidFill>
+                      </a:endParaRPr>
+                    </a:p>
+                  </p:txBody>
+                </p:sp>
+                <mc:AlternateContent xmlns:mc="http://schemas.openxmlformats.org/markup-compatibility/2006" xmlns:a14="http://schemas.microsoft.com/office/drawing/2010/main">
+                  <mc:Choice Requires="a14">
+                    <p:sp>
+                      <p:nvSpPr>
+                        <p:cNvPr id="16" name="文本框 15">
+                          <a:extLst>
+                            <a:ext uri="{FF2B5EF4-FFF2-40B4-BE49-F238E27FC236}">
+                              <a16:creationId xmlns:a16="http://schemas.microsoft.com/office/drawing/2014/main" id="{DB78F792-67DD-82A9-5D33-F86F1DB8FD4C}"/>
+                            </a:ext>
+                          </a:extLst>
+                        </p:cNvPr>
+                        <p:cNvSpPr txBox="1"/>
+                        <p:nvPr/>
+                      </p:nvSpPr>
+                      <p:spPr>
+                        <a:xfrm>
+                          <a:off x="5613143" y="921439"/>
+                          <a:ext cx="1464833" cy="276999"/>
+                        </a:xfrm>
+                        <a:prstGeom prst="rect">
+                          <a:avLst/>
+                        </a:prstGeom>
+                        <a:noFill/>
+                      </p:spPr>
+                      <p:txBody>
+                        <a:bodyPr wrap="square" lIns="0" tIns="0" rIns="0" bIns="0" rtlCol="0">
+                          <a:spAutoFit/>
+                        </a:bodyPr>
+                        <a:lstStyle/>
+                        <a:p>
+                          <a:pPr/>
+                          <a14:m>
+                            <m:oMathPara xmlns:m="http://schemas.openxmlformats.org/officeDocument/2006/math">
+                              <m:oMathParaPr>
+                                <m:jc m:val="centerGroup"/>
+                              </m:oMathParaPr>
+                              <m:oMath xmlns:m="http://schemas.openxmlformats.org/officeDocument/2006/math">
+                                <m:sSub>
+                                  <m:sSubPr>
+                                    <m:ctrlPr>
+                                      <a:rPr lang="en-US" altLang="zh-CN" i="1">
+                                        <a:latin typeface="Cambria Math" panose="02040503050406030204" pitchFamily="18" charset="0"/>
+                                      </a:rPr>
+                                    </m:ctrlPr>
+                                  </m:sSubPr>
+                                  <m:e>
+                                    <m:r>
+                                      <a:rPr lang="zh-CN" altLang="en-US" i="1">
+                                        <a:latin typeface="Cambria Math" panose="02040503050406030204" pitchFamily="18" charset="0"/>
+                                      </a:rPr>
+                                      <m:t>𝜇</m:t>
+                                    </m:r>
+                                  </m:e>
+                                  <m:sub>
+                                    <m:r>
+                                      <a:rPr lang="en-US" altLang="zh-CN" i="1">
+                                        <a:latin typeface="Cambria Math" panose="02040503050406030204" pitchFamily="18" charset="0"/>
+                                      </a:rPr>
+                                      <m:t>𝑟</m:t>
+                                    </m:r>
+                                  </m:sub>
+                                </m:sSub>
+                                <m:r>
+                                  <a:rPr lang="en-US" altLang="zh-CN" b="0" i="1" smtClean="0">
+                                    <a:latin typeface="Cambria Math" panose="02040503050406030204" pitchFamily="18" charset="0"/>
+                                  </a:rPr>
+                                  <m:t>=</m:t>
+                                </m:r>
+                                <m:r>
+                                  <a:rPr lang="en-US" altLang="zh-CN" b="0" i="1" smtClean="0">
+                                    <a:latin typeface="Cambria Math" panose="02040503050406030204" pitchFamily="18" charset="0"/>
+                                  </a:rPr>
+                                  <m:t>𝑓</m:t>
+                                </m:r>
+                                <m:d>
+                                  <m:dPr>
+                                    <m:ctrlPr>
+                                      <a:rPr lang="en-US" altLang="zh-CN" b="0" i="1" smtClean="0">
+                                        <a:latin typeface="Cambria Math" panose="02040503050406030204" pitchFamily="18" charset="0"/>
+                                      </a:rPr>
+                                    </m:ctrlPr>
+                                  </m:dPr>
+                                  <m:e>
+                                    <m:r>
+                                      <a:rPr lang="zh-CN" altLang="en-US" b="0" i="1" smtClean="0">
+                                        <a:latin typeface="Cambria Math" panose="02040503050406030204" pitchFamily="18" charset="0"/>
+                                      </a:rPr>
+                                      <m:t>𝜙</m:t>
+                                    </m:r>
+                                    <m:r>
+                                      <a:rPr lang="en-US" altLang="zh-CN" b="0" i="1" smtClean="0">
+                                        <a:latin typeface="Cambria Math" panose="02040503050406030204" pitchFamily="18" charset="0"/>
+                                      </a:rPr>
+                                      <m:t>,</m:t>
+                                    </m:r>
+                                    <m:sSub>
+                                      <m:sSubPr>
+                                        <m:ctrlPr>
+                                          <a:rPr lang="en-US" altLang="zh-CN" b="0" i="1" smtClean="0">
+                                            <a:latin typeface="Cambria Math" panose="02040503050406030204" pitchFamily="18" charset="0"/>
+                                          </a:rPr>
+                                        </m:ctrlPr>
+                                      </m:sSubPr>
+                                      <m:e>
+                                        <m:r>
+                                          <a:rPr lang="zh-CN" altLang="en-US" b="0" i="1" smtClean="0">
+                                            <a:latin typeface="Cambria Math" panose="02040503050406030204" pitchFamily="18" charset="0"/>
+                                          </a:rPr>
+                                          <m:t>𝜙</m:t>
+                                        </m:r>
+                                      </m:e>
+                                      <m:sub>
+                                        <m:r>
+                                          <a:rPr lang="en-US" altLang="zh-CN" b="0" i="1" smtClean="0">
+                                            <a:latin typeface="Cambria Math" panose="02040503050406030204" pitchFamily="18" charset="0"/>
+                                          </a:rPr>
+                                          <m:t>𝑚</m:t>
+                                        </m:r>
+                                      </m:sub>
+                                    </m:sSub>
+                                  </m:e>
+                                </m:d>
+                              </m:oMath>
+                            </m:oMathPara>
+                          </a14:m>
+                          <a:endParaRPr lang="zh-CN" altLang="en-US" dirty="0"/>
+                        </a:p>
+                      </p:txBody>
+                    </p:sp>
+                  </mc:Choice>
+                  <mc:Fallback xmlns="">
+                    <p:sp>
+                      <p:nvSpPr>
+                        <p:cNvPr id="27" name="文本框 26">
+                          <a:extLst>
+                            <a:ext uri="{FF2B5EF4-FFF2-40B4-BE49-F238E27FC236}">
+                              <a16:creationId xmlns:a16="http://schemas.microsoft.com/office/drawing/2014/main" id="{80B2D845-A69F-2953-4EA7-5B3CFD41BF1D}"/>
+                            </a:ext>
+                          </a:extLst>
+                        </p:cNvPr>
+                        <p:cNvSpPr txBox="1">
+                          <a:spLocks noRot="1" noChangeAspect="1" noMove="1" noResize="1" noEditPoints="1" noAdjustHandles="1" noChangeArrowheads="1" noChangeShapeType="1" noTextEdit="1"/>
+                        </p:cNvSpPr>
+                        <p:nvPr/>
+                      </p:nvSpPr>
+                      <p:spPr>
+                        <a:xfrm>
+                          <a:off x="5613143" y="921439"/>
+                          <a:ext cx="1464833" cy="276999"/>
+                        </a:xfrm>
+                        <a:prstGeom prst="rect">
+                          <a:avLst/>
+                        </a:prstGeom>
+                        <a:blipFill>
+                          <a:blip r:embed="rId11"/>
+                          <a:stretch>
+                            <a:fillRect l="-787" t="-2174" b="-32609"/>
+                          </a:stretch>
+                        </a:blipFill>
+                      </p:spPr>
+                      <p:txBody>
+                        <a:bodyPr/>
+                        <a:lstStyle/>
+                        <a:p>
+                          <a:r>
+                            <a:rPr lang="zh-CN" altLang="en-US">
+                              <a:noFill/>
+                            </a:rPr>
+                            <a:t> </a:t>
+                          </a:r>
+                        </a:p>
+                      </p:txBody>
+                    </p:sp>
+                  </mc:Fallback>
+                </mc:AlternateContent>
+                <p:cxnSp>
+                  <p:nvCxnSpPr>
+                    <p:cNvPr id="18" name="直接连接符 17">
+                      <a:extLst>
+                        <a:ext uri="{FF2B5EF4-FFF2-40B4-BE49-F238E27FC236}">
+                          <a16:creationId xmlns:a16="http://schemas.microsoft.com/office/drawing/2014/main" id="{2CCC14AE-2881-BE85-505B-7782831AEEEF}"/>
+                        </a:ext>
+                      </a:extLst>
+                    </p:cNvPr>
+                    <p:cNvCxnSpPr>
+                      <a:cxnSpLocks/>
+                    </p:cNvCxnSpPr>
+                    <p:nvPr/>
+                  </p:nvCxnSpPr>
+                  <p:spPr>
+                    <a:xfrm>
+                      <a:off x="6130406" y="1242869"/>
+                      <a:ext cx="947570" cy="0"/>
+                    </a:xfrm>
+                    <a:prstGeom prst="line">
+                      <a:avLst/>
+                    </a:prstGeom>
+                    <a:ln w="28575">
+                      <a:solidFill>
+                        <a:schemeClr val="accent2">
+                          <a:lumMod val="75000"/>
+                        </a:schemeClr>
+                      </a:solidFill>
+                      <a:prstDash val="sysDot"/>
+                    </a:ln>
+                  </p:spPr>
+                  <p:style>
+                    <a:lnRef idx="1">
+                      <a:schemeClr val="accent1"/>
+                    </a:lnRef>
+                    <a:fillRef idx="0">
+                      <a:schemeClr val="accent1"/>
+                    </a:fillRef>
+                    <a:effectRef idx="0">
+                      <a:schemeClr val="accent1"/>
+                    </a:effectRef>
+                    <a:fontRef idx="minor">
+                      <a:schemeClr val="tx1"/>
+                    </a:fontRef>
+                  </p:style>
+                </p:cxnSp>
+                <p:cxnSp>
+                  <p:nvCxnSpPr>
+                    <p:cNvPr id="19" name="直接箭头连接符 18">
+                      <a:extLst>
+                        <a:ext uri="{FF2B5EF4-FFF2-40B4-BE49-F238E27FC236}">
+                          <a16:creationId xmlns:a16="http://schemas.microsoft.com/office/drawing/2014/main" id="{D621FF27-6BB9-DB2E-0761-770229F88F58}"/>
+                        </a:ext>
+                      </a:extLst>
+                    </p:cNvPr>
+                    <p:cNvCxnSpPr/>
+                    <p:nvPr/>
+                  </p:nvCxnSpPr>
+                  <p:spPr>
+                    <a:xfrm>
+                      <a:off x="6677084" y="1242869"/>
+                      <a:ext cx="0" cy="167243"/>
+                    </a:xfrm>
+                    <a:prstGeom prst="straightConnector1">
+                      <a:avLst/>
+                    </a:prstGeom>
+                    <a:ln w="28575">
+                      <a:solidFill>
+                        <a:schemeClr val="accent2">
+                          <a:lumMod val="75000"/>
+                        </a:schemeClr>
+                      </a:solidFill>
+                      <a:tailEnd type="triangle"/>
+                    </a:ln>
+                  </p:spPr>
+                  <p:style>
+                    <a:lnRef idx="1">
+                      <a:schemeClr val="accent1"/>
+                    </a:lnRef>
+                    <a:fillRef idx="0">
+                      <a:schemeClr val="accent1"/>
+                    </a:fillRef>
+                    <a:effectRef idx="0">
+                      <a:schemeClr val="accent1"/>
+                    </a:effectRef>
+                    <a:fontRef idx="minor">
+                      <a:schemeClr val="tx1"/>
+                    </a:fontRef>
+                  </p:style>
+                </p:cxnSp>
+                <p:sp>
+                  <p:nvSpPr>
+                    <p:cNvPr id="20" name="文本框 19">
+                      <a:extLst>
+                        <a:ext uri="{FF2B5EF4-FFF2-40B4-BE49-F238E27FC236}">
+                          <a16:creationId xmlns:a16="http://schemas.microsoft.com/office/drawing/2014/main" id="{6A34D7B8-93C0-52B3-BEE8-C22947301056}"/>
+                        </a:ext>
+                      </a:extLst>
+                    </p:cNvPr>
+                    <p:cNvSpPr txBox="1"/>
+                    <p:nvPr/>
+                  </p:nvSpPr>
+                  <p:spPr>
+                    <a:xfrm>
+                      <a:off x="5576710" y="2062882"/>
+                      <a:ext cx="2720736" cy="656626"/>
+                    </a:xfrm>
+                    <a:prstGeom prst="rect">
+                      <a:avLst/>
+                    </a:prstGeom>
+                    <a:noFill/>
+                  </p:spPr>
+                  <p:txBody>
+                    <a:bodyPr wrap="square">
+                      <a:spAutoFit/>
+                    </a:bodyPr>
+                    <a:lstStyle/>
+                    <a:p>
+                      <a:r>
+                        <a:rPr lang="en-US" altLang="zh-CN" dirty="0">
+                          <a:latin typeface="Times New Roman" panose="02020603050405020304" pitchFamily="18" charset="0"/>
+                          <a:cs typeface="Times New Roman" panose="02020603050405020304" pitchFamily="18" charset="0"/>
+                        </a:rPr>
+                        <a:t>-</a:t>
+                      </a:r>
+                      <a:r>
+                        <a:rPr lang="zh-CN" altLang="en-US" dirty="0">
+                          <a:latin typeface="Times New Roman" panose="02020603050405020304" pitchFamily="18" charset="0"/>
+                          <a:cs typeface="Times New Roman" panose="02020603050405020304" pitchFamily="18" charset="0"/>
+                        </a:rPr>
+                        <a:t>Krieger and Dougherty    </a:t>
+                      </a:r>
+                      <a:r>
+                        <a:rPr lang="en-US" altLang="zh-CN" dirty="0">
+                          <a:latin typeface="Times New Roman" panose="02020603050405020304" pitchFamily="18" charset="0"/>
+                          <a:cs typeface="Times New Roman" panose="02020603050405020304" pitchFamily="18" charset="0"/>
+                        </a:rPr>
+                        <a:t>E</a:t>
+                      </a:r>
+                      <a:r>
+                        <a:rPr lang="zh-CN" altLang="en-US" dirty="0">
+                          <a:latin typeface="Times New Roman" panose="02020603050405020304" pitchFamily="18" charset="0"/>
+                          <a:cs typeface="Times New Roman" panose="02020603050405020304" pitchFamily="18" charset="0"/>
+                        </a:rPr>
+                        <a:t>quation </a:t>
+                      </a:r>
+                      <a:r>
+                        <a:rPr lang="en-US" altLang="zh-CN" b="1" dirty="0">
+                          <a:solidFill>
+                            <a:srgbClr val="C00000"/>
+                          </a:solidFill>
+                          <a:latin typeface="Times New Roman" panose="02020603050405020304" pitchFamily="18" charset="0"/>
+                          <a:cs typeface="Times New Roman" panose="02020603050405020304" pitchFamily="18" charset="0"/>
+                        </a:rPr>
+                        <a:t>[2]</a:t>
+                      </a:r>
+                      <a:endParaRPr lang="zh-CN" altLang="en-US" b="1" dirty="0">
+                        <a:solidFill>
+                          <a:srgbClr val="C00000"/>
+                        </a:solidFill>
+                        <a:latin typeface="Times New Roman" panose="02020603050405020304" pitchFamily="18" charset="0"/>
+                        <a:cs typeface="Times New Roman" panose="02020603050405020304" pitchFamily="18" charset="0"/>
+                      </a:endParaRPr>
+                    </a:p>
+                  </p:txBody>
+                </p:sp>
+                <p:sp>
+                  <p:nvSpPr>
+                    <p:cNvPr id="21" name="文本框 20">
+                      <a:extLst>
+                        <a:ext uri="{FF2B5EF4-FFF2-40B4-BE49-F238E27FC236}">
+                          <a16:creationId xmlns:a16="http://schemas.microsoft.com/office/drawing/2014/main" id="{5699877E-6B48-C01A-63E4-38AC4A47E85D}"/>
+                        </a:ext>
+                      </a:extLst>
+                    </p:cNvPr>
+                    <p:cNvSpPr txBox="1"/>
+                    <p:nvPr/>
+                  </p:nvSpPr>
+                  <p:spPr>
+                    <a:xfrm>
+                      <a:off x="5545964" y="2666884"/>
+                      <a:ext cx="2092095" cy="369332"/>
+                    </a:xfrm>
+                    <a:prstGeom prst="rect">
+                      <a:avLst/>
+                    </a:prstGeom>
+                    <a:noFill/>
+                  </p:spPr>
+                  <p:txBody>
+                    <a:bodyPr wrap="square">
+                      <a:spAutoFit/>
+                    </a:bodyPr>
+                    <a:lstStyle/>
+                    <a:p>
+                      <a:r>
+                        <a:rPr lang="en-US" altLang="zh-CN" dirty="0">
+                          <a:latin typeface="Times New Roman" panose="02020603050405020304" pitchFamily="18" charset="0"/>
+                          <a:cs typeface="Times New Roman" panose="02020603050405020304" pitchFamily="18" charset="0"/>
+                        </a:rPr>
+                        <a:t>-</a:t>
+                      </a:r>
+                      <a:r>
+                        <a:rPr lang="zh-CN" altLang="en-US" dirty="0">
+                          <a:latin typeface="Times New Roman" panose="02020603050405020304" pitchFamily="18" charset="0"/>
+                          <a:cs typeface="Times New Roman" panose="02020603050405020304" pitchFamily="18" charset="0"/>
+                        </a:rPr>
+                        <a:t>Eilers </a:t>
+                      </a:r>
+                      <a:r>
+                        <a:rPr lang="en-US" altLang="zh-CN" dirty="0">
+                          <a:latin typeface="Times New Roman" panose="02020603050405020304" pitchFamily="18" charset="0"/>
+                          <a:cs typeface="Times New Roman" panose="02020603050405020304" pitchFamily="18" charset="0"/>
+                        </a:rPr>
+                        <a:t>E</a:t>
+                      </a:r>
+                      <a:r>
+                        <a:rPr lang="zh-CN" altLang="en-US" dirty="0">
+                          <a:latin typeface="Times New Roman" panose="02020603050405020304" pitchFamily="18" charset="0"/>
+                          <a:cs typeface="Times New Roman" panose="02020603050405020304" pitchFamily="18" charset="0"/>
+                        </a:rPr>
+                        <a:t>quation </a:t>
+                      </a:r>
+                      <a:r>
+                        <a:rPr lang="en-US" altLang="zh-CN" b="1" dirty="0">
+                          <a:solidFill>
+                            <a:srgbClr val="C00000"/>
+                          </a:solidFill>
+                          <a:latin typeface="Times New Roman" panose="02020603050405020304" pitchFamily="18" charset="0"/>
+                          <a:cs typeface="Times New Roman" panose="02020603050405020304" pitchFamily="18" charset="0"/>
+                        </a:rPr>
+                        <a:t>[3]</a:t>
+                      </a:r>
+                      <a:endParaRPr lang="zh-CN" altLang="en-US" b="1" dirty="0">
+                        <a:solidFill>
+                          <a:srgbClr val="C00000"/>
+                        </a:solidFill>
+                        <a:latin typeface="Times New Roman" panose="02020603050405020304" pitchFamily="18" charset="0"/>
+                        <a:cs typeface="Times New Roman" panose="02020603050405020304" pitchFamily="18" charset="0"/>
+                      </a:endParaRPr>
+                    </a:p>
+                  </p:txBody>
+                </p:sp>
+                <p:sp>
+                  <p:nvSpPr>
+                    <p:cNvPr id="22" name="文本框 21">
+                      <a:extLst>
+                        <a:ext uri="{FF2B5EF4-FFF2-40B4-BE49-F238E27FC236}">
+                          <a16:creationId xmlns:a16="http://schemas.microsoft.com/office/drawing/2014/main" id="{50E492E6-8ADE-8ECA-E476-FE80E68F19B4}"/>
+                        </a:ext>
+                      </a:extLst>
+                    </p:cNvPr>
+                    <p:cNvSpPr txBox="1"/>
+                    <p:nvPr/>
+                  </p:nvSpPr>
+                  <p:spPr>
+                    <a:xfrm>
+                      <a:off x="5545964" y="2970781"/>
+                      <a:ext cx="2432754" cy="369332"/>
+                    </a:xfrm>
+                    <a:prstGeom prst="rect">
+                      <a:avLst/>
+                    </a:prstGeom>
+                    <a:noFill/>
+                  </p:spPr>
+                  <p:txBody>
+                    <a:bodyPr wrap="square">
+                      <a:spAutoFit/>
+                    </a:bodyPr>
+                    <a:lstStyle/>
+                    <a:p>
+                      <a:r>
+                        <a:rPr lang="en-US" altLang="zh-CN" dirty="0">
+                          <a:latin typeface="Times New Roman" panose="02020603050405020304" pitchFamily="18" charset="0"/>
+                          <a:cs typeface="Times New Roman" panose="02020603050405020304" pitchFamily="18" charset="0"/>
+                        </a:rPr>
+                        <a:t>-</a:t>
+                      </a:r>
+                      <a:r>
+                        <a:rPr lang="zh-CN" altLang="en-US" dirty="0">
+                          <a:latin typeface="Times New Roman" panose="02020603050405020304" pitchFamily="18" charset="0"/>
+                          <a:cs typeface="Times New Roman" panose="02020603050405020304" pitchFamily="18" charset="0"/>
+                        </a:rPr>
+                        <a:t>Roscoe </a:t>
+                      </a:r>
+                      <a:r>
+                        <a:rPr lang="en-US" altLang="zh-CN" dirty="0">
+                          <a:latin typeface="Times New Roman" panose="02020603050405020304" pitchFamily="18" charset="0"/>
+                          <a:cs typeface="Times New Roman" panose="02020603050405020304" pitchFamily="18" charset="0"/>
+                        </a:rPr>
+                        <a:t>E</a:t>
+                      </a:r>
+                      <a:r>
+                        <a:rPr lang="zh-CN" altLang="en-US" dirty="0">
+                          <a:latin typeface="Times New Roman" panose="02020603050405020304" pitchFamily="18" charset="0"/>
+                          <a:cs typeface="Times New Roman" panose="02020603050405020304" pitchFamily="18" charset="0"/>
+                        </a:rPr>
+                        <a:t>quation </a:t>
+                      </a:r>
+                      <a:r>
+                        <a:rPr lang="en-US" altLang="zh-CN" b="1" dirty="0">
+                          <a:solidFill>
+                            <a:srgbClr val="C00000"/>
+                          </a:solidFill>
+                          <a:latin typeface="Times New Roman" panose="02020603050405020304" pitchFamily="18" charset="0"/>
+                          <a:cs typeface="Times New Roman" panose="02020603050405020304" pitchFamily="18" charset="0"/>
+                        </a:rPr>
+                        <a:t>[4]</a:t>
+                      </a:r>
+                      <a:endParaRPr lang="zh-CN" altLang="en-US" b="1" dirty="0">
+                        <a:solidFill>
+                          <a:srgbClr val="C00000"/>
+                        </a:solidFill>
+                        <a:latin typeface="Times New Roman" panose="02020603050405020304" pitchFamily="18" charset="0"/>
+                        <a:cs typeface="Times New Roman" panose="02020603050405020304" pitchFamily="18" charset="0"/>
+                      </a:endParaRPr>
+                    </a:p>
+                  </p:txBody>
+                </p:sp>
+                <p:sp>
+                  <p:nvSpPr>
+                    <p:cNvPr id="24" name="文本框 23">
+                      <a:extLst>
+                        <a:ext uri="{FF2B5EF4-FFF2-40B4-BE49-F238E27FC236}">
+                          <a16:creationId xmlns:a16="http://schemas.microsoft.com/office/drawing/2014/main" id="{084DBF0F-F265-B6FB-A435-B24E7DF84EAE}"/>
+                        </a:ext>
+                      </a:extLst>
+                    </p:cNvPr>
+                    <p:cNvSpPr txBox="1"/>
+                    <p:nvPr/>
+                  </p:nvSpPr>
+                  <p:spPr>
+                    <a:xfrm>
+                      <a:off x="5545963" y="3290731"/>
+                      <a:ext cx="2543211" cy="369332"/>
+                    </a:xfrm>
+                    <a:prstGeom prst="rect">
+                      <a:avLst/>
+                    </a:prstGeom>
+                    <a:noFill/>
+                  </p:spPr>
+                  <p:txBody>
+                    <a:bodyPr wrap="square">
+                      <a:spAutoFit/>
+                    </a:bodyPr>
+                    <a:lstStyle/>
+                    <a:p>
+                      <a:r>
+                        <a:rPr lang="fr-FR" altLang="zh-CN" dirty="0">
+                          <a:latin typeface="Times New Roman" panose="02020603050405020304" pitchFamily="18" charset="0"/>
+                          <a:cs typeface="Times New Roman" panose="02020603050405020304" pitchFamily="18" charset="0"/>
+                        </a:rPr>
+                        <a:t>-Chong et al. Equation </a:t>
+                      </a:r>
+                      <a:r>
+                        <a:rPr lang="fr-FR" altLang="zh-CN" b="1" dirty="0">
+                          <a:solidFill>
+                            <a:srgbClr val="C00000"/>
+                          </a:solidFill>
+                          <a:latin typeface="Times New Roman" panose="02020603050405020304" pitchFamily="18" charset="0"/>
+                          <a:cs typeface="Times New Roman" panose="02020603050405020304" pitchFamily="18" charset="0"/>
+                        </a:rPr>
+                        <a:t>[5]</a:t>
+                      </a:r>
+                      <a:endParaRPr lang="zh-CN" altLang="en-US" b="1" dirty="0">
+                        <a:solidFill>
+                          <a:srgbClr val="C00000"/>
+                        </a:solidFill>
+                        <a:latin typeface="Times New Roman" panose="02020603050405020304" pitchFamily="18" charset="0"/>
+                        <a:cs typeface="Times New Roman" panose="02020603050405020304" pitchFamily="18" charset="0"/>
+                      </a:endParaRPr>
+                    </a:p>
+                  </p:txBody>
+                </p:sp>
+              </p:grpSp>
+              <p:sp>
+                <p:nvSpPr>
+                  <p:cNvPr id="4" name="文本框 3">
+                    <a:extLst>
+                      <a:ext uri="{FF2B5EF4-FFF2-40B4-BE49-F238E27FC236}">
+                        <a16:creationId xmlns:a16="http://schemas.microsoft.com/office/drawing/2014/main" id="{D3B67BDC-EE94-FB65-4E77-8ACB2C3D81E2}"/>
+                      </a:ext>
+                    </a:extLst>
+                  </p:cNvPr>
+                  <p:cNvSpPr txBox="1"/>
+                  <p:nvPr/>
+                </p:nvSpPr>
+                <p:spPr>
+                  <a:xfrm>
+                    <a:off x="5604189" y="1312767"/>
+                    <a:ext cx="2447137" cy="307777"/>
+                  </a:xfrm>
+                  <a:prstGeom prst="rect">
+                    <a:avLst/>
+                  </a:prstGeom>
+                  <a:noFill/>
+                </p:spPr>
+                <p:txBody>
+                  <a:bodyPr wrap="square" rtlCol="0">
+                    <a:spAutoFit/>
+                  </a:bodyPr>
+                  <a:lstStyle/>
+                  <a:p>
+                    <a:pPr algn="ctr"/>
+                    <a:r>
+                      <a:rPr lang="en-US" altLang="zh-CN" sz="1400" b="1" dirty="0">
+                        <a:latin typeface="Times New Roman" panose="02020603050405020304" pitchFamily="18" charset="0"/>
+                        <a:cs typeface="Times New Roman" panose="02020603050405020304" pitchFamily="18" charset="0"/>
+                      </a:rPr>
+                      <a:t>Two-Parameter Equations</a:t>
+                    </a:r>
+                  </a:p>
+                </p:txBody>
+              </p:sp>
+            </p:grpSp>
+            <p:cxnSp>
+              <p:nvCxnSpPr>
+                <p:cNvPr id="38" name="直接连接符 37">
+                  <a:extLst>
+                    <a:ext uri="{FF2B5EF4-FFF2-40B4-BE49-F238E27FC236}">
+                      <a16:creationId xmlns:a16="http://schemas.microsoft.com/office/drawing/2014/main" id="{EB359862-F209-A478-BB84-AF040C3633D3}"/>
+                    </a:ext>
+                  </a:extLst>
+                </p:cNvPr>
+                <p:cNvCxnSpPr>
+                  <a:cxnSpLocks/>
+                </p:cNvCxnSpPr>
+                <p:nvPr/>
+              </p:nvCxnSpPr>
+              <p:spPr>
+                <a:xfrm>
+                  <a:off x="2159555" y="2045608"/>
+                  <a:ext cx="999950" cy="0"/>
+                </a:xfrm>
+                <a:prstGeom prst="line">
+                  <a:avLst/>
+                </a:prstGeom>
+                <a:ln w="28575">
+                  <a:solidFill>
+                    <a:schemeClr val="accent2">
+                      <a:lumMod val="75000"/>
+                    </a:schemeClr>
+                  </a:solidFill>
+                  <a:prstDash val="sysDot"/>
+                </a:ln>
+              </p:spPr>
+              <p:style>
+                <a:lnRef idx="1">
+                  <a:schemeClr val="accent1"/>
+                </a:lnRef>
+                <a:fillRef idx="0">
+                  <a:schemeClr val="accent1"/>
+                </a:fillRef>
+                <a:effectRef idx="0">
+                  <a:schemeClr val="accent1"/>
+                </a:effectRef>
+                <a:fontRef idx="minor">
+                  <a:schemeClr val="tx1"/>
+                </a:fontRef>
+              </p:style>
+            </p:cxnSp>
+            <p:cxnSp>
+              <p:nvCxnSpPr>
+                <p:cNvPr id="40" name="直接连接符 39">
+                  <a:extLst>
+                    <a:ext uri="{FF2B5EF4-FFF2-40B4-BE49-F238E27FC236}">
+                      <a16:creationId xmlns:a16="http://schemas.microsoft.com/office/drawing/2014/main" id="{54A20349-09AE-CC7E-90A9-4F1C5CE048F9}"/>
+                    </a:ext>
+                  </a:extLst>
+                </p:cNvPr>
+                <p:cNvCxnSpPr>
+                  <a:cxnSpLocks/>
+                </p:cNvCxnSpPr>
+                <p:nvPr/>
+              </p:nvCxnSpPr>
+              <p:spPr>
+                <a:xfrm>
+                  <a:off x="2602906" y="2419826"/>
+                  <a:ext cx="2143302" cy="0"/>
+                </a:xfrm>
+                <a:prstGeom prst="line">
+                  <a:avLst/>
+                </a:prstGeom>
+                <a:ln w="76200" cap="rnd">
+                  <a:solidFill>
+                    <a:schemeClr val="accent2">
+                      <a:lumMod val="75000"/>
+                    </a:schemeClr>
+                  </a:solidFill>
+                  <a:tailEnd type="none"/>
+                </a:ln>
+              </p:spPr>
+              <p:style>
+                <a:lnRef idx="1">
+                  <a:schemeClr val="accent1"/>
+                </a:lnRef>
+                <a:fillRef idx="0">
+                  <a:schemeClr val="accent1"/>
+                </a:fillRef>
+                <a:effectRef idx="0">
+                  <a:schemeClr val="accent1"/>
+                </a:effectRef>
+                <a:fontRef idx="minor">
+                  <a:schemeClr val="tx1"/>
+                </a:fontRef>
+              </p:style>
+            </p:cxnSp>
+          </p:grpSp>
         </p:grpSp>
       </p:grpSp>
       <p:sp>
         <p:nvSpPr>
-          <p:cNvPr id="26" name="文本框 25">
+          <p:cNvPr id="17" name="文本框 16">
             <a:extLst>
               <a:ext uri="{FF2B5EF4-FFF2-40B4-BE49-F238E27FC236}">
-                <a16:creationId xmlns:a16="http://schemas.microsoft.com/office/drawing/2014/main" id="{4E504329-DF25-8509-8EF0-8028F56C0667}"/>
+                <a16:creationId xmlns:a16="http://schemas.microsoft.com/office/drawing/2014/main" id="{78961EE6-4536-DECA-22D8-55195446C1B7}"/>
               </a:ext>
             </a:extLst>
           </p:cNvPr>
@@ -17763,9 +18220,89 @@
             </a:r>
             <a:r>
               <a:rPr lang="en-US" altLang="zh-CN" dirty="0"/>
-              <a:t>/ 7</a:t>
+              <a:t>/ 6</a:t>
             </a:r>
             <a:endParaRPr lang="zh-CN" altLang="en-US" dirty="0"/>
+          </a:p>
+        </p:txBody>
+      </p:sp>
+      <p:sp>
+        <p:nvSpPr>
+          <p:cNvPr id="28" name="文本框 27">
+            <a:extLst>
+              <a:ext uri="{FF2B5EF4-FFF2-40B4-BE49-F238E27FC236}">
+                <a16:creationId xmlns:a16="http://schemas.microsoft.com/office/drawing/2014/main" id="{4A0DA672-8EC3-07DA-00C1-D24EB0B6C02F}"/>
+              </a:ext>
+            </a:extLst>
+          </p:cNvPr>
+          <p:cNvSpPr txBox="1"/>
+          <p:nvPr/>
+        </p:nvSpPr>
+        <p:spPr>
+          <a:xfrm>
+            <a:off x="2180140" y="2563720"/>
+            <a:ext cx="2054430" cy="369332"/>
+          </a:xfrm>
+          <a:prstGeom prst="rect">
+            <a:avLst/>
+          </a:prstGeom>
+          <a:noFill/>
+        </p:spPr>
+        <p:txBody>
+          <a:bodyPr wrap="square" rtlCol="0">
+            <a:spAutoFit/>
+          </a:bodyPr>
+          <a:lstStyle/>
+          <a:p>
+            <a:r>
+              <a:rPr lang="en-US" altLang="zh-CN" dirty="0">
+                <a:latin typeface="Times New Roman" panose="02020603050405020304" pitchFamily="18" charset="0"/>
+                <a:cs typeface="Times New Roman" panose="02020603050405020304" pitchFamily="18" charset="0"/>
+              </a:rPr>
+              <a:t>(For W/O Emulsion)</a:t>
+            </a:r>
+            <a:endParaRPr lang="zh-CN" altLang="en-US" dirty="0">
+              <a:latin typeface="Times New Roman" panose="02020603050405020304" pitchFamily="18" charset="0"/>
+              <a:cs typeface="Times New Roman" panose="02020603050405020304" pitchFamily="18" charset="0"/>
+            </a:endParaRPr>
+          </a:p>
+        </p:txBody>
+      </p:sp>
+      <p:sp>
+        <p:nvSpPr>
+          <p:cNvPr id="31" name="文本框 30">
+            <a:extLst>
+              <a:ext uri="{FF2B5EF4-FFF2-40B4-BE49-F238E27FC236}">
+                <a16:creationId xmlns:a16="http://schemas.microsoft.com/office/drawing/2014/main" id="{8F066602-9C55-46B9-57D2-6F65E78E60C7}"/>
+              </a:ext>
+            </a:extLst>
+          </p:cNvPr>
+          <p:cNvSpPr txBox="1"/>
+          <p:nvPr/>
+        </p:nvSpPr>
+        <p:spPr>
+          <a:xfrm>
+            <a:off x="2223247" y="3259124"/>
+            <a:ext cx="4733364" cy="276999"/>
+          </a:xfrm>
+          <a:prstGeom prst="rect">
+            <a:avLst/>
+          </a:prstGeom>
+          <a:noFill/>
+        </p:spPr>
+        <p:txBody>
+          <a:bodyPr wrap="square">
+            <a:spAutoFit/>
+          </a:bodyPr>
+          <a:lstStyle/>
+          <a:p>
+            <a:endParaRPr lang="zh-CN" altLang="en-US" sz="1800" baseline="30000" dirty="0">
+              <a:solidFill>
+                <a:srgbClr val="E1E3E6"/>
+              </a:solidFill>
+              <a:latin typeface="微软雅黑" panose="020B0503020204020204" pitchFamily="34" charset="-122"/>
+              <a:ea typeface="微软雅黑" panose="020B0503020204020204" pitchFamily="34" charset="-122"/>
+            </a:endParaRPr>
           </a:p>
         </p:txBody>
       </p:sp>
@@ -17813,52 +18350,7 @@
                                           </p:stCondLst>
                                         </p:cTn>
                                         <p:tgtEl>
-                                          <p:spTgt spid="58"/>
-                                        </p:tgtEl>
-                                        <p:attrNameLst>
-                                          <p:attrName>style.visibility</p:attrName>
-                                        </p:attrNameLst>
-                                      </p:cBhvr>
-                                      <p:to>
-                                        <p:strVal val="visible"/>
-                                      </p:to>
-                                    </p:set>
-                                  </p:childTnLst>
-                                </p:cTn>
-                              </p:par>
-                            </p:childTnLst>
-                          </p:cTn>
-                        </p:par>
-                      </p:childTnLst>
-                    </p:cTn>
-                  </p:par>
-                  <p:par>
-                    <p:cTn id="7" fill="hold">
-                      <p:stCondLst>
-                        <p:cond delay="indefinite"/>
-                      </p:stCondLst>
-                      <p:childTnLst>
-                        <p:par>
-                          <p:cTn id="8" fill="hold">
-                            <p:stCondLst>
-                              <p:cond delay="0"/>
-                            </p:stCondLst>
-                            <p:childTnLst>
-                              <p:par>
-                                <p:cTn id="9" presetID="1" presetClass="entr" presetSubtype="0" fill="hold" nodeType="clickEffect">
-                                  <p:stCondLst>
-                                    <p:cond delay="0"/>
-                                  </p:stCondLst>
-                                  <p:childTnLst>
-                                    <p:set>
-                                      <p:cBhvr>
-                                        <p:cTn id="10" dur="1" fill="hold">
-                                          <p:stCondLst>
-                                            <p:cond delay="0"/>
-                                          </p:stCondLst>
-                                        </p:cTn>
-                                        <p:tgtEl>
-                                          <p:spTgt spid="57"/>
+                                          <p:spTgt spid="29"/>
                                         </p:tgtEl>
                                         <p:attrNameLst>
                                           <p:attrName>style.visibility</p:attrName>
@@ -18706,10 +19198,10 @@
       </mc:AlternateContent>
       <p:sp>
         <p:nvSpPr>
-          <p:cNvPr id="6" name="文本框 5">
+          <p:cNvPr id="4" name="文本框 3">
             <a:extLst>
               <a:ext uri="{FF2B5EF4-FFF2-40B4-BE49-F238E27FC236}">
-                <a16:creationId xmlns:a16="http://schemas.microsoft.com/office/drawing/2014/main" id="{0A9DC64D-284A-0B68-20BA-45FDD9997076}"/>
+                <a16:creationId xmlns:a16="http://schemas.microsoft.com/office/drawing/2014/main" id="{6D809F0D-F47F-5558-66E1-AA580903308C}"/>
               </a:ext>
             </a:extLst>
           </p:cNvPr>
@@ -18742,7 +19234,7 @@
             </a:r>
             <a:r>
               <a:rPr lang="en-US" altLang="zh-CN" dirty="0"/>
-              <a:t>/ 7</a:t>
+              <a:t>/ 6</a:t>
             </a:r>
             <a:endParaRPr lang="zh-CN" altLang="en-US" dirty="0"/>
           </a:p>
@@ -19630,56 +20122,157 @@
           </a:fontRef>
         </p:style>
       </p:cxnSp>
-      <p:sp>
-        <p:nvSpPr>
-          <p:cNvPr id="15" name="文本框 14">
-            <a:extLst>
-              <a:ext uri="{FF2B5EF4-FFF2-40B4-BE49-F238E27FC236}">
-                <a16:creationId xmlns:a16="http://schemas.microsoft.com/office/drawing/2014/main" id="{1AEAF27D-10FB-2F09-0371-75EAB673B68E}"/>
-              </a:ext>
-            </a:extLst>
-          </p:cNvPr>
-          <p:cNvSpPr txBox="1"/>
-          <p:nvPr/>
-        </p:nvSpPr>
-        <p:spPr>
-          <a:xfrm>
-            <a:off x="316230" y="862724"/>
-            <a:ext cx="5444490" cy="461665"/>
-          </a:xfrm>
-          <a:prstGeom prst="rect">
-            <a:avLst/>
-          </a:prstGeom>
-          <a:noFill/>
-        </p:spPr>
-        <p:txBody>
-          <a:bodyPr wrap="square">
-            <a:spAutoFit/>
-          </a:bodyPr>
-          <a:lstStyle/>
-          <a:p>
-            <a:r>
-              <a:rPr lang="en-US" altLang="zh-CN" sz="2400" dirty="0">
-                <a:latin typeface="Times New Roman" panose="02020603050405020304" pitchFamily="18" charset="0"/>
-                <a:cs typeface="Times New Roman" panose="02020603050405020304" pitchFamily="18" charset="0"/>
-              </a:rPr>
-              <a:t>S</a:t>
-            </a:r>
-            <a:r>
-              <a:rPr lang="en-US" altLang="zh-CN" sz="2400" i="0" dirty="0">
-                <a:effectLst/>
-                <a:latin typeface="Times New Roman" panose="02020603050405020304" pitchFamily="18" charset="0"/>
-                <a:cs typeface="Times New Roman" panose="02020603050405020304" pitchFamily="18" charset="0"/>
-              </a:rPr>
-              <a:t>etting the droplet size to be a constant.</a:t>
-            </a:r>
-            <a:endParaRPr lang="zh-CN" altLang="en-US" sz="2400" dirty="0">
-              <a:latin typeface="Times New Roman" panose="02020603050405020304" pitchFamily="18" charset="0"/>
-              <a:cs typeface="Times New Roman" panose="02020603050405020304" pitchFamily="18" charset="0"/>
-            </a:endParaRPr>
-          </a:p>
-        </p:txBody>
-      </p:sp>
+      <mc:AlternateContent xmlns:mc="http://schemas.openxmlformats.org/markup-compatibility/2006">
+        <mc:Choice xmlns:a14="http://schemas.microsoft.com/office/drawing/2010/main" Requires="a14">
+          <p:sp>
+            <p:nvSpPr>
+              <p:cNvPr id="15" name="文本框 14">
+                <a:extLst>
+                  <a:ext uri="{FF2B5EF4-FFF2-40B4-BE49-F238E27FC236}">
+                    <a16:creationId xmlns:a16="http://schemas.microsoft.com/office/drawing/2014/main" id="{1AEAF27D-10FB-2F09-0371-75EAB673B68E}"/>
+                  </a:ext>
+                </a:extLst>
+              </p:cNvPr>
+              <p:cNvSpPr txBox="1"/>
+              <p:nvPr/>
+            </p:nvSpPr>
+            <p:spPr>
+              <a:xfrm>
+                <a:off x="316229" y="862724"/>
+                <a:ext cx="7187229" cy="461665"/>
+              </a:xfrm>
+              <a:prstGeom prst="rect">
+                <a:avLst/>
+              </a:prstGeom>
+              <a:noFill/>
+            </p:spPr>
+            <p:txBody>
+              <a:bodyPr wrap="square">
+                <a:spAutoFit/>
+              </a:bodyPr>
+              <a:lstStyle/>
+              <a:p>
+                <a:r>
+                  <a:rPr lang="en-US" altLang="zh-CN" sz="2400" dirty="0">
+                    <a:latin typeface="Times New Roman" panose="02020603050405020304" pitchFamily="18" charset="0"/>
+                    <a:cs typeface="Times New Roman" panose="02020603050405020304" pitchFamily="18" charset="0"/>
+                  </a:rPr>
+                  <a:t>S</a:t>
+                </a:r>
+                <a:r>
+                  <a:rPr lang="en-US" altLang="zh-CN" sz="2400" i="0" dirty="0">
+                    <a:effectLst/>
+                    <a:latin typeface="Times New Roman" panose="02020603050405020304" pitchFamily="18" charset="0"/>
+                    <a:cs typeface="Times New Roman" panose="02020603050405020304" pitchFamily="18" charset="0"/>
+                  </a:rPr>
+                  <a:t>etting the droplet size to be a constant</a:t>
+                </a:r>
+                <a:r>
+                  <a:rPr lang="en-US" altLang="zh-CN" sz="2400" dirty="0">
+                    <a:latin typeface="Times New Roman" panose="02020603050405020304" pitchFamily="18" charset="0"/>
+                    <a:cs typeface="Times New Roman" panose="02020603050405020304" pitchFamily="18" charset="0"/>
+                  </a:rPr>
+                  <a:t> (</a:t>
+                </a:r>
+                <a:r>
+                  <a:rPr lang="en-US" altLang="zh-CN" sz="2400" i="0" dirty="0">
+                    <a:effectLst/>
+                    <a:latin typeface="Times New Roman" panose="02020603050405020304" pitchFamily="18" charset="0"/>
+                    <a:cs typeface="Times New Roman" panose="02020603050405020304" pitchFamily="18" charset="0"/>
+                  </a:rPr>
+                  <a:t>when</a:t>
+                </a:r>
+                <a:r>
+                  <a:rPr lang="en-US" altLang="zh-CN" sz="2400" dirty="0">
+                    <a:ea typeface="Cambria Math" panose="02040503050406030204" pitchFamily="18" charset="0"/>
+                  </a:rPr>
+                  <a:t> </a:t>
+                </a:r>
+                <a14:m>
+                  <m:oMath xmlns:m="http://schemas.openxmlformats.org/officeDocument/2006/math">
+                    <m:r>
+                      <a:rPr lang="zh-CN" altLang="en-US" sz="2400" i="1" smtClean="0">
+                        <a:latin typeface="Cambria Math" panose="02040503050406030204" pitchFamily="18" charset="0"/>
+                        <a:ea typeface="Cambria Math" panose="02040503050406030204" pitchFamily="18" charset="0"/>
+                      </a:rPr>
+                      <m:t>𝜙</m:t>
+                    </m:r>
+                    <m:r>
+                      <a:rPr lang="en-US" altLang="zh-CN" sz="2400" i="1" smtClean="0">
+                        <a:latin typeface="Cambria Math" panose="02040503050406030204" pitchFamily="18" charset="0"/>
+                        <a:ea typeface="Cambria Math" panose="02040503050406030204" pitchFamily="18" charset="0"/>
+                      </a:rPr>
+                      <m:t>&lt;</m:t>
+                    </m:r>
+                    <m:r>
+                      <a:rPr lang="en-US" altLang="zh-CN" sz="2400" b="0" i="1" smtClean="0">
+                        <a:latin typeface="Cambria Math" panose="02040503050406030204" pitchFamily="18" charset="0"/>
+                        <a:ea typeface="Cambria Math" panose="02040503050406030204" pitchFamily="18" charset="0"/>
+                      </a:rPr>
+                      <m:t>30%</m:t>
+                    </m:r>
+                  </m:oMath>
+                </a14:m>
+                <a:r>
+                  <a:rPr lang="en-US" altLang="zh-CN" sz="2400" dirty="0">
+                    <a:latin typeface="Times New Roman" panose="02020603050405020304" pitchFamily="18" charset="0"/>
+                    <a:cs typeface="Times New Roman" panose="02020603050405020304" pitchFamily="18" charset="0"/>
+                  </a:rPr>
+                  <a:t>)</a:t>
+                </a:r>
+                <a:endParaRPr lang="zh-CN" altLang="en-US" sz="2400" dirty="0">
+                  <a:latin typeface="Times New Roman" panose="02020603050405020304" pitchFamily="18" charset="0"/>
+                  <a:cs typeface="Times New Roman" panose="02020603050405020304" pitchFamily="18" charset="0"/>
+                </a:endParaRPr>
+              </a:p>
+            </p:txBody>
+          </p:sp>
+        </mc:Choice>
+        <mc:Fallback>
+          <p:sp>
+            <p:nvSpPr>
+              <p:cNvPr id="15" name="文本框 14">
+                <a:extLst>
+                  <a:ext uri="{FF2B5EF4-FFF2-40B4-BE49-F238E27FC236}">
+                    <a16:creationId xmlns:a16="http://schemas.microsoft.com/office/drawing/2014/main" id="{1AEAF27D-10FB-2F09-0371-75EAB673B68E}"/>
+                  </a:ext>
+                </a:extLst>
+              </p:cNvPr>
+              <p:cNvSpPr txBox="1">
+                <a:spLocks noRot="1" noChangeAspect="1" noMove="1" noResize="1" noEditPoints="1" noAdjustHandles="1" noChangeArrowheads="1" noChangeShapeType="1" noTextEdit="1"/>
+              </p:cNvSpPr>
+              <p:nvPr/>
+            </p:nvSpPr>
+            <p:spPr>
+              <a:xfrm>
+                <a:off x="316229" y="862724"/>
+                <a:ext cx="7187229" cy="461665"/>
+              </a:xfrm>
+              <a:prstGeom prst="rect">
+                <a:avLst/>
+              </a:prstGeom>
+              <a:blipFill>
+                <a:blip r:embed="rId5"/>
+                <a:stretch>
+                  <a:fillRect l="-1357" t="-12000" r="-1272" b="-29333"/>
+                </a:stretch>
+              </a:blipFill>
+            </p:spPr>
+            <p:txBody>
+              <a:bodyPr/>
+              <a:lstStyle/>
+              <a:p>
+                <a:r>
+                  <a:rPr lang="zh-CN" altLang="en-US">
+                    <a:noFill/>
+                  </a:rPr>
+                  <a:t> </a:t>
+                </a:r>
+              </a:p>
+            </p:txBody>
+          </p:sp>
+        </mc:Fallback>
+      </mc:AlternateContent>
       <p:sp>
         <p:nvSpPr>
           <p:cNvPr id="18" name="乘号 17">
@@ -19896,7 +20489,7 @@
                 <a:avLst/>
               </a:prstGeom>
               <a:blipFill>
-                <a:blip r:embed="rId5"/>
+                <a:blip r:embed="rId6"/>
                 <a:stretch>
                   <a:fillRect b="-17105"/>
                 </a:stretch>
@@ -20103,7 +20696,7 @@
                 <a:avLst/>
               </a:prstGeom>
               <a:blipFill>
-                <a:blip r:embed="rId6"/>
+                <a:blip r:embed="rId7"/>
                 <a:stretch>
                   <a:fillRect t="-10526" b="-28947"/>
                 </a:stretch>
@@ -20270,7 +20863,7 @@
                 <a:avLst/>
               </a:prstGeom>
               <a:blipFill>
-                <a:blip r:embed="rId7"/>
+                <a:blip r:embed="rId8"/>
                 <a:stretch>
                   <a:fillRect t="-10526" b="-28947"/>
                 </a:stretch>
@@ -20402,7 +20995,7 @@
           <p:nvPr/>
         </p:nvPicPr>
         <p:blipFill rotWithShape="1">
-          <a:blip r:embed="rId8"/>
+          <a:blip r:embed="rId9"/>
           <a:srcRect l="792" t="1323" b="1"/>
           <a:stretch/>
         </p:blipFill>
@@ -20802,7 +21395,7 @@
                 <a:avLst/>
               </a:prstGeom>
               <a:blipFill>
-                <a:blip r:embed="rId9"/>
+                <a:blip r:embed="rId10"/>
                 <a:stretch>
                   <a:fillRect t="-4310" b="-3448"/>
                 </a:stretch>
@@ -20864,50 +21457,6 @@
       </p:cxnSp>
       <p:sp>
         <p:nvSpPr>
-          <p:cNvPr id="6" name="文本框 5">
-            <a:extLst>
-              <a:ext uri="{FF2B5EF4-FFF2-40B4-BE49-F238E27FC236}">
-                <a16:creationId xmlns:a16="http://schemas.microsoft.com/office/drawing/2014/main" id="{F9A075C5-B272-29B2-0AEB-E1492E6A21CA}"/>
-              </a:ext>
-            </a:extLst>
-          </p:cNvPr>
-          <p:cNvSpPr txBox="1"/>
-          <p:nvPr/>
-        </p:nvSpPr>
-        <p:spPr>
-          <a:xfrm>
-            <a:off x="8354377" y="-35004"/>
-            <a:ext cx="706755" cy="369332"/>
-          </a:xfrm>
-          <a:prstGeom prst="rect">
-            <a:avLst/>
-          </a:prstGeom>
-          <a:noFill/>
-        </p:spPr>
-        <p:txBody>
-          <a:bodyPr wrap="square" rtlCol="0">
-            <a:spAutoFit/>
-          </a:bodyPr>
-          <a:lstStyle/>
-          <a:p>
-            <a:fld id="{67ECEB83-EA51-46CB-9CE7-54743CB6925A}" type="slidenum">
-              <a:rPr lang="zh-CN" altLang="en-US" smtClean="0"/>
-              <a:t>4</a:t>
-            </a:fld>
-            <a:r>
-              <a:rPr lang="zh-CN" altLang="en-US" dirty="0"/>
-              <a:t> </a:t>
-            </a:r>
-            <a:r>
-              <a:rPr lang="en-US" altLang="zh-CN" dirty="0"/>
-              <a:t>/ 7</a:t>
-            </a:r>
-            <a:endParaRPr lang="zh-CN" altLang="en-US" dirty="0"/>
-          </a:p>
-        </p:txBody>
-      </p:sp>
-      <p:sp>
-        <p:nvSpPr>
           <p:cNvPr id="10" name="矩形 9">
             <a:extLst>
               <a:ext uri="{FF2B5EF4-FFF2-40B4-BE49-F238E27FC236}">
@@ -20956,6 +21505,50 @@
           <a:p>
             <a:pPr algn="ctr"/>
             <a:endParaRPr lang="zh-CN" altLang="en-US"/>
+          </a:p>
+        </p:txBody>
+      </p:sp>
+      <p:sp>
+        <p:nvSpPr>
+          <p:cNvPr id="4" name="文本框 3">
+            <a:extLst>
+              <a:ext uri="{FF2B5EF4-FFF2-40B4-BE49-F238E27FC236}">
+                <a16:creationId xmlns:a16="http://schemas.microsoft.com/office/drawing/2014/main" id="{624EB09A-E3AB-CF27-1F61-FD4F90C07D53}"/>
+              </a:ext>
+            </a:extLst>
+          </p:cNvPr>
+          <p:cNvSpPr txBox="1"/>
+          <p:nvPr/>
+        </p:nvSpPr>
+        <p:spPr>
+          <a:xfrm>
+            <a:off x="8354377" y="-35004"/>
+            <a:ext cx="706755" cy="369332"/>
+          </a:xfrm>
+          <a:prstGeom prst="rect">
+            <a:avLst/>
+          </a:prstGeom>
+          <a:noFill/>
+        </p:spPr>
+        <p:txBody>
+          <a:bodyPr wrap="square" rtlCol="0">
+            <a:spAutoFit/>
+          </a:bodyPr>
+          <a:lstStyle/>
+          <a:p>
+            <a:fld id="{67ECEB83-EA51-46CB-9CE7-54743CB6925A}" type="slidenum">
+              <a:rPr lang="zh-CN" altLang="en-US" smtClean="0"/>
+              <a:t>4</a:t>
+            </a:fld>
+            <a:r>
+              <a:rPr lang="zh-CN" altLang="en-US" dirty="0"/>
+              <a:t> </a:t>
+            </a:r>
+            <a:r>
+              <a:rPr lang="en-US" altLang="zh-CN" dirty="0"/>
+              <a:t>/ 6</a:t>
+            </a:r>
+            <a:endParaRPr lang="zh-CN" altLang="en-US" dirty="0"/>
           </a:p>
         </p:txBody>
       </p:sp>
@@ -21735,7 +22328,7 @@
         </p:nvSpPr>
         <p:spPr>
           <a:xfrm>
-            <a:off x="1804035" y="6035723"/>
+            <a:off x="1624742" y="6049685"/>
             <a:ext cx="5535930" cy="369332"/>
           </a:xfrm>
           <a:prstGeom prst="rect">
@@ -21756,7 +22349,22 @@
                 <a:latin typeface="Times New Roman" panose="02020603050405020304" pitchFamily="18" charset="0"/>
                 <a:cs typeface="Times New Roman" panose="02020603050405020304" pitchFamily="18" charset="0"/>
               </a:rPr>
-              <a:t>Experimental data of emulsion viscosity </a:t>
+              <a:t>Experimental data of emulsion</a:t>
+            </a:r>
+            <a:r>
+              <a:rPr lang="en-US" altLang="zh-CN" b="1" dirty="0">
+                <a:latin typeface="Times New Roman" panose="02020603050405020304" pitchFamily="18" charset="0"/>
+                <a:cs typeface="Times New Roman" panose="02020603050405020304" pitchFamily="18" charset="0"/>
+              </a:rPr>
+              <a:t>(W/O)</a:t>
+            </a:r>
+            <a:r>
+              <a:rPr lang="en-US" altLang="zh-CN" b="1" i="0" dirty="0">
+                <a:effectLst/>
+                <a:latin typeface="Times New Roman" panose="02020603050405020304" pitchFamily="18" charset="0"/>
+                <a:cs typeface="Times New Roman" panose="02020603050405020304" pitchFamily="18" charset="0"/>
+              </a:rPr>
+              <a:t> viscosity </a:t>
             </a:r>
             <a:r>
               <a:rPr lang="en-US" altLang="zh-CN" b="1" dirty="0">
@@ -21845,14 +22453,14 @@
                 <a:latin typeface="Times New Roman" panose="02020603050405020304" pitchFamily="18" charset="0"/>
                 <a:cs typeface="Times New Roman" panose="02020603050405020304" pitchFamily="18" charset="0"/>
               </a:rPr>
-              <a:t>Comparison between the experimental data and the prediction</a:t>
+              <a:t>Comparison between the experimental data and the </a:t>
             </a:r>
             <a:r>
               <a:rPr lang="en-US" altLang="zh-CN" sz="2800" b="1" dirty="0">
                 <a:latin typeface="Times New Roman" panose="02020603050405020304" pitchFamily="18" charset="0"/>
                 <a:cs typeface="Times New Roman" panose="02020603050405020304" pitchFamily="18" charset="0"/>
               </a:rPr>
-              <a:t>s</a:t>
+              <a:t>estimations by model</a:t>
             </a:r>
             <a:endParaRPr lang="zh-CN" altLang="en-US" sz="2800" dirty="0"/>
           </a:p>
@@ -22438,10 +23046,10 @@
       </p:grpSp>
       <p:sp>
         <p:nvSpPr>
-          <p:cNvPr id="16" name="文本框 15">
+          <p:cNvPr id="2" name="文本框 1">
             <a:extLst>
               <a:ext uri="{FF2B5EF4-FFF2-40B4-BE49-F238E27FC236}">
-                <a16:creationId xmlns:a16="http://schemas.microsoft.com/office/drawing/2014/main" id="{4633E2ED-F96E-4B33-9C9B-21981FB6E84E}"/>
+                <a16:creationId xmlns:a16="http://schemas.microsoft.com/office/drawing/2014/main" id="{D082E3F0-48BA-87F0-26C7-C696B365D813}"/>
               </a:ext>
             </a:extLst>
           </p:cNvPr>
@@ -22474,7 +23082,7 @@
             </a:r>
             <a:r>
               <a:rPr lang="en-US" altLang="zh-CN" dirty="0"/>
-              <a:t>/ 7</a:t>
+              <a:t>/ 6</a:t>
             </a:r>
             <a:endParaRPr lang="zh-CN" altLang="en-US" dirty="0"/>
           </a:p>
@@ -22871,7 +23479,7 @@
         </p:nvSpPr>
         <p:spPr>
           <a:xfrm>
-            <a:off x="398706" y="4368444"/>
+            <a:off x="423551" y="4538154"/>
             <a:ext cx="3286125" cy="461665"/>
           </a:xfrm>
           <a:prstGeom prst="rect">
@@ -22914,7 +23522,7 @@
         <p:spPr>
           <a:xfrm>
             <a:off x="448462" y="2765376"/>
-            <a:ext cx="4695825" cy="1323439"/>
+            <a:ext cx="4695825" cy="1631216"/>
           </a:xfrm>
           <a:prstGeom prst="rect">
             <a:avLst/>
@@ -22964,7 +23572,7 @@
                 <a:latin typeface="Times New Roman" panose="02020603050405020304" pitchFamily="18" charset="0"/>
                 <a:cs typeface="Times New Roman" panose="02020603050405020304" pitchFamily="18" charset="0"/>
               </a:rPr>
-              <a:t>can be obtained by ultrasound.</a:t>
+              <a:t>can be measured by ultrasound.</a:t>
             </a:r>
           </a:p>
           <a:p>
@@ -22985,7 +23593,7 @@
                 <a:latin typeface="Times New Roman" panose="02020603050405020304" pitchFamily="18" charset="0"/>
                 <a:cs typeface="Times New Roman" panose="02020603050405020304" pitchFamily="18" charset="0"/>
               </a:rPr>
-              <a:t>olume fraction can be estimated by viscosity model under </a:t>
+              <a:t>olume fraction can be well estimated by viscosity model under </a:t>
             </a:r>
             <a:r>
               <a:rPr lang="en-US" altLang="zh-CN" sz="2000" dirty="0">
@@ -23006,7 +23614,7 @@
                 <a:latin typeface="Times New Roman" panose="02020603050405020304" pitchFamily="18" charset="0"/>
                 <a:cs typeface="Times New Roman" panose="02020603050405020304" pitchFamily="18" charset="0"/>
               </a:rPr>
-              <a:t>conditions</a:t>
+              <a:t>working conditions</a:t>
             </a:r>
             <a:r>
               <a:rPr lang="en-US" altLang="zh-CN" sz="2000" b="0" i="0" dirty="0">
@@ -23033,8 +23641,8 @@
         </p:nvSpPr>
         <p:spPr>
           <a:xfrm>
-            <a:off x="436245" y="4861753"/>
-            <a:ext cx="4564380" cy="1015663"/>
+            <a:off x="461089" y="5031463"/>
+            <a:ext cx="4909757" cy="1015663"/>
           </a:xfrm>
           <a:prstGeom prst="rect">
             <a:avLst/>
@@ -23057,7 +23665,15 @@
                 <a:latin typeface="Times New Roman" panose="02020603050405020304" pitchFamily="18" charset="0"/>
                 <a:cs typeface="Times New Roman" panose="02020603050405020304" pitchFamily="18" charset="0"/>
               </a:rPr>
-              <a:t>Confirming the precision of the model</a:t>
+              <a:t>Confirming the precision of the </a:t>
+            </a:r>
+            <a:r>
+              <a:rPr lang="en-US" altLang="zh-CN" sz="2000" i="0" dirty="0">
+                <a:effectLst/>
+                <a:latin typeface="Times New Roman" panose="02020603050405020304" pitchFamily="18" charset="0"/>
+                <a:cs typeface="Times New Roman" panose="02020603050405020304" pitchFamily="18" charset="0"/>
+              </a:rPr>
+              <a:t>method</a:t>
             </a:r>
             <a:endParaRPr lang="en-US" altLang="zh-CN" sz="2000" dirty="0">
               <a:latin typeface="Times New Roman" panose="02020603050405020304" pitchFamily="18" charset="0"/>
@@ -23075,7 +23691,7 @@
                 <a:latin typeface="Times New Roman" panose="02020603050405020304" pitchFamily="18" charset="0"/>
                 <a:cs typeface="Times New Roman" panose="02020603050405020304" pitchFamily="18" charset="0"/>
               </a:rPr>
-              <a:t>Expanding the scope of the method</a:t>
+              <a:t>Expanding the using scope of the method</a:t>
             </a:r>
             <a:endParaRPr lang="en-US" altLang="zh-CN" sz="2000" dirty="0">
               <a:latin typeface="Times New Roman" panose="02020603050405020304" pitchFamily="18" charset="0"/>
@@ -23903,50 +24519,6 @@
       </p:sp>
       <p:sp>
         <p:nvSpPr>
-          <p:cNvPr id="4" name="文本框 3">
-            <a:extLst>
-              <a:ext uri="{FF2B5EF4-FFF2-40B4-BE49-F238E27FC236}">
-                <a16:creationId xmlns:a16="http://schemas.microsoft.com/office/drawing/2014/main" id="{7B8346C2-57E2-467D-CEB8-07DD6579537E}"/>
-              </a:ext>
-            </a:extLst>
-          </p:cNvPr>
-          <p:cNvSpPr txBox="1"/>
-          <p:nvPr/>
-        </p:nvSpPr>
-        <p:spPr>
-          <a:xfrm>
-            <a:off x="8354377" y="-35004"/>
-            <a:ext cx="706755" cy="369332"/>
-          </a:xfrm>
-          <a:prstGeom prst="rect">
-            <a:avLst/>
-          </a:prstGeom>
-          <a:noFill/>
-        </p:spPr>
-        <p:txBody>
-          <a:bodyPr wrap="square" rtlCol="0">
-            <a:spAutoFit/>
-          </a:bodyPr>
-          <a:lstStyle/>
-          <a:p>
-            <a:fld id="{67ECEB83-EA51-46CB-9CE7-54743CB6925A}" type="slidenum">
-              <a:rPr lang="zh-CN" altLang="en-US" smtClean="0"/>
-              <a:t>6</a:t>
-            </a:fld>
-            <a:r>
-              <a:rPr lang="zh-CN" altLang="en-US" dirty="0"/>
-              <a:t> </a:t>
-            </a:r>
-            <a:r>
-              <a:rPr lang="en-US" altLang="zh-CN" dirty="0"/>
-              <a:t>/ 7</a:t>
-            </a:r>
-            <a:endParaRPr lang="zh-CN" altLang="en-US" dirty="0"/>
-          </a:p>
-        </p:txBody>
-      </p:sp>
-      <p:sp>
-        <p:nvSpPr>
           <p:cNvPr id="6" name="文本框 5">
             <a:extLst>
               <a:ext uri="{FF2B5EF4-FFF2-40B4-BE49-F238E27FC236}">
@@ -24133,6 +24705,50 @@
               <a:latin typeface="Times New Roman" panose="02020603050405020304" pitchFamily="18" charset="0"/>
               <a:cs typeface="Times New Roman" panose="02020603050405020304" pitchFamily="18" charset="0"/>
             </a:endParaRPr>
+          </a:p>
+        </p:txBody>
+      </p:sp>
+      <p:sp>
+        <p:nvSpPr>
+          <p:cNvPr id="12" name="文本框 11">
+            <a:extLst>
+              <a:ext uri="{FF2B5EF4-FFF2-40B4-BE49-F238E27FC236}">
+                <a16:creationId xmlns:a16="http://schemas.microsoft.com/office/drawing/2014/main" id="{383EF747-9614-FC5F-E613-00877A25B889}"/>
+              </a:ext>
+            </a:extLst>
+          </p:cNvPr>
+          <p:cNvSpPr txBox="1"/>
+          <p:nvPr/>
+        </p:nvSpPr>
+        <p:spPr>
+          <a:xfrm>
+            <a:off x="8354377" y="-35004"/>
+            <a:ext cx="706755" cy="369332"/>
+          </a:xfrm>
+          <a:prstGeom prst="rect">
+            <a:avLst/>
+          </a:prstGeom>
+          <a:noFill/>
+        </p:spPr>
+        <p:txBody>
+          <a:bodyPr wrap="square" rtlCol="0">
+            <a:spAutoFit/>
+          </a:bodyPr>
+          <a:lstStyle/>
+          <a:p>
+            <a:fld id="{67ECEB83-EA51-46CB-9CE7-54743CB6925A}" type="slidenum">
+              <a:rPr lang="zh-CN" altLang="en-US" smtClean="0"/>
+              <a:t>6</a:t>
+            </a:fld>
+            <a:r>
+              <a:rPr lang="zh-CN" altLang="en-US" dirty="0"/>
+              <a:t> </a:t>
+            </a:r>
+            <a:r>
+              <a:rPr lang="en-US" altLang="zh-CN" dirty="0"/>
+              <a:t>/ 6</a:t>
+            </a:r>
+            <a:endParaRPr lang="zh-CN" altLang="en-US" dirty="0"/>
           </a:p>
         </p:txBody>
       </p:sp>
@@ -39145,6 +39761,301 @@
 </a:theme>
 </file>
 
+<file path=ppt/theme/theme2.xml><?xml version="1.0" encoding="utf-8"?>
+<a:theme xmlns:a="http://schemas.openxmlformats.org/drawingml/2006/main" name="Office 主题​​">
+  <a:themeElements>
+    <a:clrScheme name="Office">
+      <a:dk1>
+        <a:sysClr val="windowText" lastClr="000000"/>
+      </a:dk1>
+      <a:lt1>
+        <a:sysClr val="window" lastClr="FFFFFF"/>
+      </a:lt1>
+      <a:dk2>
+        <a:srgbClr val="44546A"/>
+      </a:dk2>
+      <a:lt2>
+        <a:srgbClr val="E7E6E6"/>
+      </a:lt2>
+      <a:accent1>
+        <a:srgbClr val="4472C4"/>
+      </a:accent1>
+      <a:accent2>
+        <a:srgbClr val="ED7D31"/>
+      </a:accent2>
+      <a:accent3>
+        <a:srgbClr val="A5A5A5"/>
+      </a:accent3>
+      <a:accent4>
+        <a:srgbClr val="FFC000"/>
+      </a:accent4>
+      <a:accent5>
+        <a:srgbClr val="5B9BD5"/>
+      </a:accent5>
+      <a:accent6>
+        <a:srgbClr val="70AD47"/>
+      </a:accent6>
+      <a:hlink>
+        <a:srgbClr val="0563C1"/>
+      </a:hlink>
+      <a:folHlink>
+        <a:srgbClr val="954F72"/>
+      </a:folHlink>
+    </a:clrScheme>
+    <a:fontScheme name="Office">
+      <a:majorFont>
+        <a:latin typeface="等线 Light" panose="020F0302020204030204"/>
+        <a:ea typeface=""/>
+        <a:cs typeface=""/>
+        <a:font script="Jpan" typeface="游ゴシック Light"/>
+        <a:font script="Hang" typeface="맑은 고딕"/>
+        <a:font script="Hans" typeface="等线 Light"/>
+        <a:font script="Hant" typeface="新細明體"/>
+        <a:font script="Arab" typeface="Times New Roman"/>
+        <a:font script="Hebr" typeface="Times New Roman"/>
+        <a:font script="Thai" typeface="Angsana New"/>
+        <a:font script="Ethi" typeface="Nyala"/>
+        <a:font script="Beng" typeface="Vrinda"/>
+        <a:font script="Gujr" typeface="Shruti"/>
+        <a:font script="Khmr" typeface="MoolBoran"/>
+        <a:font script="Knda" typeface="Tunga"/>
+        <a:font script="Guru" typeface="Raavi"/>
+        <a:font script="Cans" typeface="Euphemia"/>
+        <a:font script="Cher" typeface="Plantagenet Cherokee"/>
+        <a:font script="Yiii" typeface="Microsoft Yi Baiti"/>
+        <a:font script="Tibt" typeface="Microsoft Himalaya"/>
+        <a:font script="Thaa" typeface="MV Boli"/>
+        <a:font script="Deva" typeface="Mangal"/>
+        <a:font script="Telu" typeface="Gautami"/>
+        <a:font script="Taml" typeface="Latha"/>
+        <a:font script="Syrc" typeface="Estrangelo Edessa"/>
+        <a:font script="Orya" typeface="Kalinga"/>
+        <a:font script="Mlym" typeface="Kartika"/>
+        <a:font script="Laoo" typeface="DokChampa"/>
+        <a:font script="Sinh" typeface="Iskoola Pota"/>
+        <a:font script="Mong" typeface="Mongolian Baiti"/>
+        <a:font script="Viet" typeface="Times New Roman"/>
+        <a:font script="Uigh" typeface="Microsoft Uighur"/>
+        <a:font script="Geor" typeface="Sylfaen"/>
+        <a:font script="Armn" typeface="Arial"/>
+        <a:font script="Bugi" typeface="Leelawadee UI"/>
+        <a:font script="Bopo" typeface="Microsoft JhengHei"/>
+        <a:font script="Java" typeface="Javanese Text"/>
+        <a:font script="Lisu" typeface="Segoe UI"/>
+        <a:font script="Mymr" typeface="Myanmar Text"/>
+        <a:font script="Nkoo" typeface="Ebrima"/>
+        <a:font script="Olck" typeface="Nirmala UI"/>
+        <a:font script="Osma" typeface="Ebrima"/>
+        <a:font script="Phag" typeface="Phagspa"/>
+        <a:font script="Syrn" typeface="Estrangelo Edessa"/>
+        <a:font script="Syrj" typeface="Estrangelo Edessa"/>
+        <a:font script="Syre" typeface="Estrangelo Edessa"/>
+        <a:font script="Sora" typeface="Nirmala UI"/>
+        <a:font script="Tale" typeface="Microsoft Tai Le"/>
+        <a:font script="Talu" typeface="Microsoft New Tai Lue"/>
+        <a:font script="Tfng" typeface="Ebrima"/>
+      </a:majorFont>
+      <a:minorFont>
+        <a:latin typeface="等线" panose="020F0502020204030204"/>
+        <a:ea typeface=""/>
+        <a:cs typeface=""/>
+        <a:font script="Jpan" typeface="游ゴシック"/>
+        <a:font script="Hang" typeface="맑은 고딕"/>
+        <a:font script="Hans" typeface="等线"/>
+        <a:font script="Hant" typeface="新細明體"/>
+        <a:font script="Arab" typeface="Arial"/>
+        <a:font script="Hebr" typeface="Arial"/>
+        <a:font script="Thai" typeface="Cordia New"/>
+        <a:font script="Ethi" typeface="Nyala"/>
+        <a:font script="Beng" typeface="Vrinda"/>
+        <a:font script="Gujr" typeface="Shruti"/>
+        <a:font script="Khmr" typeface="DaunPenh"/>
+        <a:font script="Knda" typeface="Tunga"/>
+        <a:font script="Guru" typeface="Raavi"/>
+        <a:font script="Cans" typeface="Euphemia"/>
+        <a:font script="Cher" typeface="Plantagenet Cherokee"/>
+        <a:font script="Yiii" typeface="Microsoft Yi Baiti"/>
+        <a:font script="Tibt" typeface="Microsoft Himalaya"/>
+        <a:font script="Thaa" typeface="MV Boli"/>
+        <a:font script="Deva" typeface="Mangal"/>
+        <a:font script="Telu" typeface="Gautami"/>
+        <a:font script="Taml" typeface="Latha"/>
+        <a:font script="Syrc" typeface="Estrangelo Edessa"/>
+        <a:font script="Orya" typeface="Kalinga"/>
+        <a:font script="Mlym" typeface="Kartika"/>
+        <a:font script="Laoo" typeface="DokChampa"/>
+        <a:font script="Sinh" typeface="Iskoola Pota"/>
+        <a:font script="Mong" typeface="Mongolian Baiti"/>
+        <a:font script="Viet" typeface="Arial"/>
+        <a:font script="Uigh" typeface="Microsoft Uighur"/>
+        <a:font script="Geor" typeface="Sylfaen"/>
+        <a:font script="Armn" typeface="Arial"/>
+        <a:font script="Bugi" typeface="Leelawadee UI"/>
+        <a:font script="Bopo" typeface="Microsoft JhengHei"/>
+        <a:font script="Java" typeface="Javanese Text"/>
+        <a:font script="Lisu" typeface="Segoe UI"/>
+        <a:font script="Mymr" typeface="Myanmar Text"/>
+        <a:font script="Nkoo" typeface="Ebrima"/>
+        <a:font script="Olck" typeface="Nirmala UI"/>
+        <a:font script="Osma" typeface="Ebrima"/>
+        <a:font script="Phag" typeface="Phagspa"/>
+        <a:font script="Syrn" typeface="Estrangelo Edessa"/>
+        <a:font script="Syrj" typeface="Estrangelo Edessa"/>
+        <a:font script="Syre" typeface="Estrangelo Edessa"/>
+        <a:font script="Sora" typeface="Nirmala UI"/>
+        <a:font script="Tale" typeface="Microsoft Tai Le"/>
+        <a:font script="Talu" typeface="Microsoft New Tai Lue"/>
+        <a:font script="Tfng" typeface="Ebrima"/>
+      </a:minorFont>
+    </a:fontScheme>
+    <a:fmtScheme name="Office">
+      <a:fillStyleLst>
+        <a:solidFill>
+          <a:schemeClr val="phClr"/>
+        </a:solidFill>
+        <a:gradFill rotWithShape="1">
+          <a:gsLst>
+            <a:gs pos="0">
+              <a:schemeClr val="phClr">
+                <a:lumMod val="110000"/>
+                <a:satMod val="105000"/>
+                <a:tint val="67000"/>
+              </a:schemeClr>
+            </a:gs>
+            <a:gs pos="50000">
+              <a:schemeClr val="phClr">
+                <a:lumMod val="105000"/>
+                <a:satMod val="103000"/>
+                <a:tint val="73000"/>
+              </a:schemeClr>
+            </a:gs>
+            <a:gs pos="100000">
+              <a:schemeClr val="phClr">
+                <a:lumMod val="105000"/>
+                <a:satMod val="109000"/>
+                <a:tint val="81000"/>
+              </a:schemeClr>
+            </a:gs>
+          </a:gsLst>
+          <a:lin ang="5400000" scaled="0"/>
+        </a:gradFill>
+        <a:gradFill rotWithShape="1">
+          <a:gsLst>
+            <a:gs pos="0">
+              <a:schemeClr val="phClr">
+                <a:satMod val="103000"/>
+                <a:lumMod val="102000"/>
+                <a:tint val="94000"/>
+              </a:schemeClr>
+            </a:gs>
+            <a:gs pos="50000">
+              <a:schemeClr val="phClr">
+                <a:satMod val="110000"/>
+                <a:lumMod val="100000"/>
+                <a:shade val="100000"/>
+              </a:schemeClr>
+            </a:gs>
+            <a:gs pos="100000">
+              <a:schemeClr val="phClr">
+                <a:lumMod val="99000"/>
+                <a:satMod val="120000"/>
+                <a:shade val="78000"/>
+              </a:schemeClr>
+            </a:gs>
+          </a:gsLst>
+          <a:lin ang="5400000" scaled="0"/>
+        </a:gradFill>
+      </a:fillStyleLst>
+      <a:lnStyleLst>
+        <a:ln w="6350" cap="flat" cmpd="sng" algn="ctr">
+          <a:solidFill>
+            <a:schemeClr val="phClr"/>
+          </a:solidFill>
+          <a:prstDash val="solid"/>
+          <a:miter lim="800000"/>
+        </a:ln>
+        <a:ln w="12700" cap="flat" cmpd="sng" algn="ctr">
+          <a:solidFill>
+            <a:schemeClr val="phClr"/>
+          </a:solidFill>
+          <a:prstDash val="solid"/>
+          <a:miter lim="800000"/>
+        </a:ln>
+        <a:ln w="19050" cap="flat" cmpd="sng" algn="ctr">
+          <a:solidFill>
+            <a:schemeClr val="phClr"/>
+          </a:solidFill>
+          <a:prstDash val="solid"/>
+          <a:miter lim="800000"/>
+        </a:ln>
+      </a:lnStyleLst>
+      <a:effectStyleLst>
+        <a:effectStyle>
+          <a:effectLst/>
+        </a:effectStyle>
+        <a:effectStyle>
+          <a:effectLst/>
+        </a:effectStyle>
+        <a:effectStyle>
+          <a:effectLst>
+            <a:outerShdw blurRad="57150" dist="19050" dir="5400000" algn="ctr" rotWithShape="0">
+              <a:srgbClr val="000000">
+                <a:alpha val="63000"/>
+              </a:srgbClr>
+            </a:outerShdw>
+          </a:effectLst>
+        </a:effectStyle>
+      </a:effectStyleLst>
+      <a:bgFillStyleLst>
+        <a:solidFill>
+          <a:schemeClr val="phClr"/>
+        </a:solidFill>
+        <a:solidFill>
+          <a:schemeClr val="phClr">
+            <a:tint val="95000"/>
+            <a:satMod val="170000"/>
+          </a:schemeClr>
+        </a:solidFill>
+        <a:gradFill rotWithShape="1">
+          <a:gsLst>
+            <a:gs pos="0">
+              <a:schemeClr val="phClr">
+                <a:tint val="93000"/>
+                <a:satMod val="150000"/>
+                <a:shade val="98000"/>
+                <a:lumMod val="102000"/>
+              </a:schemeClr>
+            </a:gs>
+            <a:gs pos="50000">
+              <a:schemeClr val="phClr">
+                <a:tint val="98000"/>
+                <a:satMod val="130000"/>
+                <a:shade val="90000"/>
+                <a:lumMod val="103000"/>
+              </a:schemeClr>
+            </a:gs>
+            <a:gs pos="100000">
+              <a:schemeClr val="phClr">
+                <a:shade val="63000"/>
+                <a:satMod val="120000"/>
+              </a:schemeClr>
+            </a:gs>
+          </a:gsLst>
+          <a:lin ang="5400000" scaled="0"/>
+        </a:gradFill>
+      </a:bgFillStyleLst>
+    </a:fmtScheme>
+  </a:themeElements>
+  <a:objectDefaults/>
+  <a:extraClrSchemeLst/>
+  <a:extLst>
+    <a:ext uri="{05A4C25C-085E-4340-85A3-A5531E510DB2}">
+      <thm15:themeFamily xmlns:thm15="http://schemas.microsoft.com/office/thememl/2012/main" name="Office Theme" id="{62F939B6-93AF-4DB8-9C6B-D6C7DFDC589F}" vid="{4A3C46E8-61CC-4603-A589-7422A47A8E4A}"/>
+    </a:ext>
+  </a:extLst>
+</a:theme>
+</file>
+
 <file path=ppt/webextensions/taskpanes.xml><?xml version="1.0" encoding="utf-8"?>
 <wetp:taskpanes xmlns:wetp="http://schemas.microsoft.com/office/webextensions/taskpanes/2010/11">
   <wetp:taskpane dockstate="right" visibility="0" width="350" row="2">

--- a/RM_01.pptx
+++ b/RM_01.pptx
@@ -211,7 +211,7 @@
           <a:p>
             <a:fld id="{1F07882A-B2E3-4D5E-8C5C-3CFD46A47FCB}" type="datetimeFigureOut">
               <a:rPr lang="zh-CN" altLang="en-US" smtClean="0"/>
-              <a:t>2023/6/22</a:t>
+              <a:t>2023/6/23</a:t>
             </a:fld>
             <a:endParaRPr lang="zh-CN" altLang="en-US"/>
           </a:p>
@@ -693,7 +693,7 @@
           <a:p>
             <a:fld id="{FADA8128-1C4C-4D08-9526-2ABEDD64F8D5}" type="datetimeFigureOut">
               <a:rPr lang="zh-CN" altLang="en-US" smtClean="0"/>
-              <a:t>2023/6/22</a:t>
+              <a:t>2023/6/23</a:t>
             </a:fld>
             <a:endParaRPr lang="zh-CN" altLang="en-US"/>
           </a:p>
@@ -863,7 +863,7 @@
           <a:p>
             <a:fld id="{FADA8128-1C4C-4D08-9526-2ABEDD64F8D5}" type="datetimeFigureOut">
               <a:rPr lang="zh-CN" altLang="en-US" smtClean="0"/>
-              <a:t>2023/6/22</a:t>
+              <a:t>2023/6/23</a:t>
             </a:fld>
             <a:endParaRPr lang="zh-CN" altLang="en-US"/>
           </a:p>
@@ -1043,7 +1043,7 @@
           <a:p>
             <a:fld id="{FADA8128-1C4C-4D08-9526-2ABEDD64F8D5}" type="datetimeFigureOut">
               <a:rPr lang="zh-CN" altLang="en-US" smtClean="0"/>
-              <a:t>2023/6/22</a:t>
+              <a:t>2023/6/23</a:t>
             </a:fld>
             <a:endParaRPr lang="zh-CN" altLang="en-US"/>
           </a:p>
@@ -1213,7 +1213,7 @@
           <a:p>
             <a:fld id="{FADA8128-1C4C-4D08-9526-2ABEDD64F8D5}" type="datetimeFigureOut">
               <a:rPr lang="zh-CN" altLang="en-US" smtClean="0"/>
-              <a:t>2023/6/22</a:t>
+              <a:t>2023/6/23</a:t>
             </a:fld>
             <a:endParaRPr lang="zh-CN" altLang="en-US"/>
           </a:p>
@@ -1457,7 +1457,7 @@
           <a:p>
             <a:fld id="{FADA8128-1C4C-4D08-9526-2ABEDD64F8D5}" type="datetimeFigureOut">
               <a:rPr lang="zh-CN" altLang="en-US" smtClean="0"/>
-              <a:t>2023/6/22</a:t>
+              <a:t>2023/6/23</a:t>
             </a:fld>
             <a:endParaRPr lang="zh-CN" altLang="en-US"/>
           </a:p>
@@ -1689,7 +1689,7 @@
           <a:p>
             <a:fld id="{FADA8128-1C4C-4D08-9526-2ABEDD64F8D5}" type="datetimeFigureOut">
               <a:rPr lang="zh-CN" altLang="en-US" smtClean="0"/>
-              <a:t>2023/6/22</a:t>
+              <a:t>2023/6/23</a:t>
             </a:fld>
             <a:endParaRPr lang="zh-CN" altLang="en-US"/>
           </a:p>
@@ -2056,7 +2056,7 @@
           <a:p>
             <a:fld id="{FADA8128-1C4C-4D08-9526-2ABEDD64F8D5}" type="datetimeFigureOut">
               <a:rPr lang="zh-CN" altLang="en-US" smtClean="0"/>
-              <a:t>2023/6/22</a:t>
+              <a:t>2023/6/23</a:t>
             </a:fld>
             <a:endParaRPr lang="zh-CN" altLang="en-US"/>
           </a:p>
@@ -2174,7 +2174,7 @@
           <a:p>
             <a:fld id="{FADA8128-1C4C-4D08-9526-2ABEDD64F8D5}" type="datetimeFigureOut">
               <a:rPr lang="zh-CN" altLang="en-US" smtClean="0"/>
-              <a:t>2023/6/22</a:t>
+              <a:t>2023/6/23</a:t>
             </a:fld>
             <a:endParaRPr lang="zh-CN" altLang="en-US"/>
           </a:p>
@@ -2269,7 +2269,7 @@
           <a:p>
             <a:fld id="{FADA8128-1C4C-4D08-9526-2ABEDD64F8D5}" type="datetimeFigureOut">
               <a:rPr lang="zh-CN" altLang="en-US" smtClean="0"/>
-              <a:t>2023/6/22</a:t>
+              <a:t>2023/6/23</a:t>
             </a:fld>
             <a:endParaRPr lang="zh-CN" altLang="en-US"/>
           </a:p>
@@ -2546,7 +2546,7 @@
           <a:p>
             <a:fld id="{FADA8128-1C4C-4D08-9526-2ABEDD64F8D5}" type="datetimeFigureOut">
               <a:rPr lang="zh-CN" altLang="en-US" smtClean="0"/>
-              <a:t>2023/6/22</a:t>
+              <a:t>2023/6/23</a:t>
             </a:fld>
             <a:endParaRPr lang="zh-CN" altLang="en-US"/>
           </a:p>
@@ -2803,7 +2803,7 @@
           <a:p>
             <a:fld id="{FADA8128-1C4C-4D08-9526-2ABEDD64F8D5}" type="datetimeFigureOut">
               <a:rPr lang="zh-CN" altLang="en-US" smtClean="0"/>
-              <a:t>2023/6/22</a:t>
+              <a:t>2023/6/23</a:t>
             </a:fld>
             <a:endParaRPr lang="zh-CN" altLang="en-US"/>
           </a:p>
@@ -3016,7 +3016,7 @@
           <a:p>
             <a:fld id="{FADA8128-1C4C-4D08-9526-2ABEDD64F8D5}" type="datetimeFigureOut">
               <a:rPr lang="zh-CN" altLang="en-US" smtClean="0"/>
-              <a:t>2023/6/22</a:t>
+              <a:t>2023/6/23</a:t>
             </a:fld>
             <a:endParaRPr lang="zh-CN" altLang="en-US"/>
           </a:p>
@@ -20122,8 +20122,8 @@
           </a:fontRef>
         </p:style>
       </p:cxnSp>
-      <mc:AlternateContent xmlns:mc="http://schemas.openxmlformats.org/markup-compatibility/2006">
-        <mc:Choice xmlns:a14="http://schemas.microsoft.com/office/drawing/2010/main" Requires="a14">
+      <mc:AlternateContent xmlns:mc="http://schemas.openxmlformats.org/markup-compatibility/2006" xmlns:a14="http://schemas.microsoft.com/office/drawing/2010/main">
+        <mc:Choice Requires="a14">
           <p:sp>
             <p:nvSpPr>
               <p:cNvPr id="15" name="文本框 14">
@@ -20228,7 +20228,7 @@
             </p:txBody>
           </p:sp>
         </mc:Choice>
-        <mc:Fallback>
+        <mc:Fallback xmlns="">
           <p:sp>
             <p:nvSpPr>
               <p:cNvPr id="15" name="文本框 14">
@@ -23850,8 +23850,8 @@
         </p:nvSpPr>
         <p:spPr>
           <a:xfrm>
-            <a:off x="5370847" y="773598"/>
-            <a:ext cx="3409929" cy="400110"/>
+            <a:off x="5320086" y="387885"/>
+            <a:ext cx="3900114" cy="769441"/>
           </a:xfrm>
           <a:prstGeom prst="rect">
             <a:avLst/>
@@ -23863,6 +23863,33 @@
             <a:spAutoFit/>
           </a:bodyPr>
           <a:lstStyle/>
+          <a:p>
+            <a:r>
+              <a:rPr lang="en-US" altLang="zh-CN" sz="2400" dirty="0">
+                <a:latin typeface="Times New Roman" panose="02020603050405020304" pitchFamily="18" charset="0"/>
+                <a:cs typeface="Times New Roman" panose="02020603050405020304" pitchFamily="18" charset="0"/>
+              </a:rPr>
+              <a:t>A</a:t>
+            </a:r>
+            <a:r>
+              <a:rPr lang="zh-CN" altLang="en-US" sz="2400" dirty="0">
+                <a:latin typeface="Times New Roman" panose="02020603050405020304" pitchFamily="18" charset="0"/>
+                <a:cs typeface="Times New Roman" panose="02020603050405020304" pitchFamily="18" charset="0"/>
+              </a:rPr>
+              <a:t>ppendix</a:t>
+            </a:r>
+            <a:r>
+              <a:rPr lang="en-US" altLang="zh-CN" sz="2400" dirty="0">
+                <a:latin typeface="Times New Roman" panose="02020603050405020304" pitchFamily="18" charset="0"/>
+                <a:cs typeface="Times New Roman" panose="02020603050405020304" pitchFamily="18" charset="0"/>
+              </a:rPr>
+              <a:t>:</a:t>
+            </a:r>
+            <a:endParaRPr lang="zh-CN" altLang="en-US" sz="2400" dirty="0">
+              <a:latin typeface="Times New Roman" panose="02020603050405020304" pitchFamily="18" charset="0"/>
+              <a:cs typeface="Times New Roman" panose="02020603050405020304" pitchFamily="18" charset="0"/>
+            </a:endParaRPr>
+          </a:p>
           <a:p>
             <a:r>
               <a:rPr lang="en-US" altLang="zh-CN" sz="2000" dirty="0">
@@ -23883,7 +23910,7 @@
                 <a:latin typeface="Times New Roman" panose="02020603050405020304" pitchFamily="18" charset="0"/>
                 <a:cs typeface="Times New Roman" panose="02020603050405020304" pitchFamily="18" charset="0"/>
               </a:rPr>
-              <a:t>method</a:t>
+              <a:t>this method</a:t>
             </a:r>
             <a:endParaRPr lang="zh-CN" altLang="en-US" sz="2000" dirty="0"/>
           </a:p>
